--- a/Python Class 2.pptx
+++ b/Python Class 2.pptx
@@ -74,6 +74,28 @@
     <p:sldId id="326" r:id="rId68"/>
     <p:sldId id="325" r:id="rId69"/>
     <p:sldId id="327" r:id="rId70"/>
+    <p:sldId id="351" r:id="rId71"/>
+    <p:sldId id="329" r:id="rId72"/>
+    <p:sldId id="331" r:id="rId73"/>
+    <p:sldId id="330" r:id="rId74"/>
+    <p:sldId id="338" r:id="rId75"/>
+    <p:sldId id="349" r:id="rId76"/>
+    <p:sldId id="332" r:id="rId77"/>
+    <p:sldId id="333" r:id="rId78"/>
+    <p:sldId id="339" r:id="rId79"/>
+    <p:sldId id="334" r:id="rId80"/>
+    <p:sldId id="337" r:id="rId81"/>
+    <p:sldId id="340" r:id="rId82"/>
+    <p:sldId id="341" r:id="rId83"/>
+    <p:sldId id="342" r:id="rId84"/>
+    <p:sldId id="343" r:id="rId85"/>
+    <p:sldId id="348" r:id="rId86"/>
+    <p:sldId id="335" r:id="rId87"/>
+    <p:sldId id="336" r:id="rId88"/>
+    <p:sldId id="344" r:id="rId89"/>
+    <p:sldId id="345" r:id="rId90"/>
+    <p:sldId id="347" r:id="rId91"/>
+    <p:sldId id="350" r:id="rId92"/>
   </p:sldIdLst>
   <p:sldSz cx="12192000" cy="6858000"/>
   <p:notesSz cx="6858000" cy="9144000"/>
@@ -5767,6 +5789,925 @@
     <dgm:fillClrLst meth="repeat">
       <a:schemeClr val="accent1">
         <a:tint val="60000"/>
+      </a:schemeClr>
+    </dgm:fillClrLst>
+    <dgm:linClrLst meth="repeat">
+      <a:schemeClr val="lt1"/>
+    </dgm:linClrLst>
+    <dgm:effectClrLst/>
+    <dgm:txLinClrLst/>
+    <dgm:txFillClrLst meth="repeat">
+      <a:schemeClr val="dk1"/>
+    </dgm:txFillClrLst>
+    <dgm:txEffectClrLst/>
+  </dgm:styleLbl>
+  <dgm:styleLbl name="revTx">
+    <dgm:fillClrLst meth="repeat">
+      <a:schemeClr val="lt1">
+        <a:alpha val="0"/>
+      </a:schemeClr>
+    </dgm:fillClrLst>
+    <dgm:linClrLst meth="repeat">
+      <a:schemeClr val="dk1">
+        <a:alpha val="0"/>
+      </a:schemeClr>
+    </dgm:linClrLst>
+    <dgm:effectClrLst/>
+    <dgm:txLinClrLst/>
+    <dgm:txFillClrLst meth="repeat">
+      <a:schemeClr val="tx1"/>
+    </dgm:txFillClrLst>
+    <dgm:txEffectClrLst/>
+  </dgm:styleLbl>
+</dgm:colorsDef>
+</file>
+
+<file path=ppt/diagrams/colors8.xml><?xml version="1.0" encoding="utf-8"?>
+<dgm:colorsDef xmlns:dgm="http://schemas.openxmlformats.org/drawingml/2006/diagram" xmlns:a="http://schemas.openxmlformats.org/drawingml/2006/main" uniqueId="urn:microsoft.com/office/officeart/2005/8/colors/colorful1">
+  <dgm:title val=""/>
+  <dgm:desc val=""/>
+  <dgm:catLst>
+    <dgm:cat type="colorful" pri="10100"/>
+  </dgm:catLst>
+  <dgm:styleLbl name="node0">
+    <dgm:fillClrLst meth="repeat">
+      <a:schemeClr val="accent1"/>
+    </dgm:fillClrLst>
+    <dgm:linClrLst meth="repeat">
+      <a:schemeClr val="lt1"/>
+    </dgm:linClrLst>
+    <dgm:effectClrLst/>
+    <dgm:txLinClrLst/>
+    <dgm:txFillClrLst/>
+    <dgm:txEffectClrLst/>
+  </dgm:styleLbl>
+  <dgm:styleLbl name="node1">
+    <dgm:fillClrLst meth="repeat">
+      <a:schemeClr val="accent2"/>
+      <a:schemeClr val="accent3"/>
+      <a:schemeClr val="accent4"/>
+      <a:schemeClr val="accent5"/>
+      <a:schemeClr val="accent6"/>
+    </dgm:fillClrLst>
+    <dgm:linClrLst meth="repeat">
+      <a:schemeClr val="lt1"/>
+    </dgm:linClrLst>
+    <dgm:effectClrLst/>
+    <dgm:txLinClrLst/>
+    <dgm:txFillClrLst/>
+    <dgm:txEffectClrLst/>
+  </dgm:styleLbl>
+  <dgm:styleLbl name="alignNode1">
+    <dgm:fillClrLst meth="repeat">
+      <a:schemeClr val="accent2"/>
+      <a:schemeClr val="accent3"/>
+      <a:schemeClr val="accent4"/>
+      <a:schemeClr val="accent5"/>
+      <a:schemeClr val="accent6"/>
+    </dgm:fillClrLst>
+    <dgm:linClrLst meth="repeat">
+      <a:schemeClr val="accent2"/>
+      <a:schemeClr val="accent3"/>
+      <a:schemeClr val="accent4"/>
+      <a:schemeClr val="accent5"/>
+      <a:schemeClr val="accent6"/>
+    </dgm:linClrLst>
+    <dgm:effectClrLst/>
+    <dgm:txLinClrLst/>
+    <dgm:txFillClrLst/>
+    <dgm:txEffectClrLst/>
+  </dgm:styleLbl>
+  <dgm:styleLbl name="lnNode1">
+    <dgm:fillClrLst meth="repeat">
+      <a:schemeClr val="accent2"/>
+      <a:schemeClr val="accent3"/>
+      <a:schemeClr val="accent4"/>
+      <a:schemeClr val="accent5"/>
+      <a:schemeClr val="accent6"/>
+    </dgm:fillClrLst>
+    <dgm:linClrLst meth="repeat">
+      <a:schemeClr val="lt1"/>
+    </dgm:linClrLst>
+    <dgm:effectClrLst/>
+    <dgm:txLinClrLst/>
+    <dgm:txFillClrLst/>
+    <dgm:txEffectClrLst/>
+  </dgm:styleLbl>
+  <dgm:styleLbl name="vennNode1">
+    <dgm:fillClrLst meth="repeat">
+      <a:schemeClr val="accent2">
+        <a:alpha val="50000"/>
+      </a:schemeClr>
+      <a:schemeClr val="accent3">
+        <a:alpha val="50000"/>
+      </a:schemeClr>
+      <a:schemeClr val="accent4">
+        <a:alpha val="50000"/>
+      </a:schemeClr>
+      <a:schemeClr val="accent5">
+        <a:alpha val="50000"/>
+      </a:schemeClr>
+      <a:schemeClr val="accent6">
+        <a:alpha val="50000"/>
+      </a:schemeClr>
+    </dgm:fillClrLst>
+    <dgm:linClrLst meth="repeat">
+      <a:schemeClr val="lt1"/>
+    </dgm:linClrLst>
+    <dgm:effectClrLst/>
+    <dgm:txLinClrLst/>
+    <dgm:txFillClrLst/>
+    <dgm:txEffectClrLst/>
+  </dgm:styleLbl>
+  <dgm:styleLbl name="node2">
+    <dgm:fillClrLst>
+      <a:schemeClr val="accent2"/>
+    </dgm:fillClrLst>
+    <dgm:linClrLst meth="repeat">
+      <a:schemeClr val="lt1"/>
+    </dgm:linClrLst>
+    <dgm:effectClrLst/>
+    <dgm:txLinClrLst/>
+    <dgm:txFillClrLst/>
+    <dgm:txEffectClrLst/>
+  </dgm:styleLbl>
+  <dgm:styleLbl name="node3">
+    <dgm:fillClrLst>
+      <a:schemeClr val="accent3"/>
+    </dgm:fillClrLst>
+    <dgm:linClrLst meth="repeat">
+      <a:schemeClr val="lt1"/>
+    </dgm:linClrLst>
+    <dgm:effectClrLst/>
+    <dgm:txLinClrLst/>
+    <dgm:txFillClrLst/>
+    <dgm:txEffectClrLst/>
+  </dgm:styleLbl>
+  <dgm:styleLbl name="node4">
+    <dgm:fillClrLst>
+      <a:schemeClr val="accent4"/>
+    </dgm:fillClrLst>
+    <dgm:linClrLst meth="repeat">
+      <a:schemeClr val="lt1"/>
+    </dgm:linClrLst>
+    <dgm:effectClrLst/>
+    <dgm:txLinClrLst/>
+    <dgm:txFillClrLst/>
+    <dgm:txEffectClrLst/>
+  </dgm:styleLbl>
+  <dgm:styleLbl name="fgImgPlace1">
+    <dgm:fillClrLst meth="repeat">
+      <a:schemeClr val="accent2">
+        <a:tint val="50000"/>
+      </a:schemeClr>
+      <a:schemeClr val="accent3">
+        <a:tint val="50000"/>
+      </a:schemeClr>
+      <a:schemeClr val="accent4">
+        <a:tint val="50000"/>
+      </a:schemeClr>
+      <a:schemeClr val="accent5">
+        <a:tint val="50000"/>
+      </a:schemeClr>
+      <a:schemeClr val="accent6">
+        <a:tint val="50000"/>
+      </a:schemeClr>
+    </dgm:fillClrLst>
+    <dgm:linClrLst meth="repeat">
+      <a:schemeClr val="lt1"/>
+    </dgm:linClrLst>
+    <dgm:effectClrLst/>
+    <dgm:txLinClrLst/>
+    <dgm:txFillClrLst meth="repeat">
+      <a:schemeClr val="lt1"/>
+    </dgm:txFillClrLst>
+    <dgm:txEffectClrLst/>
+  </dgm:styleLbl>
+  <dgm:styleLbl name="alignImgPlace1">
+    <dgm:fillClrLst>
+      <a:schemeClr val="accent1">
+        <a:tint val="50000"/>
+      </a:schemeClr>
+      <a:schemeClr val="accent2">
+        <a:tint val="20000"/>
+      </a:schemeClr>
+    </dgm:fillClrLst>
+    <dgm:linClrLst meth="repeat">
+      <a:schemeClr val="lt1"/>
+    </dgm:linClrLst>
+    <dgm:effectClrLst/>
+    <dgm:txLinClrLst/>
+    <dgm:txFillClrLst meth="repeat">
+      <a:schemeClr val="lt1"/>
+    </dgm:txFillClrLst>
+    <dgm:txEffectClrLst/>
+  </dgm:styleLbl>
+  <dgm:styleLbl name="bgImgPlace1">
+    <dgm:fillClrLst>
+      <a:schemeClr val="accent1">
+        <a:tint val="50000"/>
+      </a:schemeClr>
+      <a:schemeClr val="accent2">
+        <a:tint val="20000"/>
+      </a:schemeClr>
+    </dgm:fillClrLst>
+    <dgm:linClrLst meth="repeat">
+      <a:schemeClr val="lt1"/>
+    </dgm:linClrLst>
+    <dgm:effectClrLst/>
+    <dgm:txLinClrLst/>
+    <dgm:txFillClrLst meth="repeat">
+      <a:schemeClr val="lt1"/>
+    </dgm:txFillClrLst>
+    <dgm:txEffectClrLst/>
+  </dgm:styleLbl>
+  <dgm:styleLbl name="sibTrans2D1">
+    <dgm:fillClrLst meth="repeat">
+      <a:schemeClr val="accent2"/>
+      <a:schemeClr val="accent3"/>
+      <a:schemeClr val="accent4"/>
+      <a:schemeClr val="accent5"/>
+      <a:schemeClr val="accent6"/>
+    </dgm:fillClrLst>
+    <dgm:linClrLst meth="cycle">
+      <a:schemeClr val="lt1"/>
+    </dgm:linClrLst>
+    <dgm:effectClrLst/>
+    <dgm:txLinClrLst/>
+    <dgm:txFillClrLst/>
+    <dgm:txEffectClrLst/>
+  </dgm:styleLbl>
+  <dgm:styleLbl name="fgSibTrans2D1">
+    <dgm:fillClrLst meth="repeat">
+      <a:schemeClr val="accent2"/>
+      <a:schemeClr val="accent3"/>
+      <a:schemeClr val="accent4"/>
+      <a:schemeClr val="accent5"/>
+      <a:schemeClr val="accent6"/>
+    </dgm:fillClrLst>
+    <dgm:linClrLst meth="cycle">
+      <a:schemeClr val="lt1"/>
+    </dgm:linClrLst>
+    <dgm:effectClrLst/>
+    <dgm:txLinClrLst/>
+    <dgm:txFillClrLst meth="repeat">
+      <a:schemeClr val="lt1"/>
+    </dgm:txFillClrLst>
+    <dgm:txEffectClrLst/>
+  </dgm:styleLbl>
+  <dgm:styleLbl name="bgSibTrans2D1">
+    <dgm:fillClrLst meth="repeat">
+      <a:schemeClr val="accent2"/>
+      <a:schemeClr val="accent3"/>
+      <a:schemeClr val="accent4"/>
+      <a:schemeClr val="accent5"/>
+      <a:schemeClr val="accent6"/>
+    </dgm:fillClrLst>
+    <dgm:linClrLst meth="cycle">
+      <a:schemeClr val="lt1"/>
+    </dgm:linClrLst>
+    <dgm:effectClrLst/>
+    <dgm:txLinClrLst/>
+    <dgm:txFillClrLst meth="repeat">
+      <a:schemeClr val="lt1"/>
+    </dgm:txFillClrLst>
+    <dgm:txEffectClrLst/>
+  </dgm:styleLbl>
+  <dgm:styleLbl name="sibTrans1D1">
+    <dgm:fillClrLst meth="repeat">
+      <a:schemeClr val="accent2"/>
+      <a:schemeClr val="accent3"/>
+      <a:schemeClr val="accent4"/>
+      <a:schemeClr val="accent5"/>
+      <a:schemeClr val="accent6"/>
+    </dgm:fillClrLst>
+    <dgm:linClrLst meth="repeat">
+      <a:schemeClr val="accent2"/>
+      <a:schemeClr val="accent3"/>
+      <a:schemeClr val="accent4"/>
+      <a:schemeClr val="accent5"/>
+      <a:schemeClr val="accent6"/>
+    </dgm:linClrLst>
+    <dgm:effectClrLst/>
+    <dgm:txLinClrLst/>
+    <dgm:txFillClrLst meth="repeat">
+      <a:schemeClr val="tx1"/>
+    </dgm:txFillClrLst>
+    <dgm:txEffectClrLst/>
+  </dgm:styleLbl>
+  <dgm:styleLbl name="callout">
+    <dgm:fillClrLst meth="repeat">
+      <a:schemeClr val="accent2"/>
+    </dgm:fillClrLst>
+    <dgm:linClrLst meth="repeat">
+      <a:schemeClr val="accent2">
+        <a:tint val="50000"/>
+      </a:schemeClr>
+    </dgm:linClrLst>
+    <dgm:effectClrLst/>
+    <dgm:txLinClrLst/>
+    <dgm:txFillClrLst meth="repeat">
+      <a:schemeClr val="tx1"/>
+    </dgm:txFillClrLst>
+    <dgm:txEffectClrLst/>
+  </dgm:styleLbl>
+  <dgm:styleLbl name="asst0">
+    <dgm:fillClrLst meth="repeat">
+      <a:schemeClr val="accent1"/>
+    </dgm:fillClrLst>
+    <dgm:linClrLst meth="repeat">
+      <a:schemeClr val="lt1"/>
+    </dgm:linClrLst>
+    <dgm:effectClrLst/>
+    <dgm:txLinClrLst/>
+    <dgm:txFillClrLst/>
+    <dgm:txEffectClrLst/>
+  </dgm:styleLbl>
+  <dgm:styleLbl name="asst1">
+    <dgm:fillClrLst meth="repeat">
+      <a:schemeClr val="accent2"/>
+    </dgm:fillClrLst>
+    <dgm:linClrLst meth="repeat">
+      <a:schemeClr val="lt1"/>
+    </dgm:linClrLst>
+    <dgm:effectClrLst/>
+    <dgm:txLinClrLst/>
+    <dgm:txFillClrLst/>
+    <dgm:txEffectClrLst/>
+  </dgm:styleLbl>
+  <dgm:styleLbl name="asst2">
+    <dgm:fillClrLst>
+      <a:schemeClr val="accent3"/>
+    </dgm:fillClrLst>
+    <dgm:linClrLst meth="repeat">
+      <a:schemeClr val="lt1"/>
+    </dgm:linClrLst>
+    <dgm:effectClrLst/>
+    <dgm:txLinClrLst/>
+    <dgm:txFillClrLst/>
+    <dgm:txEffectClrLst/>
+  </dgm:styleLbl>
+  <dgm:styleLbl name="asst3">
+    <dgm:fillClrLst>
+      <a:schemeClr val="accent4"/>
+    </dgm:fillClrLst>
+    <dgm:linClrLst meth="repeat">
+      <a:schemeClr val="lt1"/>
+    </dgm:linClrLst>
+    <dgm:effectClrLst/>
+    <dgm:txLinClrLst/>
+    <dgm:txFillClrLst/>
+    <dgm:txEffectClrLst/>
+  </dgm:styleLbl>
+  <dgm:styleLbl name="asst4">
+    <dgm:fillClrLst>
+      <a:schemeClr val="accent5"/>
+    </dgm:fillClrLst>
+    <dgm:linClrLst meth="repeat">
+      <a:schemeClr val="lt1"/>
+    </dgm:linClrLst>
+    <dgm:effectClrLst/>
+    <dgm:txLinClrLst/>
+    <dgm:txFillClrLst/>
+    <dgm:txEffectClrLst/>
+  </dgm:styleLbl>
+  <dgm:styleLbl name="parChTrans2D1">
+    <dgm:fillClrLst meth="repeat">
+      <a:schemeClr val="accent2"/>
+    </dgm:fillClrLst>
+    <dgm:linClrLst meth="repeat">
+      <a:schemeClr val="lt1"/>
+    </dgm:linClrLst>
+    <dgm:effectClrLst/>
+    <dgm:txLinClrLst/>
+    <dgm:txFillClrLst meth="repeat">
+      <a:schemeClr val="lt1"/>
+    </dgm:txFillClrLst>
+    <dgm:txEffectClrLst/>
+  </dgm:styleLbl>
+  <dgm:styleLbl name="parChTrans2D2">
+    <dgm:fillClrLst meth="repeat">
+      <a:schemeClr val="accent3"/>
+    </dgm:fillClrLst>
+    <dgm:linClrLst meth="repeat">
+      <a:schemeClr val="lt1"/>
+    </dgm:linClrLst>
+    <dgm:effectClrLst/>
+    <dgm:txLinClrLst/>
+    <dgm:txFillClrLst/>
+    <dgm:txEffectClrLst/>
+  </dgm:styleLbl>
+  <dgm:styleLbl name="parChTrans2D3">
+    <dgm:fillClrLst meth="repeat">
+      <a:schemeClr val="accent4"/>
+    </dgm:fillClrLst>
+    <dgm:linClrLst meth="repeat">
+      <a:schemeClr val="lt1"/>
+    </dgm:linClrLst>
+    <dgm:effectClrLst/>
+    <dgm:txLinClrLst/>
+    <dgm:txFillClrLst/>
+    <dgm:txEffectClrLst/>
+  </dgm:styleLbl>
+  <dgm:styleLbl name="parChTrans2D4">
+    <dgm:fillClrLst meth="repeat">
+      <a:schemeClr val="accent5"/>
+    </dgm:fillClrLst>
+    <dgm:linClrLst meth="repeat">
+      <a:schemeClr val="lt1"/>
+    </dgm:linClrLst>
+    <dgm:effectClrLst/>
+    <dgm:txLinClrLst/>
+    <dgm:txFillClrLst meth="repeat">
+      <a:schemeClr val="lt1"/>
+    </dgm:txFillClrLst>
+    <dgm:txEffectClrLst/>
+  </dgm:styleLbl>
+  <dgm:styleLbl name="parChTrans1D1">
+    <dgm:fillClrLst meth="repeat">
+      <a:schemeClr val="accent2"/>
+    </dgm:fillClrLst>
+    <dgm:linClrLst meth="repeat">
+      <a:schemeClr val="accent1"/>
+    </dgm:linClrLst>
+    <dgm:effectClrLst/>
+    <dgm:txLinClrLst/>
+    <dgm:txFillClrLst meth="repeat">
+      <a:schemeClr val="tx1"/>
+    </dgm:txFillClrLst>
+    <dgm:txEffectClrLst/>
+  </dgm:styleLbl>
+  <dgm:styleLbl name="parChTrans1D2">
+    <dgm:fillClrLst meth="repeat">
+      <a:schemeClr val="accent3">
+        <a:tint val="90000"/>
+      </a:schemeClr>
+    </dgm:fillClrLst>
+    <dgm:linClrLst meth="repeat">
+      <a:schemeClr val="accent2"/>
+    </dgm:linClrLst>
+    <dgm:effectClrLst/>
+    <dgm:txLinClrLst/>
+    <dgm:txFillClrLst meth="repeat">
+      <a:schemeClr val="tx1"/>
+    </dgm:txFillClrLst>
+    <dgm:txEffectClrLst/>
+  </dgm:styleLbl>
+  <dgm:styleLbl name="parChTrans1D3">
+    <dgm:fillClrLst meth="repeat">
+      <a:schemeClr val="accent4">
+        <a:tint val="70000"/>
+      </a:schemeClr>
+    </dgm:fillClrLst>
+    <dgm:linClrLst meth="repeat">
+      <a:schemeClr val="accent3"/>
+    </dgm:linClrLst>
+    <dgm:effectClrLst/>
+    <dgm:txLinClrLst/>
+    <dgm:txFillClrLst meth="repeat">
+      <a:schemeClr val="tx1"/>
+    </dgm:txFillClrLst>
+    <dgm:txEffectClrLst/>
+  </dgm:styleLbl>
+  <dgm:styleLbl name="parChTrans1D4">
+    <dgm:fillClrLst meth="repeat">
+      <a:schemeClr val="accent5">
+        <a:tint val="50000"/>
+      </a:schemeClr>
+    </dgm:fillClrLst>
+    <dgm:linClrLst meth="repeat">
+      <a:schemeClr val="accent4"/>
+    </dgm:linClrLst>
+    <dgm:effectClrLst/>
+    <dgm:txLinClrLst/>
+    <dgm:txFillClrLst meth="repeat">
+      <a:schemeClr val="tx1"/>
+    </dgm:txFillClrLst>
+    <dgm:txEffectClrLst/>
+  </dgm:styleLbl>
+  <dgm:styleLbl name="fgAcc1">
+    <dgm:fillClrLst meth="repeat">
+      <a:schemeClr val="lt1">
+        <a:alpha val="90000"/>
+      </a:schemeClr>
+    </dgm:fillClrLst>
+    <dgm:linClrLst meth="repeat">
+      <a:schemeClr val="accent2"/>
+      <a:schemeClr val="accent3"/>
+      <a:schemeClr val="accent4"/>
+      <a:schemeClr val="accent5"/>
+      <a:schemeClr val="accent6"/>
+    </dgm:linClrLst>
+    <dgm:effectClrLst/>
+    <dgm:txLinClrLst/>
+    <dgm:txFillClrLst meth="repeat">
+      <a:schemeClr val="dk1"/>
+    </dgm:txFillClrLst>
+    <dgm:txEffectClrLst/>
+  </dgm:styleLbl>
+  <dgm:styleLbl name="conFgAcc1">
+    <dgm:fillClrLst meth="repeat">
+      <a:schemeClr val="lt1">
+        <a:alpha val="90000"/>
+      </a:schemeClr>
+    </dgm:fillClrLst>
+    <dgm:linClrLst meth="repeat">
+      <a:schemeClr val="accent2"/>
+      <a:schemeClr val="accent3"/>
+      <a:schemeClr val="accent4"/>
+      <a:schemeClr val="accent5"/>
+      <a:schemeClr val="accent6"/>
+    </dgm:linClrLst>
+    <dgm:effectClrLst/>
+    <dgm:txLinClrLst/>
+    <dgm:txFillClrLst meth="repeat">
+      <a:schemeClr val="dk1"/>
+    </dgm:txFillClrLst>
+    <dgm:txEffectClrLst/>
+  </dgm:styleLbl>
+  <dgm:styleLbl name="alignAcc1">
+    <dgm:fillClrLst meth="repeat">
+      <a:schemeClr val="lt1">
+        <a:alpha val="90000"/>
+      </a:schemeClr>
+    </dgm:fillClrLst>
+    <dgm:linClrLst meth="repeat">
+      <a:schemeClr val="accent2"/>
+      <a:schemeClr val="accent3"/>
+      <a:schemeClr val="accent4"/>
+      <a:schemeClr val="accent5"/>
+      <a:schemeClr val="accent6"/>
+    </dgm:linClrLst>
+    <dgm:effectClrLst/>
+    <dgm:txLinClrLst/>
+    <dgm:txFillClrLst meth="repeat">
+      <a:schemeClr val="dk1"/>
+    </dgm:txFillClrLst>
+    <dgm:txEffectClrLst/>
+  </dgm:styleLbl>
+  <dgm:styleLbl name="trAlignAcc1">
+    <dgm:fillClrLst meth="repeat">
+      <a:schemeClr val="lt1">
+        <a:alpha val="40000"/>
+      </a:schemeClr>
+    </dgm:fillClrLst>
+    <dgm:linClrLst meth="repeat">
+      <a:schemeClr val="accent1"/>
+    </dgm:linClrLst>
+    <dgm:effectClrLst/>
+    <dgm:txLinClrLst/>
+    <dgm:txFillClrLst meth="repeat">
+      <a:schemeClr val="dk1"/>
+    </dgm:txFillClrLst>
+    <dgm:txEffectClrLst/>
+  </dgm:styleLbl>
+  <dgm:styleLbl name="bgAcc1">
+    <dgm:fillClrLst meth="repeat">
+      <a:schemeClr val="lt1">
+        <a:alpha val="90000"/>
+      </a:schemeClr>
+    </dgm:fillClrLst>
+    <dgm:linClrLst meth="repeat">
+      <a:schemeClr val="accent2"/>
+      <a:schemeClr val="accent3"/>
+      <a:schemeClr val="accent4"/>
+      <a:schemeClr val="accent5"/>
+      <a:schemeClr val="accent6"/>
+    </dgm:linClrLst>
+    <dgm:effectClrLst/>
+    <dgm:txLinClrLst/>
+    <dgm:txFillClrLst meth="repeat">
+      <a:schemeClr val="dk1"/>
+    </dgm:txFillClrLst>
+    <dgm:txEffectClrLst/>
+  </dgm:styleLbl>
+  <dgm:styleLbl name="solidFgAcc1">
+    <dgm:fillClrLst meth="repeat">
+      <a:schemeClr val="lt1"/>
+    </dgm:fillClrLst>
+    <dgm:linClrLst meth="repeat">
+      <a:schemeClr val="accent2"/>
+      <a:schemeClr val="accent3"/>
+      <a:schemeClr val="accent4"/>
+      <a:schemeClr val="accent5"/>
+      <a:schemeClr val="accent6"/>
+    </dgm:linClrLst>
+    <dgm:effectClrLst/>
+    <dgm:txLinClrLst/>
+    <dgm:txFillClrLst meth="repeat">
+      <a:schemeClr val="dk1"/>
+    </dgm:txFillClrLst>
+    <dgm:txEffectClrLst/>
+  </dgm:styleLbl>
+  <dgm:styleLbl name="solidAlignAcc1">
+    <dgm:fillClrLst meth="repeat">
+      <a:schemeClr val="lt1"/>
+    </dgm:fillClrLst>
+    <dgm:linClrLst meth="repeat">
+      <a:schemeClr val="accent2"/>
+      <a:schemeClr val="accent3"/>
+      <a:schemeClr val="accent4"/>
+      <a:schemeClr val="accent5"/>
+      <a:schemeClr val="accent6"/>
+    </dgm:linClrLst>
+    <dgm:effectClrLst/>
+    <dgm:txLinClrLst/>
+    <dgm:txFillClrLst meth="repeat">
+      <a:schemeClr val="dk1"/>
+    </dgm:txFillClrLst>
+    <dgm:txEffectClrLst/>
+  </dgm:styleLbl>
+  <dgm:styleLbl name="solidBgAcc1">
+    <dgm:fillClrLst meth="repeat">
+      <a:schemeClr val="lt1"/>
+    </dgm:fillClrLst>
+    <dgm:linClrLst meth="repeat">
+      <a:schemeClr val="accent2"/>
+      <a:schemeClr val="accent3"/>
+      <a:schemeClr val="accent4"/>
+      <a:schemeClr val="accent5"/>
+      <a:schemeClr val="accent6"/>
+    </dgm:linClrLst>
+    <dgm:effectClrLst/>
+    <dgm:txLinClrLst/>
+    <dgm:txFillClrLst meth="repeat">
+      <a:schemeClr val="dk1"/>
+    </dgm:txFillClrLst>
+    <dgm:txEffectClrLst/>
+  </dgm:styleLbl>
+  <dgm:styleLbl name="fgAccFollowNode1">
+    <dgm:fillClrLst meth="repeat">
+      <a:schemeClr val="accent2">
+        <a:tint val="40000"/>
+        <a:alpha val="90000"/>
+      </a:schemeClr>
+      <a:schemeClr val="accent3">
+        <a:tint val="40000"/>
+        <a:alpha val="90000"/>
+      </a:schemeClr>
+      <a:schemeClr val="accent4">
+        <a:tint val="40000"/>
+        <a:alpha val="90000"/>
+      </a:schemeClr>
+      <a:schemeClr val="accent5">
+        <a:tint val="40000"/>
+        <a:alpha val="90000"/>
+      </a:schemeClr>
+      <a:schemeClr val="accent6">
+        <a:tint val="40000"/>
+        <a:alpha val="90000"/>
+      </a:schemeClr>
+    </dgm:fillClrLst>
+    <dgm:linClrLst meth="repeat">
+      <a:schemeClr val="accent2">
+        <a:tint val="40000"/>
+        <a:alpha val="90000"/>
+      </a:schemeClr>
+      <a:schemeClr val="accent3">
+        <a:tint val="40000"/>
+        <a:alpha val="90000"/>
+      </a:schemeClr>
+      <a:schemeClr val="accent4">
+        <a:tint val="40000"/>
+        <a:alpha val="90000"/>
+      </a:schemeClr>
+      <a:schemeClr val="accent5">
+        <a:tint val="40000"/>
+        <a:alpha val="90000"/>
+      </a:schemeClr>
+      <a:schemeClr val="accent6">
+        <a:tint val="40000"/>
+        <a:alpha val="90000"/>
+      </a:schemeClr>
+    </dgm:linClrLst>
+    <dgm:effectClrLst/>
+    <dgm:txLinClrLst/>
+    <dgm:txFillClrLst meth="repeat">
+      <a:schemeClr val="dk1"/>
+    </dgm:txFillClrLst>
+    <dgm:txEffectClrLst/>
+  </dgm:styleLbl>
+  <dgm:styleLbl name="alignAccFollowNode1">
+    <dgm:fillClrLst meth="repeat">
+      <a:schemeClr val="accent2">
+        <a:tint val="40000"/>
+        <a:alpha val="90000"/>
+      </a:schemeClr>
+      <a:schemeClr val="accent3">
+        <a:tint val="40000"/>
+        <a:alpha val="90000"/>
+      </a:schemeClr>
+      <a:schemeClr val="accent4">
+        <a:tint val="40000"/>
+        <a:alpha val="90000"/>
+      </a:schemeClr>
+      <a:schemeClr val="accent5">
+        <a:tint val="40000"/>
+        <a:alpha val="90000"/>
+      </a:schemeClr>
+      <a:schemeClr val="accent6">
+        <a:tint val="40000"/>
+        <a:alpha val="90000"/>
+      </a:schemeClr>
+    </dgm:fillClrLst>
+    <dgm:linClrLst meth="repeat">
+      <a:schemeClr val="accent2">
+        <a:tint val="40000"/>
+        <a:alpha val="90000"/>
+      </a:schemeClr>
+      <a:schemeClr val="accent3">
+        <a:tint val="40000"/>
+        <a:alpha val="90000"/>
+      </a:schemeClr>
+      <a:schemeClr val="accent4">
+        <a:tint val="40000"/>
+        <a:alpha val="90000"/>
+      </a:schemeClr>
+      <a:schemeClr val="accent5">
+        <a:tint val="40000"/>
+        <a:alpha val="90000"/>
+      </a:schemeClr>
+      <a:schemeClr val="accent6">
+        <a:tint val="40000"/>
+        <a:alpha val="90000"/>
+      </a:schemeClr>
+    </dgm:linClrLst>
+    <dgm:effectClrLst/>
+    <dgm:txLinClrLst/>
+    <dgm:txFillClrLst meth="repeat">
+      <a:schemeClr val="dk1"/>
+    </dgm:txFillClrLst>
+    <dgm:txEffectClrLst/>
+  </dgm:styleLbl>
+  <dgm:styleLbl name="bgAccFollowNode1">
+    <dgm:fillClrLst meth="repeat">
+      <a:schemeClr val="accent2">
+        <a:tint val="40000"/>
+        <a:alpha val="90000"/>
+      </a:schemeClr>
+      <a:schemeClr val="accent3">
+        <a:tint val="40000"/>
+        <a:alpha val="90000"/>
+      </a:schemeClr>
+      <a:schemeClr val="accent4">
+        <a:tint val="40000"/>
+        <a:alpha val="90000"/>
+      </a:schemeClr>
+      <a:schemeClr val="accent5">
+        <a:tint val="40000"/>
+        <a:alpha val="90000"/>
+      </a:schemeClr>
+      <a:schemeClr val="accent6">
+        <a:tint val="40000"/>
+        <a:alpha val="90000"/>
+      </a:schemeClr>
+    </dgm:fillClrLst>
+    <dgm:linClrLst meth="repeat">
+      <a:schemeClr val="accent2">
+        <a:tint val="40000"/>
+        <a:alpha val="90000"/>
+      </a:schemeClr>
+      <a:schemeClr val="accent3">
+        <a:tint val="40000"/>
+        <a:alpha val="90000"/>
+      </a:schemeClr>
+      <a:schemeClr val="accent4">
+        <a:tint val="40000"/>
+        <a:alpha val="90000"/>
+      </a:schemeClr>
+      <a:schemeClr val="accent5">
+        <a:tint val="40000"/>
+        <a:alpha val="90000"/>
+      </a:schemeClr>
+      <a:schemeClr val="accent6">
+        <a:tint val="40000"/>
+        <a:alpha val="90000"/>
+      </a:schemeClr>
+    </dgm:linClrLst>
+    <dgm:effectClrLst/>
+    <dgm:txLinClrLst/>
+    <dgm:txFillClrLst meth="repeat">
+      <a:schemeClr val="dk1"/>
+    </dgm:txFillClrLst>
+    <dgm:txEffectClrLst/>
+  </dgm:styleLbl>
+  <dgm:styleLbl name="fgAcc0">
+    <dgm:fillClrLst meth="repeat">
+      <a:schemeClr val="lt1">
+        <a:alpha val="90000"/>
+      </a:schemeClr>
+    </dgm:fillClrLst>
+    <dgm:linClrLst>
+      <a:schemeClr val="accent1"/>
+    </dgm:linClrLst>
+    <dgm:effectClrLst/>
+    <dgm:txLinClrLst/>
+    <dgm:txFillClrLst meth="repeat">
+      <a:schemeClr val="dk1"/>
+    </dgm:txFillClrLst>
+    <dgm:txEffectClrLst/>
+  </dgm:styleLbl>
+  <dgm:styleLbl name="fgAcc2">
+    <dgm:fillClrLst meth="repeat">
+      <a:schemeClr val="lt1">
+        <a:alpha val="90000"/>
+      </a:schemeClr>
+    </dgm:fillClrLst>
+    <dgm:linClrLst>
+      <a:schemeClr val="accent2"/>
+    </dgm:linClrLst>
+    <dgm:effectClrLst/>
+    <dgm:txLinClrLst/>
+    <dgm:txFillClrLst meth="repeat">
+      <a:schemeClr val="dk1"/>
+    </dgm:txFillClrLst>
+    <dgm:txEffectClrLst/>
+  </dgm:styleLbl>
+  <dgm:styleLbl name="fgAcc3">
+    <dgm:fillClrLst meth="repeat">
+      <a:schemeClr val="lt1">
+        <a:alpha val="90000"/>
+      </a:schemeClr>
+    </dgm:fillClrLst>
+    <dgm:linClrLst>
+      <a:schemeClr val="accent3"/>
+    </dgm:linClrLst>
+    <dgm:effectClrLst/>
+    <dgm:txLinClrLst/>
+    <dgm:txFillClrLst meth="repeat">
+      <a:schemeClr val="dk1"/>
+    </dgm:txFillClrLst>
+    <dgm:txEffectClrLst/>
+  </dgm:styleLbl>
+  <dgm:styleLbl name="fgAcc4">
+    <dgm:fillClrLst meth="repeat">
+      <a:schemeClr val="lt1">
+        <a:alpha val="90000"/>
+      </a:schemeClr>
+    </dgm:fillClrLst>
+    <dgm:linClrLst>
+      <a:schemeClr val="accent4"/>
+    </dgm:linClrLst>
+    <dgm:effectClrLst/>
+    <dgm:txLinClrLst/>
+    <dgm:txFillClrLst meth="repeat">
+      <a:schemeClr val="dk1"/>
+    </dgm:txFillClrLst>
+    <dgm:txEffectClrLst/>
+  </dgm:styleLbl>
+  <dgm:styleLbl name="bgShp">
+    <dgm:fillClrLst meth="repeat">
+      <a:schemeClr val="accent2">
+        <a:tint val="40000"/>
+      </a:schemeClr>
+    </dgm:fillClrLst>
+    <dgm:linClrLst meth="repeat">
+      <a:schemeClr val="dk1"/>
+    </dgm:linClrLst>
+    <dgm:effectClrLst/>
+    <dgm:txLinClrLst/>
+    <dgm:txFillClrLst meth="repeat">
+      <a:schemeClr val="dk1"/>
+    </dgm:txFillClrLst>
+    <dgm:txEffectClrLst/>
+  </dgm:styleLbl>
+  <dgm:styleLbl name="dkBgShp">
+    <dgm:fillClrLst meth="repeat">
+      <a:schemeClr val="accent2">
+        <a:shade val="90000"/>
+      </a:schemeClr>
+    </dgm:fillClrLst>
+    <dgm:linClrLst meth="repeat">
+      <a:schemeClr val="dk1"/>
+    </dgm:linClrLst>
+    <dgm:effectClrLst/>
+    <dgm:txLinClrLst/>
+    <dgm:txFillClrLst meth="repeat">
+      <a:schemeClr val="lt1"/>
+    </dgm:txFillClrLst>
+    <dgm:txEffectClrLst/>
+  </dgm:styleLbl>
+  <dgm:styleLbl name="trBgShp">
+    <dgm:fillClrLst meth="repeat">
+      <a:schemeClr val="accent1">
+        <a:tint val="50000"/>
+        <a:alpha val="40000"/>
+      </a:schemeClr>
+    </dgm:fillClrLst>
+    <dgm:linClrLst meth="repeat">
+      <a:schemeClr val="accent2"/>
+    </dgm:linClrLst>
+    <dgm:effectClrLst/>
+    <dgm:txLinClrLst/>
+    <dgm:txFillClrLst meth="repeat">
+      <a:schemeClr val="lt1"/>
+    </dgm:txFillClrLst>
+    <dgm:txEffectClrLst/>
+  </dgm:styleLbl>
+  <dgm:styleLbl name="fgShp">
+    <dgm:fillClrLst meth="repeat">
+      <a:schemeClr val="accent2">
+        <a:tint val="40000"/>
       </a:schemeClr>
     </dgm:fillClrLst>
     <dgm:linClrLst meth="repeat">
@@ -9236,6 +10177,378 @@
     <dgm:cxn modelId="{917A0BD4-B064-604A-8B4C-67A243D5C1A1}" type="presParOf" srcId="{0E98DD87-B157-3546-86CA-5810DEA05C6C}" destId="{FEC89006-133B-1948-8DBF-00BB5F3A4422}" srcOrd="0" destOrd="0" presId="urn:microsoft.com/office/officeart/2005/8/layout/hProcess11"/>
     <dgm:cxn modelId="{27A2F2A6-E3C7-9941-AC26-9FBEC5E553EE}" type="presParOf" srcId="{0E98DD87-B157-3546-86CA-5810DEA05C6C}" destId="{5E57101D-93C9-1F46-8629-DD1270E40518}" srcOrd="1" destOrd="0" presId="urn:microsoft.com/office/officeart/2005/8/layout/hProcess11"/>
     <dgm:cxn modelId="{C9F12A5D-0324-9449-8FC1-893228D78F43}" type="presParOf" srcId="{0E98DD87-B157-3546-86CA-5810DEA05C6C}" destId="{3B584C31-053E-4146-A976-A2DF20DF3218}" srcOrd="2" destOrd="0" presId="urn:microsoft.com/office/officeart/2005/8/layout/hProcess11"/>
+  </dgm:cxnLst>
+  <dgm:bg/>
+  <dgm:whole/>
+  <dgm:extLst>
+    <a:ext uri="http://schemas.microsoft.com/office/drawing/2008/diagram">
+      <dsp:dataModelExt xmlns:dsp="http://schemas.microsoft.com/office/drawing/2008/diagram" relId="rId6" minVer="http://schemas.openxmlformats.org/drawingml/2006/diagram"/>
+    </a:ext>
+  </dgm:extLst>
+</dgm:dataModel>
+</file>
+
+<file path=ppt/diagrams/data8.xml><?xml version="1.0" encoding="utf-8"?>
+<dgm:dataModel xmlns:dgm="http://schemas.openxmlformats.org/drawingml/2006/diagram" xmlns:a="http://schemas.openxmlformats.org/drawingml/2006/main">
+  <dgm:ptLst>
+    <dgm:pt modelId="{316C082F-A0D1-480B-9F04-7566676A8E80}" type="doc">
+      <dgm:prSet loTypeId="urn:microsoft.com/office/officeart/2005/8/layout/radial3" loCatId="cycle" qsTypeId="urn:microsoft.com/office/officeart/2005/8/quickstyle/simple2" qsCatId="simple" csTypeId="urn:microsoft.com/office/officeart/2005/8/colors/colorful1" csCatId="colorful" phldr="1"/>
+      <dgm:spPr/>
+      <dgm:t>
+        <a:bodyPr/>
+        <a:lstStyle/>
+        <a:p>
+          <a:endParaRPr lang="en-IN"/>
+        </a:p>
+      </dgm:t>
+    </dgm:pt>
+    <dgm:pt modelId="{0CFDEEC2-D332-4B69-BDEB-B68807B23548}">
+      <dgm:prSet phldrT="[Text]"/>
+      <dgm:spPr/>
+      <dgm:t>
+        <a:bodyPr/>
+        <a:lstStyle/>
+        <a:p>
+          <a:r>
+            <a:rPr lang="en-IN" dirty="0"/>
+            <a:t>Data Science Workflow</a:t>
+          </a:r>
+        </a:p>
+      </dgm:t>
+    </dgm:pt>
+    <dgm:pt modelId="{18CC6A95-2E79-4424-9F21-E5ABC7C925DC}" type="parTrans" cxnId="{C697A033-AAFD-47B5-8EC6-4B79A9A694E3}">
+      <dgm:prSet/>
+      <dgm:spPr/>
+      <dgm:t>
+        <a:bodyPr/>
+        <a:lstStyle/>
+        <a:p>
+          <a:endParaRPr lang="en-IN"/>
+        </a:p>
+      </dgm:t>
+    </dgm:pt>
+    <dgm:pt modelId="{E45F12BF-31F4-481B-BC5A-75B71D8490E5}" type="sibTrans" cxnId="{C697A033-AAFD-47B5-8EC6-4B79A9A694E3}">
+      <dgm:prSet/>
+      <dgm:spPr/>
+      <dgm:t>
+        <a:bodyPr/>
+        <a:lstStyle/>
+        <a:p>
+          <a:endParaRPr lang="en-IN"/>
+        </a:p>
+      </dgm:t>
+    </dgm:pt>
+    <dgm:pt modelId="{ABF92628-EAA5-4536-8520-FEF0AEF84497}">
+      <dgm:prSet phldrT="[Text]"/>
+      <dgm:spPr/>
+      <dgm:t>
+        <a:bodyPr/>
+        <a:lstStyle/>
+        <a:p>
+          <a:r>
+            <a:rPr lang="en-IN"/>
+            <a:t>EDA</a:t>
+          </a:r>
+        </a:p>
+      </dgm:t>
+    </dgm:pt>
+    <dgm:pt modelId="{C3FA73BF-2A54-42BA-AA31-46932654BE1A}" type="parTrans" cxnId="{299318D9-8E2F-407F-9F82-FFE619F8956E}">
+      <dgm:prSet/>
+      <dgm:spPr/>
+      <dgm:t>
+        <a:bodyPr/>
+        <a:lstStyle/>
+        <a:p>
+          <a:endParaRPr lang="en-IN"/>
+        </a:p>
+      </dgm:t>
+    </dgm:pt>
+    <dgm:pt modelId="{810B89CC-7633-4A83-A5FB-2D33D6CEAF3D}" type="sibTrans" cxnId="{299318D9-8E2F-407F-9F82-FFE619F8956E}">
+      <dgm:prSet/>
+      <dgm:spPr/>
+      <dgm:t>
+        <a:bodyPr/>
+        <a:lstStyle/>
+        <a:p>
+          <a:endParaRPr lang="en-IN"/>
+        </a:p>
+      </dgm:t>
+    </dgm:pt>
+    <dgm:pt modelId="{4BF66CA1-0C80-4D57-BD72-A365A17508AA}">
+      <dgm:prSet phldrT="[Text]"/>
+      <dgm:spPr/>
+      <dgm:t>
+        <a:bodyPr/>
+        <a:lstStyle/>
+        <a:p>
+          <a:r>
+            <a:rPr lang="en-IN"/>
+            <a:t>Identifying Business Problem</a:t>
+          </a:r>
+        </a:p>
+      </dgm:t>
+    </dgm:pt>
+    <dgm:pt modelId="{D77AD7E8-E0A6-49C6-9438-516E4B8D4FD9}" type="parTrans" cxnId="{6FC15B22-481D-4C70-BF7B-DE6A1AEAC3FF}">
+      <dgm:prSet/>
+      <dgm:spPr/>
+      <dgm:t>
+        <a:bodyPr/>
+        <a:lstStyle/>
+        <a:p>
+          <a:endParaRPr lang="en-IN"/>
+        </a:p>
+      </dgm:t>
+    </dgm:pt>
+    <dgm:pt modelId="{EB59657E-4E0A-49E2-A4A3-669FFF367F50}" type="sibTrans" cxnId="{6FC15B22-481D-4C70-BF7B-DE6A1AEAC3FF}">
+      <dgm:prSet/>
+      <dgm:spPr/>
+      <dgm:t>
+        <a:bodyPr/>
+        <a:lstStyle/>
+        <a:p>
+          <a:endParaRPr lang="en-IN"/>
+        </a:p>
+      </dgm:t>
+    </dgm:pt>
+    <dgm:pt modelId="{CFE81C27-D7F7-4013-8A95-8B5E8016872B}">
+      <dgm:prSet phldrT="[Text]"/>
+      <dgm:spPr/>
+      <dgm:t>
+        <a:bodyPr/>
+        <a:lstStyle/>
+        <a:p>
+          <a:r>
+            <a:rPr lang="en-IN" dirty="0"/>
+            <a:t>Ingestion of Data</a:t>
+          </a:r>
+        </a:p>
+      </dgm:t>
+    </dgm:pt>
+    <dgm:pt modelId="{4CEB749A-8DCD-4414-B79B-C59637D2C6A6}" type="parTrans" cxnId="{70889739-6244-4C93-8DD0-150A7A3E7602}">
+      <dgm:prSet/>
+      <dgm:spPr/>
+      <dgm:t>
+        <a:bodyPr/>
+        <a:lstStyle/>
+        <a:p>
+          <a:endParaRPr lang="en-IN"/>
+        </a:p>
+      </dgm:t>
+    </dgm:pt>
+    <dgm:pt modelId="{B42CB27A-EE09-4D7E-A0EF-617E8B8785A9}" type="sibTrans" cxnId="{70889739-6244-4C93-8DD0-150A7A3E7602}">
+      <dgm:prSet/>
+      <dgm:spPr/>
+      <dgm:t>
+        <a:bodyPr/>
+        <a:lstStyle/>
+        <a:p>
+          <a:endParaRPr lang="en-IN"/>
+        </a:p>
+      </dgm:t>
+    </dgm:pt>
+    <dgm:pt modelId="{CABA8A22-E2BB-4DF3-9C74-E301CEA477AD}">
+      <dgm:prSet phldrT="[Text]"/>
+      <dgm:spPr/>
+      <dgm:t>
+        <a:bodyPr/>
+        <a:lstStyle/>
+        <a:p>
+          <a:r>
+            <a:rPr lang="en-IN"/>
+            <a:t>Preparing Data</a:t>
+          </a:r>
+        </a:p>
+      </dgm:t>
+    </dgm:pt>
+    <dgm:pt modelId="{0379E44C-F0A5-4B9F-9E2D-E790AF361018}" type="parTrans" cxnId="{35B7D62C-6EFA-4241-9FBC-F89603FEB541}">
+      <dgm:prSet/>
+      <dgm:spPr/>
+      <dgm:t>
+        <a:bodyPr/>
+        <a:lstStyle/>
+        <a:p>
+          <a:endParaRPr lang="en-IN"/>
+        </a:p>
+      </dgm:t>
+    </dgm:pt>
+    <dgm:pt modelId="{F1103ED2-0E1D-45AC-B939-AA60D997BCD0}" type="sibTrans" cxnId="{35B7D62C-6EFA-4241-9FBC-F89603FEB541}">
+      <dgm:prSet/>
+      <dgm:spPr/>
+      <dgm:t>
+        <a:bodyPr/>
+        <a:lstStyle/>
+        <a:p>
+          <a:endParaRPr lang="en-IN"/>
+        </a:p>
+      </dgm:t>
+    </dgm:pt>
+    <dgm:pt modelId="{C83046C2-BC3E-4446-953C-345CFD912CDC}">
+      <dgm:prSet phldrT="[Text]"/>
+      <dgm:spPr/>
+      <dgm:t>
+        <a:bodyPr/>
+        <a:lstStyle/>
+        <a:p>
+          <a:r>
+            <a:rPr lang="en-IN"/>
+            <a:t>Sharing Data Insights</a:t>
+          </a:r>
+        </a:p>
+      </dgm:t>
+    </dgm:pt>
+    <dgm:pt modelId="{1521CD6F-5AC1-4463-AB2C-88A1E4377128}" type="parTrans" cxnId="{BB8C2462-58EB-4470-84ED-CBCAFD30359C}">
+      <dgm:prSet/>
+      <dgm:spPr/>
+      <dgm:t>
+        <a:bodyPr/>
+        <a:lstStyle/>
+        <a:p>
+          <a:endParaRPr lang="en-IN"/>
+        </a:p>
+      </dgm:t>
+    </dgm:pt>
+    <dgm:pt modelId="{C7A8231A-BDD2-4D73-8577-742C1C2695C5}" type="sibTrans" cxnId="{BB8C2462-58EB-4470-84ED-CBCAFD30359C}">
+      <dgm:prSet/>
+      <dgm:spPr/>
+      <dgm:t>
+        <a:bodyPr/>
+        <a:lstStyle/>
+        <a:p>
+          <a:endParaRPr lang="en-IN"/>
+        </a:p>
+      </dgm:t>
+    </dgm:pt>
+    <dgm:pt modelId="{8C1018C7-260E-416F-999E-B27A1ADD3F1E}">
+      <dgm:prSet phldrT="[Text]"/>
+      <dgm:spPr/>
+      <dgm:t>
+        <a:bodyPr/>
+        <a:lstStyle/>
+        <a:p>
+          <a:r>
+            <a:rPr lang="en-IN"/>
+            <a:t>AI (ML &amp; Deep Learning)</a:t>
+          </a:r>
+        </a:p>
+      </dgm:t>
+    </dgm:pt>
+    <dgm:pt modelId="{25D0693D-33EF-42AD-900D-24E407753DBB}" type="parTrans" cxnId="{FD12B7DD-436F-4F00-ABD7-703C8D36655E}">
+      <dgm:prSet/>
+      <dgm:spPr/>
+      <dgm:t>
+        <a:bodyPr/>
+        <a:lstStyle/>
+        <a:p>
+          <a:endParaRPr lang="en-IN"/>
+        </a:p>
+      </dgm:t>
+    </dgm:pt>
+    <dgm:pt modelId="{51D2D05D-5524-44E5-B6D5-C3F8B5489DCD}" type="sibTrans" cxnId="{FD12B7DD-436F-4F00-ABD7-703C8D36655E}">
+      <dgm:prSet/>
+      <dgm:spPr/>
+      <dgm:t>
+        <a:bodyPr/>
+        <a:lstStyle/>
+        <a:p>
+          <a:endParaRPr lang="en-IN"/>
+        </a:p>
+      </dgm:t>
+    </dgm:pt>
+    <dgm:pt modelId="{C26DEFD9-95D3-4CBE-B63E-356AF846747B}" type="pres">
+      <dgm:prSet presAssocID="{316C082F-A0D1-480B-9F04-7566676A8E80}" presName="composite" presStyleCnt="0">
+        <dgm:presLayoutVars>
+          <dgm:chMax val="1"/>
+          <dgm:dir/>
+          <dgm:resizeHandles val="exact"/>
+        </dgm:presLayoutVars>
+      </dgm:prSet>
+      <dgm:spPr/>
+    </dgm:pt>
+    <dgm:pt modelId="{3C8F8B5C-68C8-4462-9FF0-51BDD83DF0CA}" type="pres">
+      <dgm:prSet presAssocID="{316C082F-A0D1-480B-9F04-7566676A8E80}" presName="radial" presStyleCnt="0">
+        <dgm:presLayoutVars>
+          <dgm:animLvl val="ctr"/>
+        </dgm:presLayoutVars>
+      </dgm:prSet>
+      <dgm:spPr/>
+    </dgm:pt>
+    <dgm:pt modelId="{96EED529-1483-4A55-8194-C2750CE6978C}" type="pres">
+      <dgm:prSet presAssocID="{0CFDEEC2-D332-4B69-BDEB-B68807B23548}" presName="centerShape" presStyleLbl="vennNode1" presStyleIdx="0" presStyleCnt="7"/>
+      <dgm:spPr/>
+    </dgm:pt>
+    <dgm:pt modelId="{11424F70-43EA-4810-84F9-8745362E5DFF}" type="pres">
+      <dgm:prSet presAssocID="{ABF92628-EAA5-4536-8520-FEF0AEF84497}" presName="node" presStyleLbl="vennNode1" presStyleIdx="1" presStyleCnt="7">
+        <dgm:presLayoutVars>
+          <dgm:bulletEnabled val="1"/>
+        </dgm:presLayoutVars>
+      </dgm:prSet>
+      <dgm:spPr/>
+    </dgm:pt>
+    <dgm:pt modelId="{BD5C5646-E0AC-404C-B86D-4D1505701F9C}" type="pres">
+      <dgm:prSet presAssocID="{8C1018C7-260E-416F-999E-B27A1ADD3F1E}" presName="node" presStyleLbl="vennNode1" presStyleIdx="2" presStyleCnt="7">
+        <dgm:presLayoutVars>
+          <dgm:bulletEnabled val="1"/>
+        </dgm:presLayoutVars>
+      </dgm:prSet>
+      <dgm:spPr/>
+    </dgm:pt>
+    <dgm:pt modelId="{0FF89510-AB54-4005-AB36-6AE043F71CC6}" type="pres">
+      <dgm:prSet presAssocID="{C83046C2-BC3E-4446-953C-345CFD912CDC}" presName="node" presStyleLbl="vennNode1" presStyleIdx="3" presStyleCnt="7">
+        <dgm:presLayoutVars>
+          <dgm:bulletEnabled val="1"/>
+        </dgm:presLayoutVars>
+      </dgm:prSet>
+      <dgm:spPr/>
+    </dgm:pt>
+    <dgm:pt modelId="{583A6A19-DF57-47B7-BCC3-E3AE9E6D1397}" type="pres">
+      <dgm:prSet presAssocID="{4BF66CA1-0C80-4D57-BD72-A365A17508AA}" presName="node" presStyleLbl="vennNode1" presStyleIdx="4" presStyleCnt="7">
+        <dgm:presLayoutVars>
+          <dgm:bulletEnabled val="1"/>
+        </dgm:presLayoutVars>
+      </dgm:prSet>
+      <dgm:spPr/>
+    </dgm:pt>
+    <dgm:pt modelId="{A2BDA05A-C540-4FAC-BB6C-DD61D6654013}" type="pres">
+      <dgm:prSet presAssocID="{CFE81C27-D7F7-4013-8A95-8B5E8016872B}" presName="node" presStyleLbl="vennNode1" presStyleIdx="5" presStyleCnt="7">
+        <dgm:presLayoutVars>
+          <dgm:bulletEnabled val="1"/>
+        </dgm:presLayoutVars>
+      </dgm:prSet>
+      <dgm:spPr/>
+    </dgm:pt>
+    <dgm:pt modelId="{CB44740D-3630-463E-8C4C-F04C7C16EBD3}" type="pres">
+      <dgm:prSet presAssocID="{CABA8A22-E2BB-4DF3-9C74-E301CEA477AD}" presName="node" presStyleLbl="vennNode1" presStyleIdx="6" presStyleCnt="7">
+        <dgm:presLayoutVars>
+          <dgm:bulletEnabled val="1"/>
+        </dgm:presLayoutVars>
+      </dgm:prSet>
+      <dgm:spPr/>
+    </dgm:pt>
+  </dgm:ptLst>
+  <dgm:cxnLst>
+    <dgm:cxn modelId="{CBE8EE17-DEAE-4039-A9C4-94BBA9A37D13}" type="presOf" srcId="{4BF66CA1-0C80-4D57-BD72-A365A17508AA}" destId="{583A6A19-DF57-47B7-BCC3-E3AE9E6D1397}" srcOrd="0" destOrd="0" presId="urn:microsoft.com/office/officeart/2005/8/layout/radial3"/>
+    <dgm:cxn modelId="{6FC15B22-481D-4C70-BF7B-DE6A1AEAC3FF}" srcId="{0CFDEEC2-D332-4B69-BDEB-B68807B23548}" destId="{4BF66CA1-0C80-4D57-BD72-A365A17508AA}" srcOrd="3" destOrd="0" parTransId="{D77AD7E8-E0A6-49C6-9438-516E4B8D4FD9}" sibTransId="{EB59657E-4E0A-49E2-A4A3-669FFF367F50}"/>
+    <dgm:cxn modelId="{9DC73423-36B5-47C1-A1B2-CB7A1A1DCC0D}" type="presOf" srcId="{0CFDEEC2-D332-4B69-BDEB-B68807B23548}" destId="{96EED529-1483-4A55-8194-C2750CE6978C}" srcOrd="0" destOrd="0" presId="urn:microsoft.com/office/officeart/2005/8/layout/radial3"/>
+    <dgm:cxn modelId="{35B7D62C-6EFA-4241-9FBC-F89603FEB541}" srcId="{0CFDEEC2-D332-4B69-BDEB-B68807B23548}" destId="{CABA8A22-E2BB-4DF3-9C74-E301CEA477AD}" srcOrd="5" destOrd="0" parTransId="{0379E44C-F0A5-4B9F-9E2D-E790AF361018}" sibTransId="{F1103ED2-0E1D-45AC-B939-AA60D997BCD0}"/>
+    <dgm:cxn modelId="{81070D2F-CF69-4C72-A2B4-FD29601A6688}" type="presOf" srcId="{CFE81C27-D7F7-4013-8A95-8B5E8016872B}" destId="{A2BDA05A-C540-4FAC-BB6C-DD61D6654013}" srcOrd="0" destOrd="0" presId="urn:microsoft.com/office/officeart/2005/8/layout/radial3"/>
+    <dgm:cxn modelId="{C697A033-AAFD-47B5-8EC6-4B79A9A694E3}" srcId="{316C082F-A0D1-480B-9F04-7566676A8E80}" destId="{0CFDEEC2-D332-4B69-BDEB-B68807B23548}" srcOrd="0" destOrd="0" parTransId="{18CC6A95-2E79-4424-9F21-E5ABC7C925DC}" sibTransId="{E45F12BF-31F4-481B-BC5A-75B71D8490E5}"/>
+    <dgm:cxn modelId="{70889739-6244-4C93-8DD0-150A7A3E7602}" srcId="{0CFDEEC2-D332-4B69-BDEB-B68807B23548}" destId="{CFE81C27-D7F7-4013-8A95-8B5E8016872B}" srcOrd="4" destOrd="0" parTransId="{4CEB749A-8DCD-4414-B79B-C59637D2C6A6}" sibTransId="{B42CB27A-EE09-4D7E-A0EF-617E8B8785A9}"/>
+    <dgm:cxn modelId="{4017E242-519A-1C49-ADC6-D20255F984FC}" type="presOf" srcId="{8C1018C7-260E-416F-999E-B27A1ADD3F1E}" destId="{BD5C5646-E0AC-404C-B86D-4D1505701F9C}" srcOrd="0" destOrd="0" presId="urn:microsoft.com/office/officeart/2005/8/layout/radial3"/>
+    <dgm:cxn modelId="{66F28551-6B11-404D-845A-E0A5B484B4D0}" type="presOf" srcId="{316C082F-A0D1-480B-9F04-7566676A8E80}" destId="{C26DEFD9-95D3-4CBE-B63E-356AF846747B}" srcOrd="0" destOrd="0" presId="urn:microsoft.com/office/officeart/2005/8/layout/radial3"/>
+    <dgm:cxn modelId="{BB8C2462-58EB-4470-84ED-CBCAFD30359C}" srcId="{0CFDEEC2-D332-4B69-BDEB-B68807B23548}" destId="{C83046C2-BC3E-4446-953C-345CFD912CDC}" srcOrd="2" destOrd="0" parTransId="{1521CD6F-5AC1-4463-AB2C-88A1E4377128}" sibTransId="{C7A8231A-BDD2-4D73-8577-742C1C2695C5}"/>
+    <dgm:cxn modelId="{82E594A9-77D3-47C1-A26E-A3536277B18A}" type="presOf" srcId="{ABF92628-EAA5-4536-8520-FEF0AEF84497}" destId="{11424F70-43EA-4810-84F9-8745362E5DFF}" srcOrd="0" destOrd="0" presId="urn:microsoft.com/office/officeart/2005/8/layout/radial3"/>
+    <dgm:cxn modelId="{5E330CCF-EB7F-42AF-9D91-867456D719CD}" type="presOf" srcId="{CABA8A22-E2BB-4DF3-9C74-E301CEA477AD}" destId="{CB44740D-3630-463E-8C4C-F04C7C16EBD3}" srcOrd="0" destOrd="0" presId="urn:microsoft.com/office/officeart/2005/8/layout/radial3"/>
+    <dgm:cxn modelId="{299318D9-8E2F-407F-9F82-FFE619F8956E}" srcId="{0CFDEEC2-D332-4B69-BDEB-B68807B23548}" destId="{ABF92628-EAA5-4536-8520-FEF0AEF84497}" srcOrd="0" destOrd="0" parTransId="{C3FA73BF-2A54-42BA-AA31-46932654BE1A}" sibTransId="{810B89CC-7633-4A83-A5FB-2D33D6CEAF3D}"/>
+    <dgm:cxn modelId="{FD12B7DD-436F-4F00-ABD7-703C8D36655E}" srcId="{0CFDEEC2-D332-4B69-BDEB-B68807B23548}" destId="{8C1018C7-260E-416F-999E-B27A1ADD3F1E}" srcOrd="1" destOrd="0" parTransId="{25D0693D-33EF-42AD-900D-24E407753DBB}" sibTransId="{51D2D05D-5524-44E5-B6D5-C3F8B5489DCD}"/>
+    <dgm:cxn modelId="{62C5F6FB-5D9B-4BE4-A899-AC39A3E202F0}" type="presOf" srcId="{C83046C2-BC3E-4446-953C-345CFD912CDC}" destId="{0FF89510-AB54-4005-AB36-6AE043F71CC6}" srcOrd="0" destOrd="0" presId="urn:microsoft.com/office/officeart/2005/8/layout/radial3"/>
+    <dgm:cxn modelId="{7461C39F-37C1-471D-B705-DBC06E1EDA14}" type="presParOf" srcId="{C26DEFD9-95D3-4CBE-B63E-356AF846747B}" destId="{3C8F8B5C-68C8-4462-9FF0-51BDD83DF0CA}" srcOrd="0" destOrd="0" presId="urn:microsoft.com/office/officeart/2005/8/layout/radial3"/>
+    <dgm:cxn modelId="{692A2663-02A0-45D1-8BBF-FC4416C5E515}" type="presParOf" srcId="{3C8F8B5C-68C8-4462-9FF0-51BDD83DF0CA}" destId="{96EED529-1483-4A55-8194-C2750CE6978C}" srcOrd="0" destOrd="0" presId="urn:microsoft.com/office/officeart/2005/8/layout/radial3"/>
+    <dgm:cxn modelId="{A824E0BA-2C01-4C49-BD4F-D4CE168C090B}" type="presParOf" srcId="{3C8F8B5C-68C8-4462-9FF0-51BDD83DF0CA}" destId="{11424F70-43EA-4810-84F9-8745362E5DFF}" srcOrd="1" destOrd="0" presId="urn:microsoft.com/office/officeart/2005/8/layout/radial3"/>
+    <dgm:cxn modelId="{B649A0B8-4A42-5E40-97D3-39A599E5CAAE}" type="presParOf" srcId="{3C8F8B5C-68C8-4462-9FF0-51BDD83DF0CA}" destId="{BD5C5646-E0AC-404C-B86D-4D1505701F9C}" srcOrd="2" destOrd="0" presId="urn:microsoft.com/office/officeart/2005/8/layout/radial3"/>
+    <dgm:cxn modelId="{4AB5AB42-866F-4647-AB0C-A2C6670C4D86}" type="presParOf" srcId="{3C8F8B5C-68C8-4462-9FF0-51BDD83DF0CA}" destId="{0FF89510-AB54-4005-AB36-6AE043F71CC6}" srcOrd="3" destOrd="0" presId="urn:microsoft.com/office/officeart/2005/8/layout/radial3"/>
+    <dgm:cxn modelId="{E0E58AA6-5940-4BD5-ADC5-D89B6405C2CF}" type="presParOf" srcId="{3C8F8B5C-68C8-4462-9FF0-51BDD83DF0CA}" destId="{583A6A19-DF57-47B7-BCC3-E3AE9E6D1397}" srcOrd="4" destOrd="0" presId="urn:microsoft.com/office/officeart/2005/8/layout/radial3"/>
+    <dgm:cxn modelId="{70E9B848-30BD-4CA6-9FEE-10E3943A0CFD}" type="presParOf" srcId="{3C8F8B5C-68C8-4462-9FF0-51BDD83DF0CA}" destId="{A2BDA05A-C540-4FAC-BB6C-DD61D6654013}" srcOrd="5" destOrd="0" presId="urn:microsoft.com/office/officeart/2005/8/layout/radial3"/>
+    <dgm:cxn modelId="{9C468087-0DF7-4E82-9397-99B24E99F137}" type="presParOf" srcId="{3C8F8B5C-68C8-4462-9FF0-51BDD83DF0CA}" destId="{CB44740D-3630-463E-8C4C-F04C7C16EBD3}" srcOrd="6" destOrd="0" presId="urn:microsoft.com/office/officeart/2005/8/layout/radial3"/>
   </dgm:cxnLst>
   <dgm:bg/>
   <dgm:whole/>
@@ -14572,6 +15885,564 @@
 </dsp:drawing>
 </file>
 
+<file path=ppt/diagrams/drawing8.xml><?xml version="1.0" encoding="utf-8"?>
+<dsp:drawing xmlns:dgm="http://schemas.openxmlformats.org/drawingml/2006/diagram" xmlns:dsp="http://schemas.microsoft.com/office/drawing/2008/diagram" xmlns:a="http://schemas.openxmlformats.org/drawingml/2006/main">
+  <dsp:spTree>
+    <dsp:nvGrpSpPr>
+      <dsp:cNvPr id="0" name=""/>
+      <dsp:cNvGrpSpPr/>
+    </dsp:nvGrpSpPr>
+    <dsp:grpSpPr/>
+    <dsp:sp modelId="{96EED529-1483-4A55-8194-C2750CE6978C}">
+      <dsp:nvSpPr>
+        <dsp:cNvPr id="0" name=""/>
+        <dsp:cNvSpPr/>
+      </dsp:nvSpPr>
+      <dsp:spPr>
+        <a:xfrm>
+          <a:off x="3905597" y="902047"/>
+          <a:ext cx="2247205" cy="2247205"/>
+        </a:xfrm>
+        <a:prstGeom prst="ellipse">
+          <a:avLst/>
+        </a:prstGeom>
+        <a:solidFill>
+          <a:schemeClr val="accent2">
+            <a:alpha val="50000"/>
+            <a:hueOff val="0"/>
+            <a:satOff val="0"/>
+            <a:lumOff val="0"/>
+            <a:alphaOff val="0"/>
+          </a:schemeClr>
+        </a:solidFill>
+        <a:ln w="19050" cap="flat" cmpd="sng" algn="ctr">
+          <a:solidFill>
+            <a:schemeClr val="lt1">
+              <a:hueOff val="0"/>
+              <a:satOff val="0"/>
+              <a:lumOff val="0"/>
+              <a:alphaOff val="0"/>
+            </a:schemeClr>
+          </a:solidFill>
+          <a:prstDash val="solid"/>
+        </a:ln>
+        <a:effectLst/>
+      </dsp:spPr>
+      <dsp:style>
+        <a:lnRef idx="3">
+          <a:scrgbClr r="0" g="0" b="0"/>
+        </a:lnRef>
+        <a:fillRef idx="1">
+          <a:scrgbClr r="0" g="0" b="0"/>
+        </a:fillRef>
+        <a:effectRef idx="0">
+          <a:scrgbClr r="0" g="0" b="0"/>
+        </a:effectRef>
+        <a:fontRef idx="minor">
+          <a:schemeClr val="tx1"/>
+        </a:fontRef>
+      </dsp:style>
+      <dsp:txBody>
+        <a:bodyPr spcFirstLastPara="0" vert="horz" wrap="square" lIns="36830" tIns="36830" rIns="36830" bIns="36830" numCol="1" spcCol="1270" anchor="ctr" anchorCtr="0">
+          <a:noAutofit/>
+        </a:bodyPr>
+        <a:lstStyle/>
+        <a:p>
+          <a:pPr marL="0" lvl="0" indent="0" algn="ctr" defTabSz="1289050">
+            <a:lnSpc>
+              <a:spcPct val="90000"/>
+            </a:lnSpc>
+            <a:spcBef>
+              <a:spcPct val="0"/>
+            </a:spcBef>
+            <a:spcAft>
+              <a:spcPct val="35000"/>
+            </a:spcAft>
+            <a:buNone/>
+          </a:pPr>
+          <a:r>
+            <a:rPr lang="en-IN" sz="2900" kern="1200" dirty="0"/>
+            <a:t>Data Science Workflow</a:t>
+          </a:r>
+        </a:p>
+      </dsp:txBody>
+      <dsp:txXfrm>
+        <a:off x="4234693" y="1231143"/>
+        <a:ext cx="1589013" cy="1589013"/>
+      </dsp:txXfrm>
+    </dsp:sp>
+    <dsp:sp modelId="{11424F70-43EA-4810-84F9-8745362E5DFF}">
+      <dsp:nvSpPr>
+        <dsp:cNvPr id="0" name=""/>
+        <dsp:cNvSpPr/>
+      </dsp:nvSpPr>
+      <dsp:spPr>
+        <a:xfrm>
+          <a:off x="4467398" y="401"/>
+          <a:ext cx="1123602" cy="1123602"/>
+        </a:xfrm>
+        <a:prstGeom prst="ellipse">
+          <a:avLst/>
+        </a:prstGeom>
+        <a:solidFill>
+          <a:schemeClr val="accent3">
+            <a:alpha val="50000"/>
+            <a:hueOff val="0"/>
+            <a:satOff val="0"/>
+            <a:lumOff val="0"/>
+            <a:alphaOff val="0"/>
+          </a:schemeClr>
+        </a:solidFill>
+        <a:ln w="19050" cap="flat" cmpd="sng" algn="ctr">
+          <a:solidFill>
+            <a:schemeClr val="lt1">
+              <a:hueOff val="0"/>
+              <a:satOff val="0"/>
+              <a:lumOff val="0"/>
+              <a:alphaOff val="0"/>
+            </a:schemeClr>
+          </a:solidFill>
+          <a:prstDash val="solid"/>
+        </a:ln>
+        <a:effectLst/>
+      </dsp:spPr>
+      <dsp:style>
+        <a:lnRef idx="3">
+          <a:scrgbClr r="0" g="0" b="0"/>
+        </a:lnRef>
+        <a:fillRef idx="1">
+          <a:scrgbClr r="0" g="0" b="0"/>
+        </a:fillRef>
+        <a:effectRef idx="0">
+          <a:scrgbClr r="0" g="0" b="0"/>
+        </a:effectRef>
+        <a:fontRef idx="minor">
+          <a:schemeClr val="tx1"/>
+        </a:fontRef>
+      </dsp:style>
+      <dsp:txBody>
+        <a:bodyPr spcFirstLastPara="0" vert="horz" wrap="square" lIns="16510" tIns="16510" rIns="16510" bIns="16510" numCol="1" spcCol="1270" anchor="ctr" anchorCtr="0">
+          <a:noAutofit/>
+        </a:bodyPr>
+        <a:lstStyle/>
+        <a:p>
+          <a:pPr marL="0" lvl="0" indent="0" algn="ctr" defTabSz="577850">
+            <a:lnSpc>
+              <a:spcPct val="90000"/>
+            </a:lnSpc>
+            <a:spcBef>
+              <a:spcPct val="0"/>
+            </a:spcBef>
+            <a:spcAft>
+              <a:spcPct val="35000"/>
+            </a:spcAft>
+            <a:buNone/>
+          </a:pPr>
+          <a:r>
+            <a:rPr lang="en-IN" sz="1300" kern="1200"/>
+            <a:t>EDA</a:t>
+          </a:r>
+        </a:p>
+      </dsp:txBody>
+      <dsp:txXfrm>
+        <a:off x="4631946" y="164949"/>
+        <a:ext cx="794506" cy="794506"/>
+      </dsp:txXfrm>
+    </dsp:sp>
+    <dsp:sp modelId="{BD5C5646-E0AC-404C-B86D-4D1505701F9C}">
+      <dsp:nvSpPr>
+        <dsp:cNvPr id="0" name=""/>
+        <dsp:cNvSpPr/>
+      </dsp:nvSpPr>
+      <dsp:spPr>
+        <a:xfrm>
+          <a:off x="5734781" y="732124"/>
+          <a:ext cx="1123602" cy="1123602"/>
+        </a:xfrm>
+        <a:prstGeom prst="ellipse">
+          <a:avLst/>
+        </a:prstGeom>
+        <a:solidFill>
+          <a:schemeClr val="accent4">
+            <a:alpha val="50000"/>
+            <a:hueOff val="0"/>
+            <a:satOff val="0"/>
+            <a:lumOff val="0"/>
+            <a:alphaOff val="0"/>
+          </a:schemeClr>
+        </a:solidFill>
+        <a:ln w="19050" cap="flat" cmpd="sng" algn="ctr">
+          <a:solidFill>
+            <a:schemeClr val="lt1">
+              <a:hueOff val="0"/>
+              <a:satOff val="0"/>
+              <a:lumOff val="0"/>
+              <a:alphaOff val="0"/>
+            </a:schemeClr>
+          </a:solidFill>
+          <a:prstDash val="solid"/>
+        </a:ln>
+        <a:effectLst/>
+      </dsp:spPr>
+      <dsp:style>
+        <a:lnRef idx="3">
+          <a:scrgbClr r="0" g="0" b="0"/>
+        </a:lnRef>
+        <a:fillRef idx="1">
+          <a:scrgbClr r="0" g="0" b="0"/>
+        </a:fillRef>
+        <a:effectRef idx="0">
+          <a:scrgbClr r="0" g="0" b="0"/>
+        </a:effectRef>
+        <a:fontRef idx="minor">
+          <a:schemeClr val="tx1"/>
+        </a:fontRef>
+      </dsp:style>
+      <dsp:txBody>
+        <a:bodyPr spcFirstLastPara="0" vert="horz" wrap="square" lIns="16510" tIns="16510" rIns="16510" bIns="16510" numCol="1" spcCol="1270" anchor="ctr" anchorCtr="0">
+          <a:noAutofit/>
+        </a:bodyPr>
+        <a:lstStyle/>
+        <a:p>
+          <a:pPr marL="0" lvl="0" indent="0" algn="ctr" defTabSz="577850">
+            <a:lnSpc>
+              <a:spcPct val="90000"/>
+            </a:lnSpc>
+            <a:spcBef>
+              <a:spcPct val="0"/>
+            </a:spcBef>
+            <a:spcAft>
+              <a:spcPct val="35000"/>
+            </a:spcAft>
+            <a:buNone/>
+          </a:pPr>
+          <a:r>
+            <a:rPr lang="en-IN" sz="1300" kern="1200"/>
+            <a:t>AI (ML &amp; Deep Learning)</a:t>
+          </a:r>
+        </a:p>
+      </dsp:txBody>
+      <dsp:txXfrm>
+        <a:off x="5899329" y="896672"/>
+        <a:ext cx="794506" cy="794506"/>
+      </dsp:txXfrm>
+    </dsp:sp>
+    <dsp:sp modelId="{0FF89510-AB54-4005-AB36-6AE043F71CC6}">
+      <dsp:nvSpPr>
+        <dsp:cNvPr id="0" name=""/>
+        <dsp:cNvSpPr/>
+      </dsp:nvSpPr>
+      <dsp:spPr>
+        <a:xfrm>
+          <a:off x="5734781" y="2195572"/>
+          <a:ext cx="1123602" cy="1123602"/>
+        </a:xfrm>
+        <a:prstGeom prst="ellipse">
+          <a:avLst/>
+        </a:prstGeom>
+        <a:solidFill>
+          <a:schemeClr val="accent5">
+            <a:alpha val="50000"/>
+            <a:hueOff val="0"/>
+            <a:satOff val="0"/>
+            <a:lumOff val="0"/>
+            <a:alphaOff val="0"/>
+          </a:schemeClr>
+        </a:solidFill>
+        <a:ln w="19050" cap="flat" cmpd="sng" algn="ctr">
+          <a:solidFill>
+            <a:schemeClr val="lt1">
+              <a:hueOff val="0"/>
+              <a:satOff val="0"/>
+              <a:lumOff val="0"/>
+              <a:alphaOff val="0"/>
+            </a:schemeClr>
+          </a:solidFill>
+          <a:prstDash val="solid"/>
+        </a:ln>
+        <a:effectLst/>
+      </dsp:spPr>
+      <dsp:style>
+        <a:lnRef idx="3">
+          <a:scrgbClr r="0" g="0" b="0"/>
+        </a:lnRef>
+        <a:fillRef idx="1">
+          <a:scrgbClr r="0" g="0" b="0"/>
+        </a:fillRef>
+        <a:effectRef idx="0">
+          <a:scrgbClr r="0" g="0" b="0"/>
+        </a:effectRef>
+        <a:fontRef idx="minor">
+          <a:schemeClr val="tx1"/>
+        </a:fontRef>
+      </dsp:style>
+      <dsp:txBody>
+        <a:bodyPr spcFirstLastPara="0" vert="horz" wrap="square" lIns="16510" tIns="16510" rIns="16510" bIns="16510" numCol="1" spcCol="1270" anchor="ctr" anchorCtr="0">
+          <a:noAutofit/>
+        </a:bodyPr>
+        <a:lstStyle/>
+        <a:p>
+          <a:pPr marL="0" lvl="0" indent="0" algn="ctr" defTabSz="577850">
+            <a:lnSpc>
+              <a:spcPct val="90000"/>
+            </a:lnSpc>
+            <a:spcBef>
+              <a:spcPct val="0"/>
+            </a:spcBef>
+            <a:spcAft>
+              <a:spcPct val="35000"/>
+            </a:spcAft>
+            <a:buNone/>
+          </a:pPr>
+          <a:r>
+            <a:rPr lang="en-IN" sz="1300" kern="1200"/>
+            <a:t>Sharing Data Insights</a:t>
+          </a:r>
+        </a:p>
+      </dsp:txBody>
+      <dsp:txXfrm>
+        <a:off x="5899329" y="2360120"/>
+        <a:ext cx="794506" cy="794506"/>
+      </dsp:txXfrm>
+    </dsp:sp>
+    <dsp:sp modelId="{583A6A19-DF57-47B7-BCC3-E3AE9E6D1397}">
+      <dsp:nvSpPr>
+        <dsp:cNvPr id="0" name=""/>
+        <dsp:cNvSpPr/>
+      </dsp:nvSpPr>
+      <dsp:spPr>
+        <a:xfrm>
+          <a:off x="4467398" y="2927296"/>
+          <a:ext cx="1123602" cy="1123602"/>
+        </a:xfrm>
+        <a:prstGeom prst="ellipse">
+          <a:avLst/>
+        </a:prstGeom>
+        <a:solidFill>
+          <a:schemeClr val="accent6">
+            <a:alpha val="50000"/>
+            <a:hueOff val="0"/>
+            <a:satOff val="0"/>
+            <a:lumOff val="0"/>
+            <a:alphaOff val="0"/>
+          </a:schemeClr>
+        </a:solidFill>
+        <a:ln w="19050" cap="flat" cmpd="sng" algn="ctr">
+          <a:solidFill>
+            <a:schemeClr val="lt1">
+              <a:hueOff val="0"/>
+              <a:satOff val="0"/>
+              <a:lumOff val="0"/>
+              <a:alphaOff val="0"/>
+            </a:schemeClr>
+          </a:solidFill>
+          <a:prstDash val="solid"/>
+        </a:ln>
+        <a:effectLst/>
+      </dsp:spPr>
+      <dsp:style>
+        <a:lnRef idx="3">
+          <a:scrgbClr r="0" g="0" b="0"/>
+        </a:lnRef>
+        <a:fillRef idx="1">
+          <a:scrgbClr r="0" g="0" b="0"/>
+        </a:fillRef>
+        <a:effectRef idx="0">
+          <a:scrgbClr r="0" g="0" b="0"/>
+        </a:effectRef>
+        <a:fontRef idx="minor">
+          <a:schemeClr val="tx1"/>
+        </a:fontRef>
+      </dsp:style>
+      <dsp:txBody>
+        <a:bodyPr spcFirstLastPara="0" vert="horz" wrap="square" lIns="16510" tIns="16510" rIns="16510" bIns="16510" numCol="1" spcCol="1270" anchor="ctr" anchorCtr="0">
+          <a:noAutofit/>
+        </a:bodyPr>
+        <a:lstStyle/>
+        <a:p>
+          <a:pPr marL="0" lvl="0" indent="0" algn="ctr" defTabSz="577850">
+            <a:lnSpc>
+              <a:spcPct val="90000"/>
+            </a:lnSpc>
+            <a:spcBef>
+              <a:spcPct val="0"/>
+            </a:spcBef>
+            <a:spcAft>
+              <a:spcPct val="35000"/>
+            </a:spcAft>
+            <a:buNone/>
+          </a:pPr>
+          <a:r>
+            <a:rPr lang="en-IN" sz="1300" kern="1200"/>
+            <a:t>Identifying Business Problem</a:t>
+          </a:r>
+        </a:p>
+      </dsp:txBody>
+      <dsp:txXfrm>
+        <a:off x="4631946" y="3091844"/>
+        <a:ext cx="794506" cy="794506"/>
+      </dsp:txXfrm>
+    </dsp:sp>
+    <dsp:sp modelId="{A2BDA05A-C540-4FAC-BB6C-DD61D6654013}">
+      <dsp:nvSpPr>
+        <dsp:cNvPr id="0" name=""/>
+        <dsp:cNvSpPr/>
+      </dsp:nvSpPr>
+      <dsp:spPr>
+        <a:xfrm>
+          <a:off x="3200015" y="2195572"/>
+          <a:ext cx="1123602" cy="1123602"/>
+        </a:xfrm>
+        <a:prstGeom prst="ellipse">
+          <a:avLst/>
+        </a:prstGeom>
+        <a:solidFill>
+          <a:schemeClr val="accent2">
+            <a:alpha val="50000"/>
+            <a:hueOff val="0"/>
+            <a:satOff val="0"/>
+            <a:lumOff val="0"/>
+            <a:alphaOff val="0"/>
+          </a:schemeClr>
+        </a:solidFill>
+        <a:ln w="19050" cap="flat" cmpd="sng" algn="ctr">
+          <a:solidFill>
+            <a:schemeClr val="lt1">
+              <a:hueOff val="0"/>
+              <a:satOff val="0"/>
+              <a:lumOff val="0"/>
+              <a:alphaOff val="0"/>
+            </a:schemeClr>
+          </a:solidFill>
+          <a:prstDash val="solid"/>
+        </a:ln>
+        <a:effectLst/>
+      </dsp:spPr>
+      <dsp:style>
+        <a:lnRef idx="3">
+          <a:scrgbClr r="0" g="0" b="0"/>
+        </a:lnRef>
+        <a:fillRef idx="1">
+          <a:scrgbClr r="0" g="0" b="0"/>
+        </a:fillRef>
+        <a:effectRef idx="0">
+          <a:scrgbClr r="0" g="0" b="0"/>
+        </a:effectRef>
+        <a:fontRef idx="minor">
+          <a:schemeClr val="tx1"/>
+        </a:fontRef>
+      </dsp:style>
+      <dsp:txBody>
+        <a:bodyPr spcFirstLastPara="0" vert="horz" wrap="square" lIns="16510" tIns="16510" rIns="16510" bIns="16510" numCol="1" spcCol="1270" anchor="ctr" anchorCtr="0">
+          <a:noAutofit/>
+        </a:bodyPr>
+        <a:lstStyle/>
+        <a:p>
+          <a:pPr marL="0" lvl="0" indent="0" algn="ctr" defTabSz="577850">
+            <a:lnSpc>
+              <a:spcPct val="90000"/>
+            </a:lnSpc>
+            <a:spcBef>
+              <a:spcPct val="0"/>
+            </a:spcBef>
+            <a:spcAft>
+              <a:spcPct val="35000"/>
+            </a:spcAft>
+            <a:buNone/>
+          </a:pPr>
+          <a:r>
+            <a:rPr lang="en-IN" sz="1300" kern="1200" dirty="0"/>
+            <a:t>Ingestion of Data</a:t>
+          </a:r>
+        </a:p>
+      </dsp:txBody>
+      <dsp:txXfrm>
+        <a:off x="3364563" y="2360120"/>
+        <a:ext cx="794506" cy="794506"/>
+      </dsp:txXfrm>
+    </dsp:sp>
+    <dsp:sp modelId="{CB44740D-3630-463E-8C4C-F04C7C16EBD3}">
+      <dsp:nvSpPr>
+        <dsp:cNvPr id="0" name=""/>
+        <dsp:cNvSpPr/>
+      </dsp:nvSpPr>
+      <dsp:spPr>
+        <a:xfrm>
+          <a:off x="3200015" y="732124"/>
+          <a:ext cx="1123602" cy="1123602"/>
+        </a:xfrm>
+        <a:prstGeom prst="ellipse">
+          <a:avLst/>
+        </a:prstGeom>
+        <a:solidFill>
+          <a:schemeClr val="accent3">
+            <a:alpha val="50000"/>
+            <a:hueOff val="0"/>
+            <a:satOff val="0"/>
+            <a:lumOff val="0"/>
+            <a:alphaOff val="0"/>
+          </a:schemeClr>
+        </a:solidFill>
+        <a:ln w="19050" cap="flat" cmpd="sng" algn="ctr">
+          <a:solidFill>
+            <a:schemeClr val="lt1">
+              <a:hueOff val="0"/>
+              <a:satOff val="0"/>
+              <a:lumOff val="0"/>
+              <a:alphaOff val="0"/>
+            </a:schemeClr>
+          </a:solidFill>
+          <a:prstDash val="solid"/>
+        </a:ln>
+        <a:effectLst/>
+      </dsp:spPr>
+      <dsp:style>
+        <a:lnRef idx="3">
+          <a:scrgbClr r="0" g="0" b="0"/>
+        </a:lnRef>
+        <a:fillRef idx="1">
+          <a:scrgbClr r="0" g="0" b="0"/>
+        </a:fillRef>
+        <a:effectRef idx="0">
+          <a:scrgbClr r="0" g="0" b="0"/>
+        </a:effectRef>
+        <a:fontRef idx="minor">
+          <a:schemeClr val="tx1"/>
+        </a:fontRef>
+      </dsp:style>
+      <dsp:txBody>
+        <a:bodyPr spcFirstLastPara="0" vert="horz" wrap="square" lIns="16510" tIns="16510" rIns="16510" bIns="16510" numCol="1" spcCol="1270" anchor="ctr" anchorCtr="0">
+          <a:noAutofit/>
+        </a:bodyPr>
+        <a:lstStyle/>
+        <a:p>
+          <a:pPr marL="0" lvl="0" indent="0" algn="ctr" defTabSz="577850">
+            <a:lnSpc>
+              <a:spcPct val="90000"/>
+            </a:lnSpc>
+            <a:spcBef>
+              <a:spcPct val="0"/>
+            </a:spcBef>
+            <a:spcAft>
+              <a:spcPct val="35000"/>
+            </a:spcAft>
+            <a:buNone/>
+          </a:pPr>
+          <a:r>
+            <a:rPr lang="en-IN" sz="1300" kern="1200"/>
+            <a:t>Preparing Data</a:t>
+          </a:r>
+        </a:p>
+      </dsp:txBody>
+      <dsp:txXfrm>
+        <a:off x="3364563" y="896672"/>
+        <a:ext cx="794506" cy="794506"/>
+      </dsp:txXfrm>
+    </dsp:sp>
+  </dsp:spTree>
+</dsp:drawing>
+</file>
+
 <file path=ppt/diagrams/layout1.xml><?xml version="1.0" encoding="utf-8"?>
 <dgm:layoutDef xmlns:dgm="http://schemas.openxmlformats.org/drawingml/2006/diagram" xmlns:a="http://schemas.openxmlformats.org/drawingml/2006/main" uniqueId="urn:microsoft.com/office/officeart/2005/8/layout/radial3">
   <dgm:title val=""/>
@@ -17415,6 +19286,197 @@
 </dgm:layoutDef>
 </file>
 
+<file path=ppt/diagrams/layout8.xml><?xml version="1.0" encoding="utf-8"?>
+<dgm:layoutDef xmlns:dgm="http://schemas.openxmlformats.org/drawingml/2006/diagram" xmlns:a="http://schemas.openxmlformats.org/drawingml/2006/main" uniqueId="urn:microsoft.com/office/officeart/2005/8/layout/radial3">
+  <dgm:title val=""/>
+  <dgm:desc val=""/>
+  <dgm:catLst>
+    <dgm:cat type="relationship" pri="31000"/>
+    <dgm:cat type="cycle" pri="12000"/>
+  </dgm:catLst>
+  <dgm:sampData>
+    <dgm:dataModel>
+      <dgm:ptLst>
+        <dgm:pt modelId="0" type="doc"/>
+        <dgm:pt modelId="1">
+          <dgm:prSet phldr="1"/>
+        </dgm:pt>
+        <dgm:pt modelId="11">
+          <dgm:prSet phldr="1"/>
+        </dgm:pt>
+        <dgm:pt modelId="12">
+          <dgm:prSet phldr="1"/>
+        </dgm:pt>
+        <dgm:pt modelId="13">
+          <dgm:prSet phldr="1"/>
+        </dgm:pt>
+        <dgm:pt modelId="14">
+          <dgm:prSet phldr="1"/>
+        </dgm:pt>
+      </dgm:ptLst>
+      <dgm:cxnLst>
+        <dgm:cxn modelId="2" srcId="0" destId="1" srcOrd="0" destOrd="0"/>
+        <dgm:cxn modelId="3" srcId="1" destId="11" srcOrd="0" destOrd="0"/>
+        <dgm:cxn modelId="4" srcId="1" destId="12" srcOrd="1" destOrd="0"/>
+        <dgm:cxn modelId="5" srcId="1" destId="13" srcOrd="2" destOrd="0"/>
+        <dgm:cxn modelId="6" srcId="1" destId="14" srcOrd="3" destOrd="0"/>
+      </dgm:cxnLst>
+      <dgm:bg/>
+      <dgm:whole/>
+    </dgm:dataModel>
+  </dgm:sampData>
+  <dgm:styleData>
+    <dgm:dataModel>
+      <dgm:ptLst>
+        <dgm:pt modelId="0" type="doc"/>
+        <dgm:pt modelId="1"/>
+        <dgm:pt modelId="11"/>
+        <dgm:pt modelId="12"/>
+        <dgm:pt modelId="13"/>
+      </dgm:ptLst>
+      <dgm:cxnLst>
+        <dgm:cxn modelId="2" srcId="0" destId="1" srcOrd="0" destOrd="0"/>
+        <dgm:cxn modelId="15" srcId="1" destId="11" srcOrd="0" destOrd="0"/>
+        <dgm:cxn modelId="16" srcId="1" destId="12" srcOrd="1" destOrd="0"/>
+        <dgm:cxn modelId="17" srcId="1" destId="13" srcOrd="2" destOrd="0"/>
+      </dgm:cxnLst>
+      <dgm:bg/>
+      <dgm:whole/>
+    </dgm:dataModel>
+  </dgm:styleData>
+  <dgm:clrData>
+    <dgm:dataModel>
+      <dgm:ptLst>
+        <dgm:pt modelId="0" type="doc"/>
+        <dgm:pt modelId="1"/>
+        <dgm:pt modelId="11"/>
+        <dgm:pt modelId="12"/>
+        <dgm:pt modelId="13"/>
+        <dgm:pt modelId="14"/>
+        <dgm:pt modelId="15"/>
+        <dgm:pt modelId="16"/>
+      </dgm:ptLst>
+      <dgm:cxnLst>
+        <dgm:cxn modelId="2" srcId="0" destId="1" srcOrd="0" destOrd="0"/>
+        <dgm:cxn modelId="16" srcId="1" destId="11" srcOrd="0" destOrd="0"/>
+        <dgm:cxn modelId="17" srcId="1" destId="12" srcOrd="1" destOrd="0"/>
+        <dgm:cxn modelId="18" srcId="1" destId="13" srcOrd="2" destOrd="0"/>
+        <dgm:cxn modelId="19" srcId="1" destId="14" srcOrd="3" destOrd="0"/>
+        <dgm:cxn modelId="20" srcId="1" destId="15" srcOrd="4" destOrd="0"/>
+        <dgm:cxn modelId="21" srcId="1" destId="16" srcOrd="5" destOrd="0"/>
+      </dgm:cxnLst>
+      <dgm:bg/>
+      <dgm:whole/>
+    </dgm:dataModel>
+  </dgm:clrData>
+  <dgm:layoutNode name="composite">
+    <dgm:varLst>
+      <dgm:chMax val="1"/>
+      <dgm:dir/>
+      <dgm:resizeHandles val="exact"/>
+    </dgm:varLst>
+    <dgm:alg type="composite">
+      <dgm:param type="ar" val="1"/>
+    </dgm:alg>
+    <dgm:shape xmlns:r="http://schemas.openxmlformats.org/officeDocument/2006/relationships" r:blip="">
+      <dgm:adjLst/>
+    </dgm:shape>
+    <dgm:presOf/>
+    <dgm:constrLst/>
+    <dgm:ruleLst/>
+    <dgm:layoutNode name="radial">
+      <dgm:varLst>
+        <dgm:animLvl val="ctr"/>
+      </dgm:varLst>
+      <dgm:choose name="Name0">
+        <dgm:if name="Name1" func="var" arg="dir" op="equ" val="norm">
+          <dgm:choose name="Name2">
+            <dgm:if name="Name3" axis="ch ch" ptType="node node" st="1 1" cnt="1 0" func="cnt" op="lte" val="1">
+              <dgm:alg type="cycle">
+                <dgm:param type="stAng" val="90"/>
+                <dgm:param type="spanAng" val="360"/>
+                <dgm:param type="ctrShpMap" val="fNode"/>
+              </dgm:alg>
+            </dgm:if>
+            <dgm:else name="Name4">
+              <dgm:alg type="cycle">
+                <dgm:param type="stAng" val="0"/>
+                <dgm:param type="spanAng" val="360"/>
+                <dgm:param type="ctrShpMap" val="fNode"/>
+              </dgm:alg>
+            </dgm:else>
+          </dgm:choose>
+        </dgm:if>
+        <dgm:else name="Name5">
+          <dgm:alg type="cycle">
+            <dgm:param type="stAng" val="0"/>
+            <dgm:param type="spanAng" val="-360"/>
+            <dgm:param type="ctrShpMap" val="fNode"/>
+          </dgm:alg>
+        </dgm:else>
+      </dgm:choose>
+      <dgm:shape xmlns:r="http://schemas.openxmlformats.org/officeDocument/2006/relationships" r:blip="">
+        <dgm:adjLst/>
+      </dgm:shape>
+      <dgm:presOf/>
+      <dgm:constrLst>
+        <dgm:constr type="w" for="ch" forName="centerShape" refType="w"/>
+        <dgm:constr type="h" for="ch" forName="centerShape" refType="h"/>
+        <dgm:constr type="w" for="ch" forName="node" refType="w" fact="0.5"/>
+        <dgm:constr type="h" for="ch" forName="node" refType="h" fact="0.5"/>
+        <dgm:constr type="sp" refType="w" refFor="ch" refForName="node" fact="-0.2"/>
+        <dgm:constr type="sibSp" refType="w" refFor="ch" refForName="node" fact="-0.2"/>
+        <dgm:constr type="primFontSz" for="ch" forName="centerShape" val="65"/>
+        <dgm:constr type="primFontSz" for="des" forName="node" val="65"/>
+        <dgm:constr type="primFontSz" for="ch" forName="node" refType="primFontSz" refFor="ch" refForName="centerShape" op="lte"/>
+      </dgm:constrLst>
+      <dgm:ruleLst/>
+      <dgm:forEach name="Name6" axis="ch" ptType="node" cnt="1">
+        <dgm:layoutNode name="centerShape" styleLbl="vennNode1">
+          <dgm:alg type="tx"/>
+          <dgm:shape xmlns:r="http://schemas.openxmlformats.org/officeDocument/2006/relationships" type="ellipse" r:blip="">
+            <dgm:adjLst/>
+          </dgm:shape>
+          <dgm:presOf axis="self"/>
+          <dgm:constrLst>
+            <dgm:constr type="tMarg" refType="primFontSz" fact="0.1"/>
+            <dgm:constr type="bMarg" refType="primFontSz" fact="0.1"/>
+            <dgm:constr type="lMarg" refType="primFontSz" fact="0.1"/>
+            <dgm:constr type="rMarg" refType="primFontSz" fact="0.1"/>
+          </dgm:constrLst>
+          <dgm:ruleLst>
+            <dgm:rule type="primFontSz" val="5" fact="NaN" max="NaN"/>
+          </dgm:ruleLst>
+        </dgm:layoutNode>
+        <dgm:forEach name="Name7" axis="ch" ptType="node">
+          <dgm:layoutNode name="node" styleLbl="vennNode1">
+            <dgm:varLst>
+              <dgm:bulletEnabled val="1"/>
+            </dgm:varLst>
+            <dgm:alg type="tx">
+              <dgm:param type="txAnchorVertCh" val="mid"/>
+            </dgm:alg>
+            <dgm:shape xmlns:r="http://schemas.openxmlformats.org/officeDocument/2006/relationships" type="ellipse" r:blip="">
+              <dgm:adjLst/>
+            </dgm:shape>
+            <dgm:presOf axis="desOrSelf" ptType="node"/>
+            <dgm:constrLst>
+              <dgm:constr type="tMarg" refType="primFontSz" fact="0.1"/>
+              <dgm:constr type="bMarg" refType="primFontSz" fact="0.1"/>
+              <dgm:constr type="lMarg" refType="primFontSz" fact="0.1"/>
+              <dgm:constr type="rMarg" refType="primFontSz" fact="0.1"/>
+            </dgm:constrLst>
+            <dgm:ruleLst>
+              <dgm:rule type="primFontSz" val="5" fact="NaN" max="NaN"/>
+            </dgm:ruleLst>
+          </dgm:layoutNode>
+        </dgm:forEach>
+      </dgm:forEach>
+    </dgm:layoutNode>
+  </dgm:layoutNode>
+</dgm:layoutDef>
+</file>
+
 <file path=ppt/diagrams/quickStyle1.xml><?xml version="1.0" encoding="utf-8"?>
 <dgm:styleDef xmlns:dgm="http://schemas.openxmlformats.org/drawingml/2006/diagram" xmlns:a="http://schemas.openxmlformats.org/drawingml/2006/main" uniqueId="urn:microsoft.com/office/officeart/2005/8/quickstyle/simple2">
   <dgm:title val=""/>
@@ -24921,6 +26983,1040 @@
         <a:scrgbClr r="0" g="0" b="0"/>
       </a:fillRef>
       <a:effectRef idx="0">
+        <a:scrgbClr r="0" g="0" b="0"/>
+      </a:effectRef>
+      <a:fontRef idx="minor"/>
+    </dgm:style>
+  </dgm:styleLbl>
+  <dgm:styleLbl name="revTx">
+    <dgm:scene3d>
+      <a:camera prst="orthographicFront"/>
+      <a:lightRig rig="threePt" dir="t"/>
+    </dgm:scene3d>
+    <dgm:sp3d/>
+    <dgm:txPr/>
+    <dgm:style>
+      <a:lnRef idx="0">
+        <a:scrgbClr r="0" g="0" b="0"/>
+      </a:lnRef>
+      <a:fillRef idx="0">
+        <a:scrgbClr r="0" g="0" b="0"/>
+      </a:fillRef>
+      <a:effectRef idx="0">
+        <a:scrgbClr r="0" g="0" b="0"/>
+      </a:effectRef>
+      <a:fontRef idx="minor"/>
+    </dgm:style>
+  </dgm:styleLbl>
+</dgm:styleDef>
+</file>
+
+<file path=ppt/diagrams/quickStyle8.xml><?xml version="1.0" encoding="utf-8"?>
+<dgm:styleDef xmlns:dgm="http://schemas.openxmlformats.org/drawingml/2006/diagram" xmlns:a="http://schemas.openxmlformats.org/drawingml/2006/main" uniqueId="urn:microsoft.com/office/officeart/2005/8/quickstyle/simple2">
+  <dgm:title val=""/>
+  <dgm:desc val=""/>
+  <dgm:catLst>
+    <dgm:cat type="simple" pri="10200"/>
+  </dgm:catLst>
+  <dgm:scene3d>
+    <a:camera prst="orthographicFront"/>
+    <a:lightRig rig="threePt" dir="t"/>
+  </dgm:scene3d>
+  <dgm:styleLbl name="node0">
+    <dgm:scene3d>
+      <a:camera prst="orthographicFront"/>
+      <a:lightRig rig="threePt" dir="t"/>
+    </dgm:scene3d>
+    <dgm:sp3d/>
+    <dgm:txPr/>
+    <dgm:style>
+      <a:lnRef idx="3">
+        <a:scrgbClr r="0" g="0" b="0"/>
+      </a:lnRef>
+      <a:fillRef idx="1">
+        <a:scrgbClr r="0" g="0" b="0"/>
+      </a:fillRef>
+      <a:effectRef idx="1">
+        <a:scrgbClr r="0" g="0" b="0"/>
+      </a:effectRef>
+      <a:fontRef idx="minor">
+        <a:schemeClr val="lt1"/>
+      </a:fontRef>
+    </dgm:style>
+  </dgm:styleLbl>
+  <dgm:styleLbl name="lnNode1">
+    <dgm:scene3d>
+      <a:camera prst="orthographicFront"/>
+      <a:lightRig rig="threePt" dir="t"/>
+    </dgm:scene3d>
+    <dgm:sp3d/>
+    <dgm:txPr/>
+    <dgm:style>
+      <a:lnRef idx="3">
+        <a:scrgbClr r="0" g="0" b="0"/>
+      </a:lnRef>
+      <a:fillRef idx="1">
+        <a:scrgbClr r="0" g="0" b="0"/>
+      </a:fillRef>
+      <a:effectRef idx="1">
+        <a:scrgbClr r="0" g="0" b="0"/>
+      </a:effectRef>
+      <a:fontRef idx="minor">
+        <a:schemeClr val="lt1"/>
+      </a:fontRef>
+    </dgm:style>
+  </dgm:styleLbl>
+  <dgm:styleLbl name="vennNode1">
+    <dgm:scene3d>
+      <a:camera prst="orthographicFront"/>
+      <a:lightRig rig="threePt" dir="t"/>
+    </dgm:scene3d>
+    <dgm:sp3d/>
+    <dgm:txPr/>
+    <dgm:style>
+      <a:lnRef idx="3">
+        <a:scrgbClr r="0" g="0" b="0"/>
+      </a:lnRef>
+      <a:fillRef idx="1">
+        <a:scrgbClr r="0" g="0" b="0"/>
+      </a:fillRef>
+      <a:effectRef idx="0">
+        <a:scrgbClr r="0" g="0" b="0"/>
+      </a:effectRef>
+      <a:fontRef idx="minor">
+        <a:schemeClr val="tx1"/>
+      </a:fontRef>
+    </dgm:style>
+  </dgm:styleLbl>
+  <dgm:styleLbl name="alignNode1">
+    <dgm:scene3d>
+      <a:camera prst="orthographicFront"/>
+      <a:lightRig rig="threePt" dir="t"/>
+    </dgm:scene3d>
+    <dgm:sp3d/>
+    <dgm:txPr/>
+    <dgm:style>
+      <a:lnRef idx="2">
+        <a:scrgbClr r="0" g="0" b="0"/>
+      </a:lnRef>
+      <a:fillRef idx="1">
+        <a:scrgbClr r="0" g="0" b="0"/>
+      </a:fillRef>
+      <a:effectRef idx="1">
+        <a:scrgbClr r="0" g="0" b="0"/>
+      </a:effectRef>
+      <a:fontRef idx="minor">
+        <a:schemeClr val="lt1"/>
+      </a:fontRef>
+    </dgm:style>
+  </dgm:styleLbl>
+  <dgm:styleLbl name="node1">
+    <dgm:scene3d>
+      <a:camera prst="orthographicFront"/>
+      <a:lightRig rig="threePt" dir="t"/>
+    </dgm:scene3d>
+    <dgm:sp3d/>
+    <dgm:txPr/>
+    <dgm:style>
+      <a:lnRef idx="3">
+        <a:scrgbClr r="0" g="0" b="0"/>
+      </a:lnRef>
+      <a:fillRef idx="1">
+        <a:scrgbClr r="0" g="0" b="0"/>
+      </a:fillRef>
+      <a:effectRef idx="1">
+        <a:scrgbClr r="0" g="0" b="0"/>
+      </a:effectRef>
+      <a:fontRef idx="minor">
+        <a:schemeClr val="lt1"/>
+      </a:fontRef>
+    </dgm:style>
+  </dgm:styleLbl>
+  <dgm:styleLbl name="node2">
+    <dgm:scene3d>
+      <a:camera prst="orthographicFront"/>
+      <a:lightRig rig="threePt" dir="t"/>
+    </dgm:scene3d>
+    <dgm:sp3d/>
+    <dgm:txPr/>
+    <dgm:style>
+      <a:lnRef idx="3">
+        <a:scrgbClr r="0" g="0" b="0"/>
+      </a:lnRef>
+      <a:fillRef idx="1">
+        <a:scrgbClr r="0" g="0" b="0"/>
+      </a:fillRef>
+      <a:effectRef idx="1">
+        <a:scrgbClr r="0" g="0" b="0"/>
+      </a:effectRef>
+      <a:fontRef idx="minor">
+        <a:schemeClr val="lt1"/>
+      </a:fontRef>
+    </dgm:style>
+  </dgm:styleLbl>
+  <dgm:styleLbl name="node3">
+    <dgm:scene3d>
+      <a:camera prst="orthographicFront"/>
+      <a:lightRig rig="threePt" dir="t"/>
+    </dgm:scene3d>
+    <dgm:sp3d/>
+    <dgm:txPr/>
+    <dgm:style>
+      <a:lnRef idx="3">
+        <a:scrgbClr r="0" g="0" b="0"/>
+      </a:lnRef>
+      <a:fillRef idx="1">
+        <a:scrgbClr r="0" g="0" b="0"/>
+      </a:fillRef>
+      <a:effectRef idx="1">
+        <a:scrgbClr r="0" g="0" b="0"/>
+      </a:effectRef>
+      <a:fontRef idx="minor">
+        <a:schemeClr val="lt1"/>
+      </a:fontRef>
+    </dgm:style>
+  </dgm:styleLbl>
+  <dgm:styleLbl name="node4">
+    <dgm:scene3d>
+      <a:camera prst="orthographicFront"/>
+      <a:lightRig rig="threePt" dir="t"/>
+    </dgm:scene3d>
+    <dgm:sp3d/>
+    <dgm:txPr/>
+    <dgm:style>
+      <a:lnRef idx="3">
+        <a:scrgbClr r="0" g="0" b="0"/>
+      </a:lnRef>
+      <a:fillRef idx="1">
+        <a:scrgbClr r="0" g="0" b="0"/>
+      </a:fillRef>
+      <a:effectRef idx="1">
+        <a:scrgbClr r="0" g="0" b="0"/>
+      </a:effectRef>
+      <a:fontRef idx="minor">
+        <a:schemeClr val="lt1"/>
+      </a:fontRef>
+    </dgm:style>
+  </dgm:styleLbl>
+  <dgm:styleLbl name="fgImgPlace1">
+    <dgm:scene3d>
+      <a:camera prst="orthographicFront"/>
+      <a:lightRig rig="threePt" dir="t"/>
+    </dgm:scene3d>
+    <dgm:sp3d/>
+    <dgm:txPr/>
+    <dgm:style>
+      <a:lnRef idx="3">
+        <a:scrgbClr r="0" g="0" b="0"/>
+      </a:lnRef>
+      <a:fillRef idx="1">
+        <a:scrgbClr r="0" g="0" b="0"/>
+      </a:fillRef>
+      <a:effectRef idx="1">
+        <a:scrgbClr r="0" g="0" b="0"/>
+      </a:effectRef>
+      <a:fontRef idx="minor"/>
+    </dgm:style>
+  </dgm:styleLbl>
+  <dgm:styleLbl name="alignImgPlace1">
+    <dgm:scene3d>
+      <a:camera prst="orthographicFront"/>
+      <a:lightRig rig="threePt" dir="t"/>
+    </dgm:scene3d>
+    <dgm:sp3d/>
+    <dgm:txPr/>
+    <dgm:style>
+      <a:lnRef idx="3">
+        <a:scrgbClr r="0" g="0" b="0"/>
+      </a:lnRef>
+      <a:fillRef idx="1">
+        <a:scrgbClr r="0" g="0" b="0"/>
+      </a:fillRef>
+      <a:effectRef idx="1">
+        <a:scrgbClr r="0" g="0" b="0"/>
+      </a:effectRef>
+      <a:fontRef idx="minor"/>
+    </dgm:style>
+  </dgm:styleLbl>
+  <dgm:styleLbl name="bgImgPlace1">
+    <dgm:scene3d>
+      <a:camera prst="orthographicFront"/>
+      <a:lightRig rig="threePt" dir="t"/>
+    </dgm:scene3d>
+    <dgm:sp3d/>
+    <dgm:txPr/>
+    <dgm:style>
+      <a:lnRef idx="3">
+        <a:scrgbClr r="0" g="0" b="0"/>
+      </a:lnRef>
+      <a:fillRef idx="1">
+        <a:scrgbClr r="0" g="0" b="0"/>
+      </a:fillRef>
+      <a:effectRef idx="1">
+        <a:scrgbClr r="0" g="0" b="0"/>
+      </a:effectRef>
+      <a:fontRef idx="minor"/>
+    </dgm:style>
+  </dgm:styleLbl>
+  <dgm:styleLbl name="sibTrans2D1">
+    <dgm:scene3d>
+      <a:camera prst="orthographicFront"/>
+      <a:lightRig rig="threePt" dir="t"/>
+    </dgm:scene3d>
+    <dgm:sp3d/>
+    <dgm:txPr/>
+    <dgm:style>
+      <a:lnRef idx="0">
+        <a:scrgbClr r="0" g="0" b="0"/>
+      </a:lnRef>
+      <a:fillRef idx="1">
+        <a:scrgbClr r="0" g="0" b="0"/>
+      </a:fillRef>
+      <a:effectRef idx="1">
+        <a:scrgbClr r="0" g="0" b="0"/>
+      </a:effectRef>
+      <a:fontRef idx="minor">
+        <a:schemeClr val="lt1"/>
+      </a:fontRef>
+    </dgm:style>
+  </dgm:styleLbl>
+  <dgm:styleLbl name="fgSibTrans2D1">
+    <dgm:scene3d>
+      <a:camera prst="orthographicFront"/>
+      <a:lightRig rig="threePt" dir="t"/>
+    </dgm:scene3d>
+    <dgm:sp3d/>
+    <dgm:txPr/>
+    <dgm:style>
+      <a:lnRef idx="0">
+        <a:scrgbClr r="0" g="0" b="0"/>
+      </a:lnRef>
+      <a:fillRef idx="1">
+        <a:scrgbClr r="0" g="0" b="0"/>
+      </a:fillRef>
+      <a:effectRef idx="1">
+        <a:scrgbClr r="0" g="0" b="0"/>
+      </a:effectRef>
+      <a:fontRef idx="minor">
+        <a:schemeClr val="lt1"/>
+      </a:fontRef>
+    </dgm:style>
+  </dgm:styleLbl>
+  <dgm:styleLbl name="bgSibTrans2D1">
+    <dgm:scene3d>
+      <a:camera prst="orthographicFront"/>
+      <a:lightRig rig="threePt" dir="t"/>
+    </dgm:scene3d>
+    <dgm:sp3d/>
+    <dgm:txPr/>
+    <dgm:style>
+      <a:lnRef idx="0">
+        <a:scrgbClr r="0" g="0" b="0"/>
+      </a:lnRef>
+      <a:fillRef idx="1">
+        <a:scrgbClr r="0" g="0" b="0"/>
+      </a:fillRef>
+      <a:effectRef idx="1">
+        <a:scrgbClr r="0" g="0" b="0"/>
+      </a:effectRef>
+      <a:fontRef idx="minor">
+        <a:schemeClr val="lt1"/>
+      </a:fontRef>
+    </dgm:style>
+  </dgm:styleLbl>
+  <dgm:styleLbl name="sibTrans1D1">
+    <dgm:scene3d>
+      <a:camera prst="orthographicFront"/>
+      <a:lightRig rig="threePt" dir="t"/>
+    </dgm:scene3d>
+    <dgm:sp3d/>
+    <dgm:txPr/>
+    <dgm:style>
+      <a:lnRef idx="1">
+        <a:scrgbClr r="0" g="0" b="0"/>
+      </a:lnRef>
+      <a:fillRef idx="0">
+        <a:scrgbClr r="0" g="0" b="0"/>
+      </a:fillRef>
+      <a:effectRef idx="0">
+        <a:scrgbClr r="0" g="0" b="0"/>
+      </a:effectRef>
+      <a:fontRef idx="minor"/>
+    </dgm:style>
+  </dgm:styleLbl>
+  <dgm:styleLbl name="callout">
+    <dgm:scene3d>
+      <a:camera prst="orthographicFront"/>
+      <a:lightRig rig="threePt" dir="t"/>
+    </dgm:scene3d>
+    <dgm:sp3d/>
+    <dgm:txPr/>
+    <dgm:style>
+      <a:lnRef idx="2">
+        <a:scrgbClr r="0" g="0" b="0"/>
+      </a:lnRef>
+      <a:fillRef idx="1">
+        <a:scrgbClr r="0" g="0" b="0"/>
+      </a:fillRef>
+      <a:effectRef idx="1">
+        <a:scrgbClr r="0" g="0" b="0"/>
+      </a:effectRef>
+      <a:fontRef idx="minor"/>
+    </dgm:style>
+  </dgm:styleLbl>
+  <dgm:styleLbl name="asst0">
+    <dgm:scene3d>
+      <a:camera prst="orthographicFront"/>
+      <a:lightRig rig="threePt" dir="t"/>
+    </dgm:scene3d>
+    <dgm:sp3d/>
+    <dgm:txPr/>
+    <dgm:style>
+      <a:lnRef idx="3">
+        <a:scrgbClr r="0" g="0" b="0"/>
+      </a:lnRef>
+      <a:fillRef idx="1">
+        <a:scrgbClr r="0" g="0" b="0"/>
+      </a:fillRef>
+      <a:effectRef idx="1">
+        <a:scrgbClr r="0" g="0" b="0"/>
+      </a:effectRef>
+      <a:fontRef idx="minor">
+        <a:schemeClr val="lt1"/>
+      </a:fontRef>
+    </dgm:style>
+  </dgm:styleLbl>
+  <dgm:styleLbl name="asst1">
+    <dgm:scene3d>
+      <a:camera prst="orthographicFront"/>
+      <a:lightRig rig="threePt" dir="t"/>
+    </dgm:scene3d>
+    <dgm:sp3d/>
+    <dgm:txPr/>
+    <dgm:style>
+      <a:lnRef idx="3">
+        <a:scrgbClr r="0" g="0" b="0"/>
+      </a:lnRef>
+      <a:fillRef idx="1">
+        <a:scrgbClr r="0" g="0" b="0"/>
+      </a:fillRef>
+      <a:effectRef idx="1">
+        <a:scrgbClr r="0" g="0" b="0"/>
+      </a:effectRef>
+      <a:fontRef idx="minor">
+        <a:schemeClr val="lt1"/>
+      </a:fontRef>
+    </dgm:style>
+  </dgm:styleLbl>
+  <dgm:styleLbl name="asst2">
+    <dgm:scene3d>
+      <a:camera prst="orthographicFront"/>
+      <a:lightRig rig="threePt" dir="t"/>
+    </dgm:scene3d>
+    <dgm:sp3d/>
+    <dgm:txPr/>
+    <dgm:style>
+      <a:lnRef idx="3">
+        <a:scrgbClr r="0" g="0" b="0"/>
+      </a:lnRef>
+      <a:fillRef idx="1">
+        <a:scrgbClr r="0" g="0" b="0"/>
+      </a:fillRef>
+      <a:effectRef idx="1">
+        <a:scrgbClr r="0" g="0" b="0"/>
+      </a:effectRef>
+      <a:fontRef idx="minor">
+        <a:schemeClr val="lt1"/>
+      </a:fontRef>
+    </dgm:style>
+  </dgm:styleLbl>
+  <dgm:styleLbl name="asst3">
+    <dgm:scene3d>
+      <a:camera prst="orthographicFront"/>
+      <a:lightRig rig="threePt" dir="t"/>
+    </dgm:scene3d>
+    <dgm:sp3d/>
+    <dgm:txPr/>
+    <dgm:style>
+      <a:lnRef idx="3">
+        <a:scrgbClr r="0" g="0" b="0"/>
+      </a:lnRef>
+      <a:fillRef idx="1">
+        <a:scrgbClr r="0" g="0" b="0"/>
+      </a:fillRef>
+      <a:effectRef idx="1">
+        <a:scrgbClr r="0" g="0" b="0"/>
+      </a:effectRef>
+      <a:fontRef idx="minor">
+        <a:schemeClr val="lt1"/>
+      </a:fontRef>
+    </dgm:style>
+  </dgm:styleLbl>
+  <dgm:styleLbl name="asst4">
+    <dgm:scene3d>
+      <a:camera prst="orthographicFront"/>
+      <a:lightRig rig="threePt" dir="t"/>
+    </dgm:scene3d>
+    <dgm:sp3d/>
+    <dgm:txPr/>
+    <dgm:style>
+      <a:lnRef idx="3">
+        <a:scrgbClr r="0" g="0" b="0"/>
+      </a:lnRef>
+      <a:fillRef idx="1">
+        <a:scrgbClr r="0" g="0" b="0"/>
+      </a:fillRef>
+      <a:effectRef idx="1">
+        <a:scrgbClr r="0" g="0" b="0"/>
+      </a:effectRef>
+      <a:fontRef idx="minor">
+        <a:schemeClr val="lt1"/>
+      </a:fontRef>
+    </dgm:style>
+  </dgm:styleLbl>
+  <dgm:styleLbl name="parChTrans2D1">
+    <dgm:scene3d>
+      <a:camera prst="orthographicFront"/>
+      <a:lightRig rig="threePt" dir="t"/>
+    </dgm:scene3d>
+    <dgm:sp3d/>
+    <dgm:txPr/>
+    <dgm:style>
+      <a:lnRef idx="3">
+        <a:scrgbClr r="0" g="0" b="0"/>
+      </a:lnRef>
+      <a:fillRef idx="1">
+        <a:scrgbClr r="0" g="0" b="0"/>
+      </a:fillRef>
+      <a:effectRef idx="1">
+        <a:scrgbClr r="0" g="0" b="0"/>
+      </a:effectRef>
+      <a:fontRef idx="minor">
+        <a:schemeClr val="lt1"/>
+      </a:fontRef>
+    </dgm:style>
+  </dgm:styleLbl>
+  <dgm:styleLbl name="parChTrans2D2">
+    <dgm:scene3d>
+      <a:camera prst="orthographicFront"/>
+      <a:lightRig rig="threePt" dir="t"/>
+    </dgm:scene3d>
+    <dgm:sp3d/>
+    <dgm:txPr/>
+    <dgm:style>
+      <a:lnRef idx="3">
+        <a:scrgbClr r="0" g="0" b="0"/>
+      </a:lnRef>
+      <a:fillRef idx="1">
+        <a:scrgbClr r="0" g="0" b="0"/>
+      </a:fillRef>
+      <a:effectRef idx="1">
+        <a:scrgbClr r="0" g="0" b="0"/>
+      </a:effectRef>
+      <a:fontRef idx="minor">
+        <a:schemeClr val="lt1"/>
+      </a:fontRef>
+    </dgm:style>
+  </dgm:styleLbl>
+  <dgm:styleLbl name="parChTrans2D3">
+    <dgm:scene3d>
+      <a:camera prst="orthographicFront"/>
+      <a:lightRig rig="threePt" dir="t"/>
+    </dgm:scene3d>
+    <dgm:sp3d/>
+    <dgm:txPr/>
+    <dgm:style>
+      <a:lnRef idx="3">
+        <a:scrgbClr r="0" g="0" b="0"/>
+      </a:lnRef>
+      <a:fillRef idx="1">
+        <a:scrgbClr r="0" g="0" b="0"/>
+      </a:fillRef>
+      <a:effectRef idx="1">
+        <a:scrgbClr r="0" g="0" b="0"/>
+      </a:effectRef>
+      <a:fontRef idx="minor">
+        <a:schemeClr val="lt1"/>
+      </a:fontRef>
+    </dgm:style>
+  </dgm:styleLbl>
+  <dgm:styleLbl name="parChTrans2D4">
+    <dgm:scene3d>
+      <a:camera prst="orthographicFront"/>
+      <a:lightRig rig="threePt" dir="t"/>
+    </dgm:scene3d>
+    <dgm:sp3d/>
+    <dgm:txPr/>
+    <dgm:style>
+      <a:lnRef idx="3">
+        <a:scrgbClr r="0" g="0" b="0"/>
+      </a:lnRef>
+      <a:fillRef idx="1">
+        <a:scrgbClr r="0" g="0" b="0"/>
+      </a:fillRef>
+      <a:effectRef idx="1">
+        <a:scrgbClr r="0" g="0" b="0"/>
+      </a:effectRef>
+      <a:fontRef idx="minor">
+        <a:schemeClr val="lt1"/>
+      </a:fontRef>
+    </dgm:style>
+  </dgm:styleLbl>
+  <dgm:styleLbl name="parChTrans1D1">
+    <dgm:scene3d>
+      <a:camera prst="orthographicFront"/>
+      <a:lightRig rig="threePt" dir="t"/>
+    </dgm:scene3d>
+    <dgm:sp3d/>
+    <dgm:txPr/>
+    <dgm:style>
+      <a:lnRef idx="2">
+        <a:scrgbClr r="0" g="0" b="0"/>
+      </a:lnRef>
+      <a:fillRef idx="0">
+        <a:scrgbClr r="0" g="0" b="0"/>
+      </a:fillRef>
+      <a:effectRef idx="0">
+        <a:scrgbClr r="0" g="0" b="0"/>
+      </a:effectRef>
+      <a:fontRef idx="minor"/>
+    </dgm:style>
+  </dgm:styleLbl>
+  <dgm:styleLbl name="parChTrans1D2">
+    <dgm:scene3d>
+      <a:camera prst="orthographicFront"/>
+      <a:lightRig rig="threePt" dir="t"/>
+    </dgm:scene3d>
+    <dgm:sp3d/>
+    <dgm:txPr/>
+    <dgm:style>
+      <a:lnRef idx="2">
+        <a:scrgbClr r="0" g="0" b="0"/>
+      </a:lnRef>
+      <a:fillRef idx="0">
+        <a:scrgbClr r="0" g="0" b="0"/>
+      </a:fillRef>
+      <a:effectRef idx="0">
+        <a:scrgbClr r="0" g="0" b="0"/>
+      </a:effectRef>
+      <a:fontRef idx="minor"/>
+    </dgm:style>
+  </dgm:styleLbl>
+  <dgm:styleLbl name="parChTrans1D3">
+    <dgm:scene3d>
+      <a:camera prst="orthographicFront"/>
+      <a:lightRig rig="threePt" dir="t"/>
+    </dgm:scene3d>
+    <dgm:sp3d/>
+    <dgm:txPr/>
+    <dgm:style>
+      <a:lnRef idx="2">
+        <a:scrgbClr r="0" g="0" b="0"/>
+      </a:lnRef>
+      <a:fillRef idx="0">
+        <a:scrgbClr r="0" g="0" b="0"/>
+      </a:fillRef>
+      <a:effectRef idx="0">
+        <a:scrgbClr r="0" g="0" b="0"/>
+      </a:effectRef>
+      <a:fontRef idx="minor"/>
+    </dgm:style>
+  </dgm:styleLbl>
+  <dgm:styleLbl name="parChTrans1D4">
+    <dgm:scene3d>
+      <a:camera prst="orthographicFront"/>
+      <a:lightRig rig="threePt" dir="t"/>
+    </dgm:scene3d>
+    <dgm:sp3d/>
+    <dgm:txPr/>
+    <dgm:style>
+      <a:lnRef idx="2">
+        <a:scrgbClr r="0" g="0" b="0"/>
+      </a:lnRef>
+      <a:fillRef idx="0">
+        <a:scrgbClr r="0" g="0" b="0"/>
+      </a:fillRef>
+      <a:effectRef idx="0">
+        <a:scrgbClr r="0" g="0" b="0"/>
+      </a:effectRef>
+      <a:fontRef idx="minor"/>
+    </dgm:style>
+  </dgm:styleLbl>
+  <dgm:styleLbl name="fgAcc1">
+    <dgm:scene3d>
+      <a:camera prst="orthographicFront"/>
+      <a:lightRig rig="threePt" dir="t"/>
+    </dgm:scene3d>
+    <dgm:sp3d/>
+    <dgm:txPr/>
+    <dgm:style>
+      <a:lnRef idx="2">
+        <a:scrgbClr r="0" g="0" b="0"/>
+      </a:lnRef>
+      <a:fillRef idx="1">
+        <a:scrgbClr r="0" g="0" b="0"/>
+      </a:fillRef>
+      <a:effectRef idx="0">
+        <a:scrgbClr r="0" g="0" b="0"/>
+      </a:effectRef>
+      <a:fontRef idx="minor"/>
+    </dgm:style>
+  </dgm:styleLbl>
+  <dgm:styleLbl name="conFgAcc1">
+    <dgm:scene3d>
+      <a:camera prst="orthographicFront"/>
+      <a:lightRig rig="threePt" dir="t"/>
+    </dgm:scene3d>
+    <dgm:sp3d/>
+    <dgm:txPr/>
+    <dgm:style>
+      <a:lnRef idx="2">
+        <a:scrgbClr r="0" g="0" b="0"/>
+      </a:lnRef>
+      <a:fillRef idx="1">
+        <a:scrgbClr r="0" g="0" b="0"/>
+      </a:fillRef>
+      <a:effectRef idx="0">
+        <a:scrgbClr r="0" g="0" b="0"/>
+      </a:effectRef>
+      <a:fontRef idx="minor"/>
+    </dgm:style>
+  </dgm:styleLbl>
+  <dgm:styleLbl name="alignAcc1">
+    <dgm:scene3d>
+      <a:camera prst="orthographicFront"/>
+      <a:lightRig rig="threePt" dir="t"/>
+    </dgm:scene3d>
+    <dgm:sp3d/>
+    <dgm:txPr/>
+    <dgm:style>
+      <a:lnRef idx="2">
+        <a:scrgbClr r="0" g="0" b="0"/>
+      </a:lnRef>
+      <a:fillRef idx="1">
+        <a:scrgbClr r="0" g="0" b="0"/>
+      </a:fillRef>
+      <a:effectRef idx="0">
+        <a:scrgbClr r="0" g="0" b="0"/>
+      </a:effectRef>
+      <a:fontRef idx="minor"/>
+    </dgm:style>
+  </dgm:styleLbl>
+  <dgm:styleLbl name="trAlignAcc1">
+    <dgm:scene3d>
+      <a:camera prst="orthographicFront"/>
+      <a:lightRig rig="threePt" dir="t"/>
+    </dgm:scene3d>
+    <dgm:sp3d/>
+    <dgm:txPr/>
+    <dgm:style>
+      <a:lnRef idx="1">
+        <a:scrgbClr r="0" g="0" b="0"/>
+      </a:lnRef>
+      <a:fillRef idx="1">
+        <a:scrgbClr r="0" g="0" b="0"/>
+      </a:fillRef>
+      <a:effectRef idx="0">
+        <a:scrgbClr r="0" g="0" b="0"/>
+      </a:effectRef>
+      <a:fontRef idx="minor"/>
+    </dgm:style>
+  </dgm:styleLbl>
+  <dgm:styleLbl name="bgAcc1">
+    <dgm:scene3d>
+      <a:camera prst="orthographicFront"/>
+      <a:lightRig rig="threePt" dir="t"/>
+    </dgm:scene3d>
+    <dgm:sp3d/>
+    <dgm:txPr/>
+    <dgm:style>
+      <a:lnRef idx="2">
+        <a:scrgbClr r="0" g="0" b="0"/>
+      </a:lnRef>
+      <a:fillRef idx="1">
+        <a:scrgbClr r="0" g="0" b="0"/>
+      </a:fillRef>
+      <a:effectRef idx="0">
+        <a:scrgbClr r="0" g="0" b="0"/>
+      </a:effectRef>
+      <a:fontRef idx="minor"/>
+    </dgm:style>
+  </dgm:styleLbl>
+  <dgm:styleLbl name="solidFgAcc1">
+    <dgm:scene3d>
+      <a:camera prst="orthographicFront"/>
+      <a:lightRig rig="threePt" dir="t"/>
+    </dgm:scene3d>
+    <dgm:sp3d/>
+    <dgm:txPr/>
+    <dgm:style>
+      <a:lnRef idx="2">
+        <a:scrgbClr r="0" g="0" b="0"/>
+      </a:lnRef>
+      <a:fillRef idx="1">
+        <a:scrgbClr r="0" g="0" b="0"/>
+      </a:fillRef>
+      <a:effectRef idx="0">
+        <a:scrgbClr r="0" g="0" b="0"/>
+      </a:effectRef>
+      <a:fontRef idx="minor"/>
+    </dgm:style>
+  </dgm:styleLbl>
+  <dgm:styleLbl name="solidAlignAcc1">
+    <dgm:scene3d>
+      <a:camera prst="orthographicFront"/>
+      <a:lightRig rig="threePt" dir="t"/>
+    </dgm:scene3d>
+    <dgm:sp3d/>
+    <dgm:txPr/>
+    <dgm:style>
+      <a:lnRef idx="2">
+        <a:scrgbClr r="0" g="0" b="0"/>
+      </a:lnRef>
+      <a:fillRef idx="1">
+        <a:scrgbClr r="0" g="0" b="0"/>
+      </a:fillRef>
+      <a:effectRef idx="0">
+        <a:scrgbClr r="0" g="0" b="0"/>
+      </a:effectRef>
+      <a:fontRef idx="minor"/>
+    </dgm:style>
+  </dgm:styleLbl>
+  <dgm:styleLbl name="solidBgAcc1">
+    <dgm:scene3d>
+      <a:camera prst="orthographicFront"/>
+      <a:lightRig rig="threePt" dir="t"/>
+    </dgm:scene3d>
+    <dgm:sp3d/>
+    <dgm:txPr/>
+    <dgm:style>
+      <a:lnRef idx="2">
+        <a:scrgbClr r="0" g="0" b="0"/>
+      </a:lnRef>
+      <a:fillRef idx="1">
+        <a:scrgbClr r="0" g="0" b="0"/>
+      </a:fillRef>
+      <a:effectRef idx="0">
+        <a:scrgbClr r="0" g="0" b="0"/>
+      </a:effectRef>
+      <a:fontRef idx="minor"/>
+    </dgm:style>
+  </dgm:styleLbl>
+  <dgm:styleLbl name="fgAccFollowNode1">
+    <dgm:scene3d>
+      <a:camera prst="orthographicFront"/>
+      <a:lightRig rig="threePt" dir="t"/>
+    </dgm:scene3d>
+    <dgm:sp3d/>
+    <dgm:txPr/>
+    <dgm:style>
+      <a:lnRef idx="2">
+        <a:scrgbClr r="0" g="0" b="0"/>
+      </a:lnRef>
+      <a:fillRef idx="1">
+        <a:scrgbClr r="0" g="0" b="0"/>
+      </a:fillRef>
+      <a:effectRef idx="0">
+        <a:scrgbClr r="0" g="0" b="0"/>
+      </a:effectRef>
+      <a:fontRef idx="minor"/>
+    </dgm:style>
+  </dgm:styleLbl>
+  <dgm:styleLbl name="alignAccFollowNode1">
+    <dgm:scene3d>
+      <a:camera prst="orthographicFront"/>
+      <a:lightRig rig="threePt" dir="t"/>
+    </dgm:scene3d>
+    <dgm:sp3d/>
+    <dgm:txPr/>
+    <dgm:style>
+      <a:lnRef idx="2">
+        <a:scrgbClr r="0" g="0" b="0"/>
+      </a:lnRef>
+      <a:fillRef idx="1">
+        <a:scrgbClr r="0" g="0" b="0"/>
+      </a:fillRef>
+      <a:effectRef idx="0">
+        <a:scrgbClr r="0" g="0" b="0"/>
+      </a:effectRef>
+      <a:fontRef idx="minor"/>
+    </dgm:style>
+  </dgm:styleLbl>
+  <dgm:styleLbl name="bgAccFollowNode1">
+    <dgm:scene3d>
+      <a:camera prst="orthographicFront"/>
+      <a:lightRig rig="threePt" dir="t"/>
+    </dgm:scene3d>
+    <dgm:sp3d/>
+    <dgm:txPr/>
+    <dgm:style>
+      <a:lnRef idx="2">
+        <a:scrgbClr r="0" g="0" b="0"/>
+      </a:lnRef>
+      <a:fillRef idx="1">
+        <a:scrgbClr r="0" g="0" b="0"/>
+      </a:fillRef>
+      <a:effectRef idx="0">
+        <a:scrgbClr r="0" g="0" b="0"/>
+      </a:effectRef>
+      <a:fontRef idx="minor"/>
+    </dgm:style>
+  </dgm:styleLbl>
+  <dgm:styleLbl name="fgAcc0">
+    <dgm:scene3d>
+      <a:camera prst="orthographicFront"/>
+      <a:lightRig rig="threePt" dir="t"/>
+    </dgm:scene3d>
+    <dgm:sp3d/>
+    <dgm:txPr/>
+    <dgm:style>
+      <a:lnRef idx="2">
+        <a:scrgbClr r="0" g="0" b="0"/>
+      </a:lnRef>
+      <a:fillRef idx="1">
+        <a:scrgbClr r="0" g="0" b="0"/>
+      </a:fillRef>
+      <a:effectRef idx="0">
+        <a:scrgbClr r="0" g="0" b="0"/>
+      </a:effectRef>
+      <a:fontRef idx="minor"/>
+    </dgm:style>
+  </dgm:styleLbl>
+  <dgm:styleLbl name="fgAcc2">
+    <dgm:scene3d>
+      <a:camera prst="orthographicFront"/>
+      <a:lightRig rig="threePt" dir="t"/>
+    </dgm:scene3d>
+    <dgm:sp3d/>
+    <dgm:txPr/>
+    <dgm:style>
+      <a:lnRef idx="2">
+        <a:scrgbClr r="0" g="0" b="0"/>
+      </a:lnRef>
+      <a:fillRef idx="1">
+        <a:scrgbClr r="0" g="0" b="0"/>
+      </a:fillRef>
+      <a:effectRef idx="0">
+        <a:scrgbClr r="0" g="0" b="0"/>
+      </a:effectRef>
+      <a:fontRef idx="minor"/>
+    </dgm:style>
+  </dgm:styleLbl>
+  <dgm:styleLbl name="fgAcc3">
+    <dgm:scene3d>
+      <a:camera prst="orthographicFront"/>
+      <a:lightRig rig="threePt" dir="t"/>
+    </dgm:scene3d>
+    <dgm:sp3d/>
+    <dgm:txPr/>
+    <dgm:style>
+      <a:lnRef idx="2">
+        <a:scrgbClr r="0" g="0" b="0"/>
+      </a:lnRef>
+      <a:fillRef idx="1">
+        <a:scrgbClr r="0" g="0" b="0"/>
+      </a:fillRef>
+      <a:effectRef idx="0">
+        <a:scrgbClr r="0" g="0" b="0"/>
+      </a:effectRef>
+      <a:fontRef idx="minor"/>
+    </dgm:style>
+  </dgm:styleLbl>
+  <dgm:styleLbl name="fgAcc4">
+    <dgm:scene3d>
+      <a:camera prst="orthographicFront"/>
+      <a:lightRig rig="threePt" dir="t"/>
+    </dgm:scene3d>
+    <dgm:sp3d/>
+    <dgm:txPr/>
+    <dgm:style>
+      <a:lnRef idx="2">
+        <a:scrgbClr r="0" g="0" b="0"/>
+      </a:lnRef>
+      <a:fillRef idx="1">
+        <a:scrgbClr r="0" g="0" b="0"/>
+      </a:fillRef>
+      <a:effectRef idx="0">
+        <a:scrgbClr r="0" g="0" b="0"/>
+      </a:effectRef>
+      <a:fontRef idx="minor"/>
+    </dgm:style>
+  </dgm:styleLbl>
+  <dgm:styleLbl name="bgShp">
+    <dgm:scene3d>
+      <a:camera prst="orthographicFront"/>
+      <a:lightRig rig="threePt" dir="t"/>
+    </dgm:scene3d>
+    <dgm:sp3d/>
+    <dgm:txPr/>
+    <dgm:style>
+      <a:lnRef idx="0">
+        <a:scrgbClr r="0" g="0" b="0"/>
+      </a:lnRef>
+      <a:fillRef idx="1">
+        <a:scrgbClr r="0" g="0" b="0"/>
+      </a:fillRef>
+      <a:effectRef idx="0">
+        <a:scrgbClr r="0" g="0" b="0"/>
+      </a:effectRef>
+      <a:fontRef idx="minor"/>
+    </dgm:style>
+  </dgm:styleLbl>
+  <dgm:styleLbl name="dkBgShp">
+    <dgm:scene3d>
+      <a:camera prst="orthographicFront"/>
+      <a:lightRig rig="threePt" dir="t"/>
+    </dgm:scene3d>
+    <dgm:sp3d/>
+    <dgm:txPr/>
+    <dgm:style>
+      <a:lnRef idx="0">
+        <a:scrgbClr r="0" g="0" b="0"/>
+      </a:lnRef>
+      <a:fillRef idx="1">
+        <a:scrgbClr r="0" g="0" b="0"/>
+      </a:fillRef>
+      <a:effectRef idx="0">
+        <a:scrgbClr r="0" g="0" b="0"/>
+      </a:effectRef>
+      <a:fontRef idx="minor"/>
+    </dgm:style>
+  </dgm:styleLbl>
+  <dgm:styleLbl name="trBgShp">
+    <dgm:scene3d>
+      <a:camera prst="orthographicFront"/>
+      <a:lightRig rig="threePt" dir="t"/>
+    </dgm:scene3d>
+    <dgm:sp3d/>
+    <dgm:txPr/>
+    <dgm:style>
+      <a:lnRef idx="0">
+        <a:scrgbClr r="0" g="0" b="0"/>
+      </a:lnRef>
+      <a:fillRef idx="1">
+        <a:scrgbClr r="0" g="0" b="0"/>
+      </a:fillRef>
+      <a:effectRef idx="0">
+        <a:scrgbClr r="0" g="0" b="0"/>
+      </a:effectRef>
+      <a:fontRef idx="minor"/>
+    </dgm:style>
+  </dgm:styleLbl>
+  <dgm:styleLbl name="fgShp">
+    <dgm:scene3d>
+      <a:camera prst="orthographicFront"/>
+      <a:lightRig rig="threePt" dir="t"/>
+    </dgm:scene3d>
+    <dgm:sp3d/>
+    <dgm:txPr/>
+    <dgm:style>
+      <a:lnRef idx="3">
+        <a:scrgbClr r="0" g="0" b="0"/>
+      </a:lnRef>
+      <a:fillRef idx="1">
+        <a:scrgbClr r="0" g="0" b="0"/>
+      </a:fillRef>
+      <a:effectRef idx="1">
         <a:scrgbClr r="0" g="0" b="0"/>
       </a:effectRef>
       <a:fontRef idx="minor"/>
@@ -25450,7 +28546,7 @@
           <a:p>
             <a:fld id="{B2D665E5-B75D-2F44-9E62-E2FD983123D6}" type="datetimeFigureOut">
               <a:rPr lang="en-US" smtClean="0"/>
-              <a:t>9/16/23</a:t>
+              <a:t>9/29/23</a:t>
             </a:fld>
             <a:endParaRPr lang="en-US"/>
           </a:p>
@@ -25629,7 +28725,7 @@
           <a:p>
             <a:fld id="{B2D665E5-B75D-2F44-9E62-E2FD983123D6}" type="datetimeFigureOut">
               <a:rPr lang="en-US" smtClean="0"/>
-              <a:t>9/16/23</a:t>
+              <a:t>9/29/23</a:t>
             </a:fld>
             <a:endParaRPr lang="en-US"/>
           </a:p>
@@ -25809,7 +28905,7 @@
           <a:p>
             <a:fld id="{B2D665E5-B75D-2F44-9E62-E2FD983123D6}" type="datetimeFigureOut">
               <a:rPr lang="en-US" smtClean="0"/>
-              <a:t>9/16/23</a:t>
+              <a:t>9/29/23</a:t>
             </a:fld>
             <a:endParaRPr lang="en-US"/>
           </a:p>
@@ -25979,7 +29075,7 @@
           <a:p>
             <a:fld id="{B2D665E5-B75D-2F44-9E62-E2FD983123D6}" type="datetimeFigureOut">
               <a:rPr lang="en-US" smtClean="0"/>
-              <a:t>9/16/23</a:t>
+              <a:t>9/29/23</a:t>
             </a:fld>
             <a:endParaRPr lang="en-US"/>
           </a:p>
@@ -26300,7 +29396,7 @@
           <a:p>
             <a:fld id="{B2D665E5-B75D-2F44-9E62-E2FD983123D6}" type="datetimeFigureOut">
               <a:rPr lang="en-US" smtClean="0"/>
-              <a:t>9/16/23</a:t>
+              <a:t>9/29/23</a:t>
             </a:fld>
             <a:endParaRPr lang="en-US"/>
           </a:p>
@@ -26760,7 +29856,7 @@
           <a:p>
             <a:fld id="{B2D665E5-B75D-2F44-9E62-E2FD983123D6}" type="datetimeFigureOut">
               <a:rPr lang="en-US" smtClean="0"/>
-              <a:t>9/16/23</a:t>
+              <a:t>9/29/23</a:t>
             </a:fld>
             <a:endParaRPr lang="en-US"/>
           </a:p>
@@ -27171,7 +30267,7 @@
           <a:p>
             <a:fld id="{B2D665E5-B75D-2F44-9E62-E2FD983123D6}" type="datetimeFigureOut">
               <a:rPr lang="en-US" smtClean="0"/>
-              <a:t>9/16/23</a:t>
+              <a:t>9/29/23</a:t>
             </a:fld>
             <a:endParaRPr lang="en-US"/>
           </a:p>
@@ -27289,7 +30385,7 @@
           <a:p>
             <a:fld id="{B2D665E5-B75D-2F44-9E62-E2FD983123D6}" type="datetimeFigureOut">
               <a:rPr lang="en-US" smtClean="0"/>
-              <a:t>9/16/23</a:t>
+              <a:t>9/29/23</a:t>
             </a:fld>
             <a:endParaRPr lang="en-US"/>
           </a:p>
@@ -27407,7 +30503,7 @@
           <a:p>
             <a:fld id="{B2D665E5-B75D-2F44-9E62-E2FD983123D6}" type="datetimeFigureOut">
               <a:rPr lang="en-US" smtClean="0"/>
-              <a:t>9/16/23</a:t>
+              <a:t>9/29/23</a:t>
             </a:fld>
             <a:endParaRPr lang="en-US"/>
           </a:p>
@@ -27765,7 +30861,7 @@
           <a:p>
             <a:fld id="{B2D665E5-B75D-2F44-9E62-E2FD983123D6}" type="datetimeFigureOut">
               <a:rPr lang="en-US" smtClean="0"/>
-              <a:t>9/16/23</a:t>
+              <a:t>9/29/23</a:t>
             </a:fld>
             <a:endParaRPr lang="en-US"/>
           </a:p>
@@ -28272,7 +31368,7 @@
           <a:p>
             <a:fld id="{B2D665E5-B75D-2F44-9E62-E2FD983123D6}" type="datetimeFigureOut">
               <a:rPr lang="en-US" smtClean="0"/>
-              <a:t>9/16/23</a:t>
+              <a:t>9/29/23</a:t>
             </a:fld>
             <a:endParaRPr lang="en-US"/>
           </a:p>
@@ -28627,7 +31723,7 @@
           <a:p>
             <a:fld id="{B2D665E5-B75D-2F44-9E62-E2FD983123D6}" type="datetimeFigureOut">
               <a:rPr lang="en-US" smtClean="0"/>
-              <a:t>9/16/23</a:t>
+              <a:t>9/29/23</a:t>
             </a:fld>
             <a:endParaRPr lang="en-US"/>
           </a:p>
@@ -45626,6 +48722,2241 @@
 </p:sld>
 </file>
 
+<file path=ppt/slides/slide70.xml><?xml version="1.0" encoding="utf-8"?>
+<p:sld xmlns:a="http://schemas.openxmlformats.org/drawingml/2006/main" xmlns:r="http://schemas.openxmlformats.org/officeDocument/2006/relationships" xmlns:p="http://schemas.openxmlformats.org/presentationml/2006/main">
+  <p:cSld>
+    <p:spTree>
+      <p:nvGrpSpPr>
+        <p:cNvPr id="1" name=""/>
+        <p:cNvGrpSpPr/>
+        <p:nvPr/>
+      </p:nvGrpSpPr>
+      <p:grpSpPr>
+        <a:xfrm>
+          <a:off x="0" y="0"/>
+          <a:ext cx="0" cy="0"/>
+          <a:chOff x="0" y="0"/>
+          <a:chExt cx="0" cy="0"/>
+        </a:xfrm>
+      </p:grpSpPr>
+      <p:sp>
+        <p:nvSpPr>
+          <p:cNvPr id="2" name="Title 1">
+            <a:extLst>
+              <a:ext uri="{FF2B5EF4-FFF2-40B4-BE49-F238E27FC236}">
+                <a16:creationId xmlns:a16="http://schemas.microsoft.com/office/drawing/2014/main" id="{25370AE2-F9BF-F744-25E1-9B5EE2D3D398}"/>
+              </a:ext>
+            </a:extLst>
+          </p:cNvPr>
+          <p:cNvSpPr>
+            <a:spLocks noGrp="1"/>
+          </p:cNvSpPr>
+          <p:nvPr>
+            <p:ph type="title"/>
+          </p:nvPr>
+        </p:nvSpPr>
+        <p:spPr>
+          <a:xfrm>
+            <a:off x="1069848" y="484631"/>
+            <a:ext cx="10058400" cy="6055653"/>
+          </a:xfrm>
+        </p:spPr>
+        <p:txBody>
+          <a:bodyPr/>
+          <a:lstStyle/>
+          <a:p>
+            <a:pPr algn="ctr"/>
+            <a:r>
+              <a:rPr lang="en-US" dirty="0"/>
+              <a:t>Statistics</a:t>
+            </a:r>
+          </a:p>
+        </p:txBody>
+      </p:sp>
+    </p:spTree>
+    <p:extLst>
+      <p:ext uri="{BB962C8B-B14F-4D97-AF65-F5344CB8AC3E}">
+        <p14:creationId xmlns:p14="http://schemas.microsoft.com/office/powerpoint/2010/main" val="1125577183"/>
+      </p:ext>
+    </p:extLst>
+  </p:cSld>
+  <p:clrMapOvr>
+    <a:masterClrMapping/>
+  </p:clrMapOvr>
+</p:sld>
+</file>
+
+<file path=ppt/slides/slide71.xml><?xml version="1.0" encoding="utf-8"?>
+<p:sld xmlns:a="http://schemas.openxmlformats.org/drawingml/2006/main" xmlns:r="http://schemas.openxmlformats.org/officeDocument/2006/relationships" xmlns:p="http://schemas.openxmlformats.org/presentationml/2006/main">
+  <p:cSld>
+    <p:spTree>
+      <p:nvGrpSpPr>
+        <p:cNvPr id="1" name=""/>
+        <p:cNvGrpSpPr/>
+        <p:nvPr/>
+      </p:nvGrpSpPr>
+      <p:grpSpPr>
+        <a:xfrm>
+          <a:off x="0" y="0"/>
+          <a:ext cx="0" cy="0"/>
+          <a:chOff x="0" y="0"/>
+          <a:chExt cx="0" cy="0"/>
+        </a:xfrm>
+      </p:grpSpPr>
+      <p:sp>
+        <p:nvSpPr>
+          <p:cNvPr id="2" name="Title 1">
+            <a:extLst>
+              <a:ext uri="{FF2B5EF4-FFF2-40B4-BE49-F238E27FC236}">
+                <a16:creationId xmlns:a16="http://schemas.microsoft.com/office/drawing/2014/main" id="{2FF79231-F6B8-96C7-90BB-480BDD418CA9}"/>
+              </a:ext>
+            </a:extLst>
+          </p:cNvPr>
+          <p:cNvSpPr>
+            <a:spLocks noGrp="1"/>
+          </p:cNvSpPr>
+          <p:nvPr>
+            <p:ph type="title"/>
+          </p:nvPr>
+        </p:nvSpPr>
+        <p:spPr>
+          <a:xfrm>
+            <a:off x="1069848" y="484632"/>
+            <a:ext cx="10058400" cy="788997"/>
+          </a:xfrm>
+        </p:spPr>
+        <p:txBody>
+          <a:bodyPr/>
+          <a:lstStyle/>
+          <a:p>
+            <a:r>
+              <a:rPr lang="en-US" dirty="0"/>
+              <a:t>Statistics In Python</a:t>
+            </a:r>
+          </a:p>
+        </p:txBody>
+      </p:sp>
+      <p:sp>
+        <p:nvSpPr>
+          <p:cNvPr id="3" name="Content Placeholder 2">
+            <a:extLst>
+              <a:ext uri="{FF2B5EF4-FFF2-40B4-BE49-F238E27FC236}">
+                <a16:creationId xmlns:a16="http://schemas.microsoft.com/office/drawing/2014/main" id="{824BE40D-9536-0FF1-9E40-B673190D73E5}"/>
+              </a:ext>
+            </a:extLst>
+          </p:cNvPr>
+          <p:cNvSpPr>
+            <a:spLocks noGrp="1"/>
+          </p:cNvSpPr>
+          <p:nvPr>
+            <p:ph idx="1"/>
+          </p:nvPr>
+        </p:nvSpPr>
+        <p:spPr>
+          <a:xfrm>
+            <a:off x="1069848" y="1143000"/>
+            <a:ext cx="10058400" cy="5715000"/>
+          </a:xfrm>
+        </p:spPr>
+        <p:txBody>
+          <a:bodyPr/>
+          <a:lstStyle/>
+          <a:p>
+            <a:r>
+              <a:rPr lang="en-US" dirty="0"/>
+              <a:t>Outlier detection</a:t>
+            </a:r>
+          </a:p>
+          <a:p>
+            <a:pPr lvl="1"/>
+            <a:r>
+              <a:rPr lang="en-US" dirty="0"/>
+              <a:t>By describing the summary</a:t>
+            </a:r>
+          </a:p>
+          <a:p>
+            <a:pPr lvl="1"/>
+            <a:r>
+              <a:rPr lang="en-US" dirty="0"/>
+              <a:t>Identifying the observation having outliers.</a:t>
+            </a:r>
+          </a:p>
+          <a:p>
+            <a:r>
+              <a:rPr lang="en-US" dirty="0"/>
+              <a:t>Random Sampling</a:t>
+            </a:r>
+          </a:p>
+          <a:p>
+            <a:pPr marL="0" indent="0">
+              <a:buNone/>
+            </a:pPr>
+            <a:r>
+              <a:rPr lang="en-US" dirty="0" err="1"/>
+              <a:t>pd.DataFrame</a:t>
+            </a:r>
+            <a:r>
+              <a:rPr lang="en-US" dirty="0"/>
+              <a:t>(</a:t>
+            </a:r>
+            <a:r>
+              <a:rPr lang="en-US" dirty="0" err="1"/>
+              <a:t>np.random.randn</a:t>
+            </a:r>
+            <a:r>
+              <a:rPr lang="en-US" dirty="0"/>
+              <a:t>(10).reshape(5,2),columns=["col1","col2"])</a:t>
+            </a:r>
+          </a:p>
+          <a:p>
+            <a:pPr lvl="1"/>
+            <a:r>
+              <a:rPr lang="en-US" dirty="0"/>
+              <a:t>With Replacement </a:t>
+            </a:r>
+          </a:p>
+          <a:p>
+            <a:pPr marL="274320" lvl="1" indent="0">
+              <a:buNone/>
+            </a:pPr>
+            <a:r>
+              <a:rPr lang="en-US" dirty="0"/>
+              <a:t>Subset of observations are selected randomly, and an observation may be selected more than once.</a:t>
+            </a:r>
+          </a:p>
+          <a:p>
+            <a:pPr marL="274320" lvl="1" indent="0">
+              <a:buNone/>
+            </a:pPr>
+            <a:r>
+              <a:rPr lang="en-US" dirty="0" err="1"/>
+              <a:t>df.sample</a:t>
+            </a:r>
+            <a:r>
+              <a:rPr lang="en-US" dirty="0"/>
+              <a:t>(3)</a:t>
+            </a:r>
+          </a:p>
+          <a:p>
+            <a:pPr lvl="1"/>
+            <a:r>
+              <a:rPr lang="en-US" dirty="0"/>
+              <a:t>Without Replacement</a:t>
+            </a:r>
+          </a:p>
+          <a:p>
+            <a:pPr marL="274320" lvl="1" indent="0">
+              <a:buNone/>
+            </a:pPr>
+            <a:r>
+              <a:rPr lang="en-US" dirty="0"/>
+              <a:t>Subset of the observations are selected randomly, and once an observation is selected it cannot be selected again</a:t>
+            </a:r>
+          </a:p>
+          <a:p>
+            <a:pPr marL="274320" lvl="1" indent="0">
+              <a:buNone/>
+            </a:pPr>
+            <a:r>
+              <a:rPr lang="en-US" dirty="0" err="1"/>
+              <a:t>Df.sample</a:t>
+            </a:r>
+            <a:r>
+              <a:rPr lang="en-US" dirty="0"/>
+              <a:t>(3,replace=True)</a:t>
+            </a:r>
+          </a:p>
+          <a:p>
+            <a:r>
+              <a:rPr lang="en-US" dirty="0"/>
+              <a:t>For Categorical Variable </a:t>
+            </a:r>
+          </a:p>
+          <a:p>
+            <a:pPr lvl="1"/>
+            <a:r>
+              <a:rPr lang="en-US" dirty="0"/>
+              <a:t>x=</a:t>
+            </a:r>
+            <a:r>
+              <a:rPr lang="en-US" dirty="0" err="1"/>
+              <a:t>pd.get_dummies</a:t>
+            </a:r>
+            <a:r>
+              <a:rPr lang="en-US" dirty="0"/>
+              <a:t>(</a:t>
+            </a:r>
+            <a:r>
+              <a:rPr lang="en-US" dirty="0" err="1"/>
+              <a:t>df</a:t>
+            </a:r>
+            <a:r>
+              <a:rPr lang="en-US" dirty="0"/>
+              <a:t>["corrected division"])</a:t>
+            </a:r>
+          </a:p>
+          <a:p>
+            <a:pPr lvl="1"/>
+            <a:r>
+              <a:rPr lang="en-US" dirty="0" err="1"/>
+              <a:t>df.join</a:t>
+            </a:r>
+            <a:r>
+              <a:rPr lang="en-US" dirty="0"/>
+              <a:t>(x)</a:t>
+            </a:r>
+          </a:p>
+        </p:txBody>
+      </p:sp>
+    </p:spTree>
+    <p:extLst>
+      <p:ext uri="{BB962C8B-B14F-4D97-AF65-F5344CB8AC3E}">
+        <p14:creationId xmlns:p14="http://schemas.microsoft.com/office/powerpoint/2010/main" val="1358549973"/>
+      </p:ext>
+    </p:extLst>
+  </p:cSld>
+  <p:clrMapOvr>
+    <a:masterClrMapping/>
+  </p:clrMapOvr>
+</p:sld>
+</file>
+
+<file path=ppt/slides/slide72.xml><?xml version="1.0" encoding="utf-8"?>
+<p:sld xmlns:a="http://schemas.openxmlformats.org/drawingml/2006/main" xmlns:r="http://schemas.openxmlformats.org/officeDocument/2006/relationships" xmlns:p="http://schemas.openxmlformats.org/presentationml/2006/main">
+  <p:cSld>
+    <p:spTree>
+      <p:nvGrpSpPr>
+        <p:cNvPr id="1" name=""/>
+        <p:cNvGrpSpPr/>
+        <p:nvPr/>
+      </p:nvGrpSpPr>
+      <p:grpSpPr>
+        <a:xfrm>
+          <a:off x="0" y="0"/>
+          <a:ext cx="0" cy="0"/>
+          <a:chOff x="0" y="0"/>
+          <a:chExt cx="0" cy="0"/>
+        </a:xfrm>
+      </p:grpSpPr>
+      <p:sp>
+        <p:nvSpPr>
+          <p:cNvPr id="2" name="Title 1">
+            <a:extLst>
+              <a:ext uri="{FF2B5EF4-FFF2-40B4-BE49-F238E27FC236}">
+                <a16:creationId xmlns:a16="http://schemas.microsoft.com/office/drawing/2014/main" id="{6840D97D-CB8F-B503-DE84-EF171D5183C6}"/>
+              </a:ext>
+            </a:extLst>
+          </p:cNvPr>
+          <p:cNvSpPr>
+            <a:spLocks noGrp="1"/>
+          </p:cNvSpPr>
+          <p:nvPr>
+            <p:ph type="title"/>
+          </p:nvPr>
+        </p:nvSpPr>
+        <p:spPr>
+          <a:xfrm>
+            <a:off x="1069848" y="484632"/>
+            <a:ext cx="10058400" cy="837982"/>
+          </a:xfrm>
+        </p:spPr>
+        <p:txBody>
+          <a:bodyPr/>
+          <a:lstStyle/>
+          <a:p>
+            <a:r>
+              <a:rPr lang="en-US" dirty="0"/>
+              <a:t>Bucketing &amp; Binning</a:t>
+            </a:r>
+          </a:p>
+        </p:txBody>
+      </p:sp>
+      <p:sp>
+        <p:nvSpPr>
+          <p:cNvPr id="3" name="Content Placeholder 2">
+            <a:extLst>
+              <a:ext uri="{FF2B5EF4-FFF2-40B4-BE49-F238E27FC236}">
+                <a16:creationId xmlns:a16="http://schemas.microsoft.com/office/drawing/2014/main" id="{FFAB773C-F8AA-3221-EEF7-B7170D884F88}"/>
+              </a:ext>
+            </a:extLst>
+          </p:cNvPr>
+          <p:cNvSpPr>
+            <a:spLocks noGrp="1"/>
+          </p:cNvSpPr>
+          <p:nvPr>
+            <p:ph idx="1"/>
+          </p:nvPr>
+        </p:nvSpPr>
+        <p:spPr>
+          <a:xfrm>
+            <a:off x="1069848" y="1502229"/>
+            <a:ext cx="10058400" cy="4669971"/>
+          </a:xfrm>
+        </p:spPr>
+        <p:txBody>
+          <a:bodyPr/>
+          <a:lstStyle/>
+          <a:p>
+            <a:r>
+              <a:rPr lang="en-US" dirty="0"/>
+              <a:t>Bucket &amp; bin the data into small parts </a:t>
+            </a:r>
+          </a:p>
+          <a:p>
+            <a:r>
+              <a:rPr lang="en-US" dirty="0"/>
+              <a:t>Useful to segregate data into desired variables</a:t>
+            </a:r>
+          </a:p>
+          <a:p>
+            <a:r>
+              <a:rPr lang="en-US" dirty="0"/>
+              <a:t>Makes big data into useful one</a:t>
+            </a:r>
+          </a:p>
+          <a:p>
+            <a:r>
+              <a:rPr lang="en-US" dirty="0"/>
+              <a:t>Separates the noisy or not useful data</a:t>
+            </a:r>
+          </a:p>
+          <a:p>
+            <a:r>
+              <a:rPr lang="en-US" dirty="0"/>
+              <a:t>Easy to create</a:t>
+            </a:r>
+          </a:p>
+        </p:txBody>
+      </p:sp>
+    </p:spTree>
+    <p:extLst>
+      <p:ext uri="{BB962C8B-B14F-4D97-AF65-F5344CB8AC3E}">
+        <p14:creationId xmlns:p14="http://schemas.microsoft.com/office/powerpoint/2010/main" val="1202049427"/>
+      </p:ext>
+    </p:extLst>
+  </p:cSld>
+  <p:clrMapOvr>
+    <a:masterClrMapping/>
+  </p:clrMapOvr>
+</p:sld>
+</file>
+
+<file path=ppt/slides/slide73.xml><?xml version="1.0" encoding="utf-8"?>
+<p:sld xmlns:a="http://schemas.openxmlformats.org/drawingml/2006/main" xmlns:r="http://schemas.openxmlformats.org/officeDocument/2006/relationships" xmlns:p="http://schemas.openxmlformats.org/presentationml/2006/main">
+  <p:cSld>
+    <p:spTree>
+      <p:nvGrpSpPr>
+        <p:cNvPr id="1" name=""/>
+        <p:cNvGrpSpPr/>
+        <p:nvPr/>
+      </p:nvGrpSpPr>
+      <p:grpSpPr>
+        <a:xfrm>
+          <a:off x="0" y="0"/>
+          <a:ext cx="0" cy="0"/>
+          <a:chOff x="0" y="0"/>
+          <a:chExt cx="0" cy="0"/>
+        </a:xfrm>
+      </p:grpSpPr>
+      <p:sp>
+        <p:nvSpPr>
+          <p:cNvPr id="2" name="Title 1">
+            <a:extLst>
+              <a:ext uri="{FF2B5EF4-FFF2-40B4-BE49-F238E27FC236}">
+                <a16:creationId xmlns:a16="http://schemas.microsoft.com/office/drawing/2014/main" id="{38CD9D76-AA32-AEAD-B926-4A8BCDFAA039}"/>
+              </a:ext>
+            </a:extLst>
+          </p:cNvPr>
+          <p:cNvSpPr>
+            <a:spLocks noGrp="1"/>
+          </p:cNvSpPr>
+          <p:nvPr>
+            <p:ph type="title"/>
+          </p:nvPr>
+        </p:nvSpPr>
+        <p:spPr>
+          <a:xfrm>
+            <a:off x="1069848" y="323959"/>
+            <a:ext cx="10058400" cy="723682"/>
+          </a:xfrm>
+        </p:spPr>
+        <p:txBody>
+          <a:bodyPr>
+            <a:normAutofit fontScale="90000"/>
+          </a:bodyPr>
+          <a:lstStyle/>
+          <a:p>
+            <a:r>
+              <a:rPr lang="en-US" dirty="0"/>
+              <a:t>Bucketing &amp; Binning </a:t>
+            </a:r>
+          </a:p>
+        </p:txBody>
+      </p:sp>
+      <p:sp>
+        <p:nvSpPr>
+          <p:cNvPr id="3" name="Content Placeholder 2">
+            <a:extLst>
+              <a:ext uri="{FF2B5EF4-FFF2-40B4-BE49-F238E27FC236}">
+                <a16:creationId xmlns:a16="http://schemas.microsoft.com/office/drawing/2014/main" id="{DB9BED39-FE0E-E63B-DF8E-64DA301F8A6B}"/>
+              </a:ext>
+            </a:extLst>
+          </p:cNvPr>
+          <p:cNvSpPr>
+            <a:spLocks noGrp="1"/>
+          </p:cNvSpPr>
+          <p:nvPr>
+            <p:ph idx="1"/>
+          </p:nvPr>
+        </p:nvSpPr>
+        <p:spPr>
+          <a:xfrm>
+            <a:off x="1069848" y="1208313"/>
+            <a:ext cx="10058400" cy="5325727"/>
+          </a:xfrm>
+        </p:spPr>
+        <p:txBody>
+          <a:bodyPr>
+            <a:normAutofit fontScale="92500" lnSpcReduction="10000"/>
+          </a:bodyPr>
+          <a:lstStyle/>
+          <a:p>
+            <a:r>
+              <a:rPr lang="en-US" dirty="0"/>
+              <a:t>mean=</a:t>
+            </a:r>
+            <a:r>
+              <a:rPr lang="en-US" dirty="0" err="1"/>
+              <a:t>np.round</a:t>
+            </a:r>
+            <a:r>
+              <a:rPr lang="en-US" dirty="0"/>
+              <a:t>(</a:t>
+            </a:r>
+            <a:r>
+              <a:rPr lang="en-US" dirty="0" err="1"/>
+              <a:t>df</a:t>
+            </a:r>
+            <a:r>
+              <a:rPr lang="en-US" dirty="0"/>
+              <a:t>["Ageing of the product (in years)"].mean(),2)</a:t>
+            </a:r>
+          </a:p>
+          <a:p>
+            <a:r>
+              <a:rPr lang="en-US" dirty="0" err="1"/>
+              <a:t>df</a:t>
+            </a:r>
+            <a:r>
+              <a:rPr lang="en-US" dirty="0"/>
+              <a:t>["Ageing of the product (in years).Average"]=</a:t>
+            </a:r>
+            <a:r>
+              <a:rPr lang="en-US" dirty="0" err="1"/>
+              <a:t>np.where</a:t>
+            </a:r>
+            <a:r>
+              <a:rPr lang="en-US" dirty="0"/>
+              <a:t>(</a:t>
+            </a:r>
+            <a:r>
+              <a:rPr lang="en-US" dirty="0" err="1"/>
+              <a:t>df</a:t>
+            </a:r>
+            <a:r>
+              <a:rPr lang="en-US" dirty="0"/>
+              <a:t>["Ageing of the product (in years)"]&lt; </a:t>
+            </a:r>
+            <a:r>
+              <a:rPr lang="en-US" dirty="0" err="1"/>
+              <a:t>mean,"below</a:t>
+            </a:r>
+            <a:r>
+              <a:rPr lang="en-US" dirty="0"/>
+              <a:t> </a:t>
+            </a:r>
+            <a:r>
+              <a:rPr lang="en-US" dirty="0" err="1"/>
+              <a:t>average","above</a:t>
+            </a:r>
+            <a:r>
+              <a:rPr lang="en-US" dirty="0"/>
+              <a:t> average")</a:t>
+            </a:r>
+          </a:p>
+          <a:p>
+            <a:r>
+              <a:rPr lang="en-US" dirty="0"/>
+              <a:t>conditions=[(</a:t>
+            </a:r>
+            <a:r>
+              <a:rPr lang="en-US" dirty="0" err="1"/>
+              <a:t>df</a:t>
+            </a:r>
+            <a:r>
+              <a:rPr lang="en-US" dirty="0"/>
+              <a:t>["Ageing of the product (in years)"]&lt;=3),</a:t>
+            </a:r>
+          </a:p>
+          <a:p>
+            <a:r>
+              <a:rPr lang="en-US" dirty="0"/>
+              <a:t>        (</a:t>
+            </a:r>
+            <a:r>
+              <a:rPr lang="en-US" dirty="0" err="1"/>
+              <a:t>df</a:t>
+            </a:r>
+            <a:r>
+              <a:rPr lang="en-US" dirty="0"/>
+              <a:t>["Ageing of the product (in years)"]&gt;3) &amp; (</a:t>
+            </a:r>
+            <a:r>
+              <a:rPr lang="en-US" dirty="0" err="1"/>
+              <a:t>df</a:t>
+            </a:r>
+            <a:r>
+              <a:rPr lang="en-US" dirty="0"/>
+              <a:t>["Ageing of the product (in years)"]&lt;=7),</a:t>
+            </a:r>
+          </a:p>
+          <a:p>
+            <a:r>
+              <a:rPr lang="en-US" dirty="0"/>
+              <a:t>        (</a:t>
+            </a:r>
+            <a:r>
+              <a:rPr lang="en-US" dirty="0" err="1"/>
+              <a:t>df</a:t>
+            </a:r>
+            <a:r>
+              <a:rPr lang="en-US" dirty="0"/>
+              <a:t>["Ageing of the product (in years)"]&gt;7) &amp; (</a:t>
+            </a:r>
+            <a:r>
+              <a:rPr lang="en-US" dirty="0" err="1"/>
+              <a:t>df</a:t>
+            </a:r>
+            <a:r>
+              <a:rPr lang="en-US" dirty="0"/>
+              <a:t>["Ageing of the product (in years)"]&lt;=14),</a:t>
+            </a:r>
+          </a:p>
+          <a:p>
+            <a:r>
+              <a:rPr lang="en-US" dirty="0"/>
+              <a:t>        (</a:t>
+            </a:r>
+            <a:r>
+              <a:rPr lang="en-US" dirty="0" err="1"/>
+              <a:t>df</a:t>
+            </a:r>
+            <a:r>
+              <a:rPr lang="en-US" dirty="0"/>
+              <a:t>["Ageing of the product (in years)"]&gt;14) &amp; (</a:t>
+            </a:r>
+            <a:r>
+              <a:rPr lang="en-US" dirty="0" err="1"/>
+              <a:t>df</a:t>
+            </a:r>
+            <a:r>
+              <a:rPr lang="en-US" dirty="0"/>
+              <a:t>["Ageing of the product (in years)"]&lt;=20),</a:t>
+            </a:r>
+          </a:p>
+          <a:p>
+            <a:r>
+              <a:rPr lang="en-US" dirty="0"/>
+              <a:t>        (</a:t>
+            </a:r>
+            <a:r>
+              <a:rPr lang="en-US" dirty="0" err="1"/>
+              <a:t>df</a:t>
+            </a:r>
+            <a:r>
+              <a:rPr lang="en-US" dirty="0"/>
+              <a:t>["Ageing of the product (in years)"]&gt;20), </a:t>
+            </a:r>
+            <a:r>
+              <a:rPr lang="en-US" dirty="0" err="1"/>
+              <a:t>df</a:t>
+            </a:r>
+            <a:r>
+              <a:rPr lang="en-US" dirty="0"/>
+              <a:t>["Ageing of the product (in years)"].</a:t>
+            </a:r>
+            <a:r>
+              <a:rPr lang="en-US" dirty="0" err="1"/>
+              <a:t>isnull</a:t>
+            </a:r>
+            <a:r>
+              <a:rPr lang="en-US" dirty="0"/>
+              <a:t>()]</a:t>
+            </a:r>
+          </a:p>
+          <a:p>
+            <a:r>
+              <a:rPr lang="en-US" dirty="0"/>
+              <a:t>values=["new product purchased", "check for service", "service </a:t>
+            </a:r>
+            <a:r>
+              <a:rPr lang="en-US" dirty="0" err="1"/>
+              <a:t>requirment</a:t>
+            </a:r>
+            <a:r>
+              <a:rPr lang="en-US" dirty="0"/>
+              <a:t>", "need replacement", "need replacement </a:t>
+            </a:r>
+            <a:r>
+              <a:rPr lang="en-US" dirty="0" err="1"/>
+              <a:t>immidieately</a:t>
+            </a:r>
+            <a:r>
+              <a:rPr lang="en-US" dirty="0"/>
+              <a:t>", "Missing"]</a:t>
+            </a:r>
+          </a:p>
+          <a:p>
+            <a:r>
+              <a:rPr lang="en-US" dirty="0" err="1"/>
+              <a:t>df</a:t>
+            </a:r>
+            <a:r>
+              <a:rPr lang="en-US" dirty="0"/>
+              <a:t>["Bucketing/Binning"]=</a:t>
+            </a:r>
+            <a:r>
+              <a:rPr lang="en-US" dirty="0" err="1"/>
+              <a:t>np.select</a:t>
+            </a:r>
+            <a:r>
+              <a:rPr lang="en-US" dirty="0"/>
+              <a:t>(</a:t>
+            </a:r>
+            <a:r>
+              <a:rPr lang="en-US" dirty="0" err="1"/>
+              <a:t>conditions,values</a:t>
+            </a:r>
+            <a:r>
+              <a:rPr lang="en-US" dirty="0"/>
+              <a:t>)</a:t>
+            </a:r>
+          </a:p>
+          <a:p>
+            <a:pPr lvl="1"/>
+            <a:r>
+              <a:rPr lang="en-US" dirty="0" err="1"/>
+              <a:t>df</a:t>
+            </a:r>
+            <a:r>
+              <a:rPr lang="en-US" dirty="0"/>
+              <a:t>["Bucketing/Binning"].</a:t>
+            </a:r>
+            <a:r>
+              <a:rPr lang="en-US" dirty="0" err="1"/>
+              <a:t>value_counts</a:t>
+            </a:r>
+            <a:r>
+              <a:rPr lang="en-US" dirty="0"/>
+              <a:t>().plot(kind='bar')</a:t>
+            </a:r>
+          </a:p>
+          <a:p>
+            <a:pPr lvl="1"/>
+            <a:r>
+              <a:rPr lang="en-US" dirty="0" err="1"/>
+              <a:t>df</a:t>
+            </a:r>
+            <a:r>
+              <a:rPr lang="en-US" dirty="0"/>
+              <a:t>["Bucketing/Binning"].</a:t>
+            </a:r>
+            <a:r>
+              <a:rPr lang="en-US" dirty="0" err="1"/>
+              <a:t>value_counts</a:t>
+            </a:r>
+            <a:r>
+              <a:rPr lang="en-US" dirty="0"/>
+              <a:t>()</a:t>
+            </a:r>
+          </a:p>
+        </p:txBody>
+      </p:sp>
+    </p:spTree>
+    <p:extLst>
+      <p:ext uri="{BB962C8B-B14F-4D97-AF65-F5344CB8AC3E}">
+        <p14:creationId xmlns:p14="http://schemas.microsoft.com/office/powerpoint/2010/main" val="3678255681"/>
+      </p:ext>
+    </p:extLst>
+  </p:cSld>
+  <p:clrMapOvr>
+    <a:masterClrMapping/>
+  </p:clrMapOvr>
+</p:sld>
+</file>
+
+<file path=ppt/slides/slide74.xml><?xml version="1.0" encoding="utf-8"?>
+<p:sld xmlns:a="http://schemas.openxmlformats.org/drawingml/2006/main" xmlns:r="http://schemas.openxmlformats.org/officeDocument/2006/relationships" xmlns:p="http://schemas.openxmlformats.org/presentationml/2006/main">
+  <p:cSld>
+    <p:spTree>
+      <p:nvGrpSpPr>
+        <p:cNvPr id="1" name=""/>
+        <p:cNvGrpSpPr/>
+        <p:nvPr/>
+      </p:nvGrpSpPr>
+      <p:grpSpPr>
+        <a:xfrm>
+          <a:off x="0" y="0"/>
+          <a:ext cx="0" cy="0"/>
+          <a:chOff x="0" y="0"/>
+          <a:chExt cx="0" cy="0"/>
+        </a:xfrm>
+      </p:grpSpPr>
+      <p:sp>
+        <p:nvSpPr>
+          <p:cNvPr id="2" name="Title 1">
+            <a:extLst>
+              <a:ext uri="{FF2B5EF4-FFF2-40B4-BE49-F238E27FC236}">
+                <a16:creationId xmlns:a16="http://schemas.microsoft.com/office/drawing/2014/main" id="{25370AE2-F9BF-F744-25E1-9B5EE2D3D398}"/>
+              </a:ext>
+            </a:extLst>
+          </p:cNvPr>
+          <p:cNvSpPr>
+            <a:spLocks noGrp="1"/>
+          </p:cNvSpPr>
+          <p:nvPr>
+            <p:ph type="title"/>
+          </p:nvPr>
+        </p:nvSpPr>
+        <p:spPr>
+          <a:xfrm>
+            <a:off x="1069848" y="484631"/>
+            <a:ext cx="10058400" cy="6055653"/>
+          </a:xfrm>
+        </p:spPr>
+        <p:txBody>
+          <a:bodyPr/>
+          <a:lstStyle/>
+          <a:p>
+            <a:pPr algn="ctr"/>
+            <a:r>
+              <a:rPr lang="en-US" dirty="0"/>
+              <a:t>MATPLOTLIB</a:t>
+            </a:r>
+          </a:p>
+        </p:txBody>
+      </p:sp>
+    </p:spTree>
+    <p:extLst>
+      <p:ext uri="{BB962C8B-B14F-4D97-AF65-F5344CB8AC3E}">
+        <p14:creationId xmlns:p14="http://schemas.microsoft.com/office/powerpoint/2010/main" val="3776614408"/>
+      </p:ext>
+    </p:extLst>
+  </p:cSld>
+  <p:clrMapOvr>
+    <a:masterClrMapping/>
+  </p:clrMapOvr>
+</p:sld>
+</file>
+
+<file path=ppt/slides/slide75.xml><?xml version="1.0" encoding="utf-8"?>
+<p:sld xmlns:a="http://schemas.openxmlformats.org/drawingml/2006/main" xmlns:r="http://schemas.openxmlformats.org/officeDocument/2006/relationships" xmlns:p="http://schemas.openxmlformats.org/presentationml/2006/main">
+  <p:cSld>
+    <p:spTree>
+      <p:nvGrpSpPr>
+        <p:cNvPr id="1" name=""/>
+        <p:cNvGrpSpPr/>
+        <p:nvPr/>
+      </p:nvGrpSpPr>
+      <p:grpSpPr>
+        <a:xfrm>
+          <a:off x="0" y="0"/>
+          <a:ext cx="0" cy="0"/>
+          <a:chOff x="0" y="0"/>
+          <a:chExt cx="0" cy="0"/>
+        </a:xfrm>
+      </p:grpSpPr>
+      <p:sp>
+        <p:nvSpPr>
+          <p:cNvPr id="2" name="Title 1">
+            <a:extLst>
+              <a:ext uri="{FF2B5EF4-FFF2-40B4-BE49-F238E27FC236}">
+                <a16:creationId xmlns:a16="http://schemas.microsoft.com/office/drawing/2014/main" id="{B9F57894-F39C-8CA3-46D4-A69FD04BD580}"/>
+              </a:ext>
+            </a:extLst>
+          </p:cNvPr>
+          <p:cNvSpPr>
+            <a:spLocks noGrp="1"/>
+          </p:cNvSpPr>
+          <p:nvPr>
+            <p:ph type="title"/>
+          </p:nvPr>
+        </p:nvSpPr>
+        <p:spPr/>
+        <p:txBody>
+          <a:bodyPr>
+            <a:normAutofit/>
+          </a:bodyPr>
+          <a:lstStyle/>
+          <a:p>
+            <a:r>
+              <a:rPr lang="en-US" sz="4000" dirty="0"/>
+              <a:t>Workflow of Data Science Projects</a:t>
+            </a:r>
+          </a:p>
+        </p:txBody>
+      </p:sp>
+      <p:graphicFrame>
+        <p:nvGraphicFramePr>
+          <p:cNvPr id="5" name="Content Placeholder 4">
+            <a:extLst>
+              <a:ext uri="{FF2B5EF4-FFF2-40B4-BE49-F238E27FC236}">
+                <a16:creationId xmlns:a16="http://schemas.microsoft.com/office/drawing/2014/main" id="{568C0583-DCAA-162B-7A06-1966A70A6385}"/>
+              </a:ext>
+            </a:extLst>
+          </p:cNvPr>
+          <p:cNvGraphicFramePr>
+            <a:graphicFrameLocks noGrp="1"/>
+          </p:cNvGraphicFramePr>
+          <p:nvPr>
+            <p:ph idx="1"/>
+            <p:extLst>
+              <p:ext uri="{D42A27DB-BD31-4B8C-83A1-F6EECF244321}">
+                <p14:modId xmlns:p14="http://schemas.microsoft.com/office/powerpoint/2010/main" val="1905074196"/>
+              </p:ext>
+            </p:extLst>
+          </p:nvPr>
+        </p:nvGraphicFramePr>
+        <p:xfrm>
+          <a:off x="1069975" y="2120900"/>
+          <a:ext cx="10058400" cy="4051300"/>
+        </p:xfrm>
+        <a:graphic>
+          <a:graphicData uri="http://schemas.openxmlformats.org/drawingml/2006/diagram">
+            <dgm:relIds xmlns:dgm="http://schemas.openxmlformats.org/drawingml/2006/diagram" xmlns:r="http://schemas.openxmlformats.org/officeDocument/2006/relationships" r:dm="rId2" r:lo="rId3" r:qs="rId4" r:cs="rId5"/>
+          </a:graphicData>
+        </a:graphic>
+      </p:graphicFrame>
+      <p:sp>
+        <p:nvSpPr>
+          <p:cNvPr id="3" name="Rectangle 2">
+            <a:extLst>
+              <a:ext uri="{FF2B5EF4-FFF2-40B4-BE49-F238E27FC236}">
+                <a16:creationId xmlns:a16="http://schemas.microsoft.com/office/drawing/2014/main" id="{A26274A1-529D-65A0-5547-8B63AE04C1D0}"/>
+              </a:ext>
+            </a:extLst>
+          </p:cNvPr>
+          <p:cNvSpPr/>
+          <p:nvPr/>
+        </p:nvSpPr>
+        <p:spPr>
+          <a:xfrm>
+            <a:off x="1850571" y="4408715"/>
+            <a:ext cx="1632857" cy="1251857"/>
+          </a:xfrm>
+          <a:prstGeom prst="rect">
+            <a:avLst/>
+          </a:prstGeom>
+          <a:solidFill>
+            <a:schemeClr val="accent2">
+              <a:lumMod val="60000"/>
+              <a:lumOff val="40000"/>
+            </a:schemeClr>
+          </a:solidFill>
+        </p:spPr>
+        <p:style>
+          <a:lnRef idx="2">
+            <a:schemeClr val="accent1">
+              <a:shade val="15000"/>
+            </a:schemeClr>
+          </a:lnRef>
+          <a:fillRef idx="1">
+            <a:schemeClr val="accent1"/>
+          </a:fillRef>
+          <a:effectRef idx="0">
+            <a:schemeClr val="accent1"/>
+          </a:effectRef>
+          <a:fontRef idx="minor">
+            <a:schemeClr val="lt1"/>
+          </a:fontRef>
+        </p:style>
+        <p:txBody>
+          <a:bodyPr rtlCol="0" anchor="ctr"/>
+          <a:lstStyle/>
+          <a:p>
+            <a:pPr marL="285750" indent="-285750">
+              <a:buFont typeface="Arial" panose="020B0604020202020204" pitchFamily="34" charset="0"/>
+              <a:buChar char="•"/>
+            </a:pPr>
+            <a:r>
+              <a:rPr lang="en-US" sz="1200" dirty="0"/>
+              <a:t>Excel</a:t>
+            </a:r>
+          </a:p>
+          <a:p>
+            <a:pPr marL="285750" indent="-285750">
+              <a:buFont typeface="Arial" panose="020B0604020202020204" pitchFamily="34" charset="0"/>
+              <a:buChar char="•"/>
+            </a:pPr>
+            <a:r>
+              <a:rPr lang="en-US" sz="1200" dirty="0"/>
+              <a:t>CSV</a:t>
+            </a:r>
+          </a:p>
+          <a:p>
+            <a:pPr marL="285750" indent="-285750">
+              <a:buFont typeface="Arial" panose="020B0604020202020204" pitchFamily="34" charset="0"/>
+              <a:buChar char="•"/>
+            </a:pPr>
+            <a:r>
+              <a:rPr lang="en-US" sz="1200" dirty="0"/>
+              <a:t>SQL</a:t>
+            </a:r>
+          </a:p>
+          <a:p>
+            <a:pPr marL="285750" indent="-285750">
+              <a:buFont typeface="Arial" panose="020B0604020202020204" pitchFamily="34" charset="0"/>
+              <a:buChar char="•"/>
+            </a:pPr>
+            <a:r>
+              <a:rPr lang="en-US" sz="1200" dirty="0"/>
+              <a:t>JSON</a:t>
+            </a:r>
+          </a:p>
+          <a:p>
+            <a:pPr marL="285750" indent="-285750">
+              <a:buFont typeface="Arial" panose="020B0604020202020204" pitchFamily="34" charset="0"/>
+              <a:buChar char="•"/>
+            </a:pPr>
+            <a:r>
+              <a:rPr lang="en-US" sz="1200" dirty="0"/>
+              <a:t>Different databases</a:t>
+            </a:r>
+          </a:p>
+          <a:p>
+            <a:endParaRPr lang="en-US" sz="1200" dirty="0"/>
+          </a:p>
+        </p:txBody>
+      </p:sp>
+      <p:sp>
+        <p:nvSpPr>
+          <p:cNvPr id="4" name="Left Arrow 3">
+            <a:extLst>
+              <a:ext uri="{FF2B5EF4-FFF2-40B4-BE49-F238E27FC236}">
+                <a16:creationId xmlns:a16="http://schemas.microsoft.com/office/drawing/2014/main" id="{EB12E6A1-CA48-5EDF-31C4-3DE4D419847D}"/>
+              </a:ext>
+            </a:extLst>
+          </p:cNvPr>
+          <p:cNvSpPr/>
+          <p:nvPr/>
+        </p:nvSpPr>
+        <p:spPr>
+          <a:xfrm>
+            <a:off x="3469366" y="4702628"/>
+            <a:ext cx="794658" cy="489857"/>
+          </a:xfrm>
+          <a:prstGeom prst="leftArrow">
+            <a:avLst/>
+          </a:prstGeom>
+          <a:solidFill>
+            <a:schemeClr val="accent2">
+              <a:lumMod val="60000"/>
+              <a:lumOff val="40000"/>
+            </a:schemeClr>
+          </a:solidFill>
+        </p:spPr>
+        <p:style>
+          <a:lnRef idx="2">
+            <a:schemeClr val="accent1">
+              <a:shade val="15000"/>
+            </a:schemeClr>
+          </a:lnRef>
+          <a:fillRef idx="1">
+            <a:schemeClr val="accent1"/>
+          </a:fillRef>
+          <a:effectRef idx="0">
+            <a:schemeClr val="accent1"/>
+          </a:effectRef>
+          <a:fontRef idx="minor">
+            <a:schemeClr val="lt1"/>
+          </a:fontRef>
+        </p:style>
+        <p:txBody>
+          <a:bodyPr rtlCol="0" anchor="ctr"/>
+          <a:lstStyle/>
+          <a:p>
+            <a:pPr algn="ctr"/>
+            <a:endParaRPr lang="en-US"/>
+          </a:p>
+        </p:txBody>
+      </p:sp>
+      <p:sp>
+        <p:nvSpPr>
+          <p:cNvPr id="6" name="Rectangle 5">
+            <a:extLst>
+              <a:ext uri="{FF2B5EF4-FFF2-40B4-BE49-F238E27FC236}">
+                <a16:creationId xmlns:a16="http://schemas.microsoft.com/office/drawing/2014/main" id="{9980BC5A-A2EA-4107-6340-381F2E30B82E}"/>
+              </a:ext>
+            </a:extLst>
+          </p:cNvPr>
+          <p:cNvSpPr/>
+          <p:nvPr/>
+        </p:nvSpPr>
+        <p:spPr>
+          <a:xfrm>
+            <a:off x="1836509" y="2120900"/>
+            <a:ext cx="1632857" cy="1764393"/>
+          </a:xfrm>
+          <a:prstGeom prst="rect">
+            <a:avLst/>
+          </a:prstGeom>
+          <a:solidFill>
+            <a:schemeClr val="accent6">
+              <a:lumMod val="40000"/>
+              <a:lumOff val="60000"/>
+            </a:schemeClr>
+          </a:solidFill>
+        </p:spPr>
+        <p:style>
+          <a:lnRef idx="2">
+            <a:schemeClr val="accent1">
+              <a:shade val="15000"/>
+            </a:schemeClr>
+          </a:lnRef>
+          <a:fillRef idx="1">
+            <a:schemeClr val="accent1"/>
+          </a:fillRef>
+          <a:effectRef idx="0">
+            <a:schemeClr val="accent1"/>
+          </a:effectRef>
+          <a:fontRef idx="minor">
+            <a:schemeClr val="lt1"/>
+          </a:fontRef>
+        </p:style>
+        <p:txBody>
+          <a:bodyPr rtlCol="0" anchor="ctr"/>
+          <a:lstStyle/>
+          <a:p>
+            <a:pPr marL="171450" indent="-171450">
+              <a:buFont typeface="Arial" panose="020B0604020202020204" pitchFamily="34" charset="0"/>
+              <a:buChar char="•"/>
+            </a:pPr>
+            <a:r>
+              <a:rPr lang="en-US" sz="1000" dirty="0"/>
+              <a:t>Drop or Impute data</a:t>
+            </a:r>
+          </a:p>
+          <a:p>
+            <a:pPr marL="171450" indent="-171450">
+              <a:buFont typeface="Arial" panose="020B0604020202020204" pitchFamily="34" charset="0"/>
+              <a:buChar char="•"/>
+            </a:pPr>
+            <a:r>
+              <a:rPr lang="en-US" sz="1000" dirty="0"/>
+              <a:t>Handling Duplicate data</a:t>
+            </a:r>
+          </a:p>
+          <a:p>
+            <a:pPr marL="171450" indent="-171450">
+              <a:buFont typeface="Arial" panose="020B0604020202020204" pitchFamily="34" charset="0"/>
+              <a:buChar char="•"/>
+            </a:pPr>
+            <a:r>
+              <a:rPr lang="en-US" sz="1000" dirty="0"/>
+              <a:t>Binning &amp; Slicing</a:t>
+            </a:r>
+          </a:p>
+          <a:p>
+            <a:pPr marL="171450" indent="-171450">
+              <a:buFont typeface="Arial" panose="020B0604020202020204" pitchFamily="34" charset="0"/>
+              <a:buChar char="•"/>
+            </a:pPr>
+            <a:r>
+              <a:rPr lang="en-US" sz="1000" dirty="0"/>
+              <a:t>Outlier Detection</a:t>
+            </a:r>
+          </a:p>
+          <a:p>
+            <a:pPr marL="171450" indent="-171450">
+              <a:buFont typeface="Arial" panose="020B0604020202020204" pitchFamily="34" charset="0"/>
+              <a:buChar char="•"/>
+            </a:pPr>
+            <a:r>
+              <a:rPr lang="en-US" sz="1000" dirty="0"/>
+              <a:t>Data Transformation</a:t>
+            </a:r>
+          </a:p>
+        </p:txBody>
+      </p:sp>
+      <p:sp>
+        <p:nvSpPr>
+          <p:cNvPr id="7" name="Left Arrow 6">
+            <a:extLst>
+              <a:ext uri="{FF2B5EF4-FFF2-40B4-BE49-F238E27FC236}">
+                <a16:creationId xmlns:a16="http://schemas.microsoft.com/office/drawing/2014/main" id="{3B835998-FD66-E8F9-4710-2D897545DC5A}"/>
+              </a:ext>
+            </a:extLst>
+          </p:cNvPr>
+          <p:cNvSpPr/>
+          <p:nvPr/>
+        </p:nvSpPr>
+        <p:spPr>
+          <a:xfrm>
+            <a:off x="3483428" y="3019879"/>
+            <a:ext cx="794658" cy="489857"/>
+          </a:xfrm>
+          <a:prstGeom prst="leftArrow">
+            <a:avLst/>
+          </a:prstGeom>
+          <a:solidFill>
+            <a:schemeClr val="accent6">
+              <a:lumMod val="40000"/>
+              <a:lumOff val="60000"/>
+            </a:schemeClr>
+          </a:solidFill>
+        </p:spPr>
+        <p:style>
+          <a:lnRef idx="2">
+            <a:schemeClr val="accent1">
+              <a:shade val="15000"/>
+            </a:schemeClr>
+          </a:lnRef>
+          <a:fillRef idx="1">
+            <a:schemeClr val="accent1"/>
+          </a:fillRef>
+          <a:effectRef idx="0">
+            <a:schemeClr val="accent1"/>
+          </a:effectRef>
+          <a:fontRef idx="minor">
+            <a:schemeClr val="lt1"/>
+          </a:fontRef>
+        </p:style>
+        <p:txBody>
+          <a:bodyPr rtlCol="0" anchor="ctr"/>
+          <a:lstStyle/>
+          <a:p>
+            <a:pPr algn="ctr"/>
+            <a:endParaRPr lang="en-US"/>
+          </a:p>
+        </p:txBody>
+      </p:sp>
+      <p:sp>
+        <p:nvSpPr>
+          <p:cNvPr id="8" name="Rectangle 7">
+            <a:extLst>
+              <a:ext uri="{FF2B5EF4-FFF2-40B4-BE49-F238E27FC236}">
+                <a16:creationId xmlns:a16="http://schemas.microsoft.com/office/drawing/2014/main" id="{A54AF04F-80EE-6A3F-F76B-47D0911D966C}"/>
+              </a:ext>
+            </a:extLst>
+          </p:cNvPr>
+          <p:cNvSpPr/>
+          <p:nvPr/>
+        </p:nvSpPr>
+        <p:spPr>
+          <a:xfrm>
+            <a:off x="9069388" y="2198916"/>
+            <a:ext cx="1632857" cy="3167742"/>
+          </a:xfrm>
+          <a:prstGeom prst="rect">
+            <a:avLst/>
+          </a:prstGeom>
+          <a:solidFill>
+            <a:schemeClr val="accent6">
+              <a:lumMod val="40000"/>
+              <a:lumOff val="60000"/>
+            </a:schemeClr>
+          </a:solidFill>
+        </p:spPr>
+        <p:style>
+          <a:lnRef idx="2">
+            <a:schemeClr val="accent1">
+              <a:shade val="15000"/>
+            </a:schemeClr>
+          </a:lnRef>
+          <a:fillRef idx="1">
+            <a:schemeClr val="accent1"/>
+          </a:fillRef>
+          <a:effectRef idx="0">
+            <a:schemeClr val="accent1"/>
+          </a:effectRef>
+          <a:fontRef idx="minor">
+            <a:schemeClr val="lt1"/>
+          </a:fontRef>
+        </p:style>
+        <p:txBody>
+          <a:bodyPr rtlCol="0" anchor="ctr"/>
+          <a:lstStyle/>
+          <a:p>
+            <a:pPr marL="171450" indent="-171450">
+              <a:buFont typeface="Arial" panose="020B0604020202020204" pitchFamily="34" charset="0"/>
+              <a:buChar char="•"/>
+            </a:pPr>
+            <a:r>
+              <a:rPr lang="en-US" sz="1000" dirty="0"/>
+              <a:t>Matplotlib</a:t>
+            </a:r>
+          </a:p>
+          <a:p>
+            <a:pPr marL="171450" indent="-171450">
+              <a:buFont typeface="Arial" panose="020B0604020202020204" pitchFamily="34" charset="0"/>
+              <a:buChar char="•"/>
+            </a:pPr>
+            <a:r>
+              <a:rPr lang="en-US" sz="1000" dirty="0"/>
+              <a:t>Seaborn</a:t>
+            </a:r>
+          </a:p>
+          <a:p>
+            <a:pPr marL="171450" indent="-171450">
+              <a:buFont typeface="Arial" panose="020B0604020202020204" pitchFamily="34" charset="0"/>
+              <a:buChar char="•"/>
+            </a:pPr>
+            <a:r>
+              <a:rPr lang="en-US" sz="1000" dirty="0"/>
+              <a:t>Correlation Plot</a:t>
+            </a:r>
+          </a:p>
+          <a:p>
+            <a:pPr marL="171450" indent="-171450">
+              <a:buFont typeface="Arial" panose="020B0604020202020204" pitchFamily="34" charset="0"/>
+              <a:buChar char="•"/>
+            </a:pPr>
+            <a:r>
+              <a:rPr lang="en-US" sz="1000" dirty="0"/>
+              <a:t>Value Count Plot</a:t>
+            </a:r>
+          </a:p>
+          <a:p>
+            <a:pPr marL="171450" indent="-171450">
+              <a:buFont typeface="Arial" panose="020B0604020202020204" pitchFamily="34" charset="0"/>
+              <a:buChar char="•"/>
+            </a:pPr>
+            <a:r>
+              <a:rPr lang="en-US" sz="1000" dirty="0"/>
+              <a:t>Different Visuals</a:t>
+            </a:r>
+          </a:p>
+          <a:p>
+            <a:pPr marL="171450" indent="-171450">
+              <a:buFont typeface="Arial" panose="020B0604020202020204" pitchFamily="34" charset="0"/>
+              <a:buChar char="•"/>
+            </a:pPr>
+            <a:r>
+              <a:rPr lang="en-US" sz="1000" dirty="0"/>
+              <a:t>Bar</a:t>
+            </a:r>
+          </a:p>
+          <a:p>
+            <a:pPr marL="171450" indent="-171450">
+              <a:buFont typeface="Arial" panose="020B0604020202020204" pitchFamily="34" charset="0"/>
+              <a:buChar char="•"/>
+            </a:pPr>
+            <a:r>
+              <a:rPr lang="en-US" sz="1000" dirty="0"/>
+              <a:t>Histogram</a:t>
+            </a:r>
+          </a:p>
+          <a:p>
+            <a:pPr marL="171450" indent="-171450">
+              <a:buFont typeface="Arial" panose="020B0604020202020204" pitchFamily="34" charset="0"/>
+              <a:buChar char="•"/>
+            </a:pPr>
+            <a:r>
+              <a:rPr lang="en-US" sz="1000" dirty="0"/>
+              <a:t>Pie</a:t>
+            </a:r>
+          </a:p>
+          <a:p>
+            <a:pPr marL="171450" indent="-171450">
+              <a:buFont typeface="Arial" panose="020B0604020202020204" pitchFamily="34" charset="0"/>
+              <a:buChar char="•"/>
+            </a:pPr>
+            <a:r>
+              <a:rPr lang="en-US" sz="1000" dirty="0"/>
+              <a:t>Boxplot</a:t>
+            </a:r>
+          </a:p>
+          <a:p>
+            <a:pPr marL="171450" indent="-171450">
+              <a:buFont typeface="Arial" panose="020B0604020202020204" pitchFamily="34" charset="0"/>
+              <a:buChar char="•"/>
+            </a:pPr>
+            <a:endParaRPr lang="en-US" sz="1000" dirty="0"/>
+          </a:p>
+          <a:p>
+            <a:pPr marL="171450" indent="-171450">
+              <a:buFont typeface="Arial" panose="020B0604020202020204" pitchFamily="34" charset="0"/>
+              <a:buChar char="•"/>
+            </a:pPr>
+            <a:endParaRPr lang="en-US" sz="1000" dirty="0"/>
+          </a:p>
+        </p:txBody>
+      </p:sp>
+      <p:sp>
+        <p:nvSpPr>
+          <p:cNvPr id="9" name="Left Arrow 8">
+            <a:extLst>
+              <a:ext uri="{FF2B5EF4-FFF2-40B4-BE49-F238E27FC236}">
+                <a16:creationId xmlns:a16="http://schemas.microsoft.com/office/drawing/2014/main" id="{F3D64276-6EFF-C8A1-29B9-062451614310}"/>
+              </a:ext>
+            </a:extLst>
+          </p:cNvPr>
+          <p:cNvSpPr/>
+          <p:nvPr/>
+        </p:nvSpPr>
+        <p:spPr>
+          <a:xfrm rot="10800000">
+            <a:off x="6781798" y="2233293"/>
+            <a:ext cx="1861457" cy="575220"/>
+          </a:xfrm>
+          <a:prstGeom prst="leftArrow">
+            <a:avLst/>
+          </a:prstGeom>
+          <a:solidFill>
+            <a:schemeClr val="accent6">
+              <a:lumMod val="40000"/>
+              <a:lumOff val="60000"/>
+            </a:schemeClr>
+          </a:solidFill>
+        </p:spPr>
+        <p:style>
+          <a:lnRef idx="2">
+            <a:schemeClr val="accent1">
+              <a:shade val="15000"/>
+            </a:schemeClr>
+          </a:lnRef>
+          <a:fillRef idx="1">
+            <a:schemeClr val="accent1"/>
+          </a:fillRef>
+          <a:effectRef idx="0">
+            <a:schemeClr val="accent1"/>
+          </a:effectRef>
+          <a:fontRef idx="minor">
+            <a:schemeClr val="lt1"/>
+          </a:fontRef>
+        </p:style>
+        <p:txBody>
+          <a:bodyPr rtlCol="0" anchor="ctr"/>
+          <a:lstStyle/>
+          <a:p>
+            <a:pPr algn="ctr"/>
+            <a:endParaRPr lang="en-US"/>
+          </a:p>
+        </p:txBody>
+      </p:sp>
+      <p:sp>
+        <p:nvSpPr>
+          <p:cNvPr id="10" name="Left Arrow 9">
+            <a:extLst>
+              <a:ext uri="{FF2B5EF4-FFF2-40B4-BE49-F238E27FC236}">
+                <a16:creationId xmlns:a16="http://schemas.microsoft.com/office/drawing/2014/main" id="{C57230A9-5C7C-0B36-B15F-E0955ED279C4}"/>
+              </a:ext>
+            </a:extLst>
+          </p:cNvPr>
+          <p:cNvSpPr/>
+          <p:nvPr/>
+        </p:nvSpPr>
+        <p:spPr>
+          <a:xfrm rot="10800000">
+            <a:off x="7763894" y="3789953"/>
+            <a:ext cx="1092428" cy="738503"/>
+          </a:xfrm>
+          <a:prstGeom prst="leftArrow">
+            <a:avLst/>
+          </a:prstGeom>
+          <a:solidFill>
+            <a:schemeClr val="accent6">
+              <a:lumMod val="40000"/>
+              <a:lumOff val="60000"/>
+            </a:schemeClr>
+          </a:solidFill>
+        </p:spPr>
+        <p:style>
+          <a:lnRef idx="2">
+            <a:schemeClr val="accent1">
+              <a:shade val="15000"/>
+            </a:schemeClr>
+          </a:lnRef>
+          <a:fillRef idx="1">
+            <a:schemeClr val="accent1"/>
+          </a:fillRef>
+          <a:effectRef idx="0">
+            <a:schemeClr val="accent1"/>
+          </a:effectRef>
+          <a:fontRef idx="minor">
+            <a:schemeClr val="lt1"/>
+          </a:fontRef>
+        </p:style>
+        <p:txBody>
+          <a:bodyPr rtlCol="0" anchor="ctr"/>
+          <a:lstStyle/>
+          <a:p>
+            <a:pPr algn="ctr"/>
+            <a:endParaRPr lang="en-US"/>
+          </a:p>
+        </p:txBody>
+      </p:sp>
+      <p:sp>
+        <p:nvSpPr>
+          <p:cNvPr id="11" name="Left Arrow 10">
+            <a:extLst>
+              <a:ext uri="{FF2B5EF4-FFF2-40B4-BE49-F238E27FC236}">
+                <a16:creationId xmlns:a16="http://schemas.microsoft.com/office/drawing/2014/main" id="{023BD7A8-01E8-231B-0E32-123BA1F90A21}"/>
+              </a:ext>
+            </a:extLst>
+          </p:cNvPr>
+          <p:cNvSpPr/>
+          <p:nvPr/>
+        </p:nvSpPr>
+        <p:spPr>
+          <a:xfrm>
+            <a:off x="3586444" y="2307153"/>
+            <a:ext cx="1632857" cy="489857"/>
+          </a:xfrm>
+          <a:prstGeom prst="leftArrow">
+            <a:avLst/>
+          </a:prstGeom>
+          <a:solidFill>
+            <a:schemeClr val="accent6">
+              <a:lumMod val="40000"/>
+              <a:lumOff val="60000"/>
+            </a:schemeClr>
+          </a:solidFill>
+        </p:spPr>
+        <p:style>
+          <a:lnRef idx="2">
+            <a:schemeClr val="accent1">
+              <a:shade val="15000"/>
+            </a:schemeClr>
+          </a:lnRef>
+          <a:fillRef idx="1">
+            <a:schemeClr val="accent1"/>
+          </a:fillRef>
+          <a:effectRef idx="0">
+            <a:schemeClr val="accent1"/>
+          </a:effectRef>
+          <a:fontRef idx="minor">
+            <a:schemeClr val="lt1"/>
+          </a:fontRef>
+        </p:style>
+        <p:txBody>
+          <a:bodyPr rtlCol="0" anchor="ctr"/>
+          <a:lstStyle/>
+          <a:p>
+            <a:pPr algn="ctr"/>
+            <a:endParaRPr lang="en-US"/>
+          </a:p>
+        </p:txBody>
+      </p:sp>
+    </p:spTree>
+    <p:extLst>
+      <p:ext uri="{BB962C8B-B14F-4D97-AF65-F5344CB8AC3E}">
+        <p14:creationId xmlns:p14="http://schemas.microsoft.com/office/powerpoint/2010/main" val="3834574933"/>
+      </p:ext>
+    </p:extLst>
+  </p:cSld>
+  <p:clrMapOvr>
+    <a:masterClrMapping/>
+  </p:clrMapOvr>
+</p:sld>
+</file>
+
+<file path=ppt/slides/slide76.xml><?xml version="1.0" encoding="utf-8"?>
+<p:sld xmlns:a="http://schemas.openxmlformats.org/drawingml/2006/main" xmlns:r="http://schemas.openxmlformats.org/officeDocument/2006/relationships" xmlns:p="http://schemas.openxmlformats.org/presentationml/2006/main">
+  <p:cSld>
+    <p:spTree>
+      <p:nvGrpSpPr>
+        <p:cNvPr id="1" name=""/>
+        <p:cNvGrpSpPr/>
+        <p:nvPr/>
+      </p:nvGrpSpPr>
+      <p:grpSpPr>
+        <a:xfrm>
+          <a:off x="0" y="0"/>
+          <a:ext cx="0" cy="0"/>
+          <a:chOff x="0" y="0"/>
+          <a:chExt cx="0" cy="0"/>
+        </a:xfrm>
+      </p:grpSpPr>
+      <p:sp>
+        <p:nvSpPr>
+          <p:cNvPr id="2" name="Title 1">
+            <a:extLst>
+              <a:ext uri="{FF2B5EF4-FFF2-40B4-BE49-F238E27FC236}">
+                <a16:creationId xmlns:a16="http://schemas.microsoft.com/office/drawing/2014/main" id="{30E49BFC-049F-0DCE-9959-7EDD0136ACAA}"/>
+              </a:ext>
+            </a:extLst>
+          </p:cNvPr>
+          <p:cNvSpPr>
+            <a:spLocks noGrp="1"/>
+          </p:cNvSpPr>
+          <p:nvPr>
+            <p:ph type="title"/>
+          </p:nvPr>
+        </p:nvSpPr>
+        <p:spPr>
+          <a:xfrm>
+            <a:off x="1069848" y="484632"/>
+            <a:ext cx="10058400" cy="724236"/>
+          </a:xfrm>
+        </p:spPr>
+        <p:txBody>
+          <a:bodyPr>
+            <a:normAutofit fontScale="90000"/>
+          </a:bodyPr>
+          <a:lstStyle/>
+          <a:p>
+            <a:r>
+              <a:rPr lang="en-US" dirty="0" err="1"/>
+              <a:t>MatPlotLib</a:t>
+            </a:r>
+            <a:endParaRPr lang="en-US" dirty="0"/>
+          </a:p>
+        </p:txBody>
+      </p:sp>
+      <p:sp>
+        <p:nvSpPr>
+          <p:cNvPr id="3" name="Content Placeholder 2">
+            <a:extLst>
+              <a:ext uri="{FF2B5EF4-FFF2-40B4-BE49-F238E27FC236}">
+                <a16:creationId xmlns:a16="http://schemas.microsoft.com/office/drawing/2014/main" id="{0DF36585-D94B-FC9E-ED0D-F13891F57F6D}"/>
+              </a:ext>
+            </a:extLst>
+          </p:cNvPr>
+          <p:cNvSpPr>
+            <a:spLocks noGrp="1"/>
+          </p:cNvSpPr>
+          <p:nvPr>
+            <p:ph idx="1"/>
+          </p:nvPr>
+        </p:nvSpPr>
+        <p:spPr>
+          <a:xfrm>
+            <a:off x="1069848" y="1348353"/>
+            <a:ext cx="10058400" cy="4823847"/>
+          </a:xfrm>
+        </p:spPr>
+        <p:txBody>
+          <a:bodyPr>
+            <a:normAutofit/>
+          </a:bodyPr>
+          <a:lstStyle/>
+          <a:p>
+            <a:r>
+              <a:rPr lang="en-US" b="1" dirty="0"/>
+              <a:t>Introduction</a:t>
+            </a:r>
+          </a:p>
+          <a:p>
+            <a:pPr lvl="1"/>
+            <a:r>
+              <a:rPr lang="en-US" dirty="0"/>
+              <a:t>Matplotlib is the "grandfather" library of data visualization with Python. I</a:t>
+            </a:r>
+          </a:p>
+          <a:p>
+            <a:pPr lvl="1"/>
+            <a:r>
+              <a:rPr lang="en-US" dirty="0"/>
+              <a:t>t was created by John Hunter. He created it to try to replicate </a:t>
+            </a:r>
+            <a:r>
+              <a:rPr lang="en-US" dirty="0" err="1"/>
+              <a:t>MatLab's</a:t>
+            </a:r>
+            <a:r>
+              <a:rPr lang="en-US" dirty="0"/>
+              <a:t> (another programming language) plotting capabilities in Python. </a:t>
+            </a:r>
+          </a:p>
+          <a:p>
+            <a:pPr lvl="1"/>
+            <a:r>
+              <a:rPr lang="en-US" dirty="0"/>
+              <a:t>So if you happen to be familiar with </a:t>
+            </a:r>
+            <a:r>
+              <a:rPr lang="en-US" dirty="0" err="1"/>
+              <a:t>matlab</a:t>
+            </a:r>
+            <a:r>
+              <a:rPr lang="en-US" dirty="0"/>
+              <a:t>, matplotlib will feel natural to you.</a:t>
+            </a:r>
+          </a:p>
+          <a:p>
+            <a:pPr lvl="1"/>
+            <a:r>
+              <a:rPr lang="en-US" dirty="0"/>
+              <a:t>It is an excellent 2D and 3D graphics library for generating scientific figures. </a:t>
+            </a:r>
+          </a:p>
+          <a:p>
+            <a:r>
+              <a:rPr lang="en-US" b="1" dirty="0"/>
+              <a:t>Some of the major Pros of Matplotlib are</a:t>
+            </a:r>
+          </a:p>
+          <a:p>
+            <a:pPr lvl="1"/>
+            <a:r>
+              <a:rPr lang="en-US" dirty="0"/>
+              <a:t>Generally easy to get started for simple plots</a:t>
+            </a:r>
+          </a:p>
+          <a:p>
+            <a:pPr lvl="1"/>
+            <a:r>
+              <a:rPr lang="en-US" dirty="0"/>
+              <a:t>Support for custom labels and texts</a:t>
+            </a:r>
+          </a:p>
+          <a:p>
+            <a:pPr lvl="1"/>
+            <a:r>
+              <a:rPr lang="en-US" dirty="0"/>
+              <a:t>Great control of every element in a figure</a:t>
+            </a:r>
+          </a:p>
+          <a:p>
+            <a:pPr lvl="1"/>
+            <a:r>
+              <a:rPr lang="en-US" dirty="0"/>
+              <a:t>High-quality output in many formats</a:t>
+            </a:r>
+          </a:p>
+          <a:p>
+            <a:pPr lvl="1"/>
+            <a:r>
+              <a:rPr lang="en-US" dirty="0"/>
+              <a:t>Very customizable in general</a:t>
+            </a:r>
+          </a:p>
+        </p:txBody>
+      </p:sp>
+    </p:spTree>
+    <p:extLst>
+      <p:ext uri="{BB962C8B-B14F-4D97-AF65-F5344CB8AC3E}">
+        <p14:creationId xmlns:p14="http://schemas.microsoft.com/office/powerpoint/2010/main" val="1975613105"/>
+      </p:ext>
+    </p:extLst>
+  </p:cSld>
+  <p:clrMapOvr>
+    <a:masterClrMapping/>
+  </p:clrMapOvr>
+</p:sld>
+</file>
+
+<file path=ppt/slides/slide77.xml><?xml version="1.0" encoding="utf-8"?>
+<p:sld xmlns:a="http://schemas.openxmlformats.org/drawingml/2006/main" xmlns:r="http://schemas.openxmlformats.org/officeDocument/2006/relationships" xmlns:p="http://schemas.openxmlformats.org/presentationml/2006/main">
+  <p:cSld>
+    <p:spTree>
+      <p:nvGrpSpPr>
+        <p:cNvPr id="1" name=""/>
+        <p:cNvGrpSpPr/>
+        <p:nvPr/>
+      </p:nvGrpSpPr>
+      <p:grpSpPr>
+        <a:xfrm>
+          <a:off x="0" y="0"/>
+          <a:ext cx="0" cy="0"/>
+          <a:chOff x="0" y="0"/>
+          <a:chExt cx="0" cy="0"/>
+        </a:xfrm>
+      </p:grpSpPr>
+      <p:sp>
+        <p:nvSpPr>
+          <p:cNvPr id="2" name="Title 1">
+            <a:extLst>
+              <a:ext uri="{FF2B5EF4-FFF2-40B4-BE49-F238E27FC236}">
+                <a16:creationId xmlns:a16="http://schemas.microsoft.com/office/drawing/2014/main" id="{5A5CFAFA-6953-EA1F-8ED2-150EFABE9EA3}"/>
+              </a:ext>
+            </a:extLst>
+          </p:cNvPr>
+          <p:cNvSpPr>
+            <a:spLocks noGrp="1"/>
+          </p:cNvSpPr>
+          <p:nvPr>
+            <p:ph type="title"/>
+          </p:nvPr>
+        </p:nvSpPr>
+        <p:spPr>
+          <a:xfrm>
+            <a:off x="1069848" y="484632"/>
+            <a:ext cx="10058400" cy="724236"/>
+          </a:xfrm>
+        </p:spPr>
+        <p:txBody>
+          <a:bodyPr>
+            <a:normAutofit fontScale="90000"/>
+          </a:bodyPr>
+          <a:lstStyle/>
+          <a:p>
+            <a:r>
+              <a:rPr lang="en-US" dirty="0"/>
+              <a:t>Installation </a:t>
+            </a:r>
+          </a:p>
+        </p:txBody>
+      </p:sp>
+      <p:sp>
+        <p:nvSpPr>
+          <p:cNvPr id="3" name="Content Placeholder 2">
+            <a:extLst>
+              <a:ext uri="{FF2B5EF4-FFF2-40B4-BE49-F238E27FC236}">
+                <a16:creationId xmlns:a16="http://schemas.microsoft.com/office/drawing/2014/main" id="{D0FE9881-9438-19A7-66F1-170A9339BCA6}"/>
+              </a:ext>
+            </a:extLst>
+          </p:cNvPr>
+          <p:cNvSpPr>
+            <a:spLocks noGrp="1"/>
+          </p:cNvSpPr>
+          <p:nvPr>
+            <p:ph idx="1"/>
+          </p:nvPr>
+        </p:nvSpPr>
+        <p:spPr>
+          <a:xfrm>
+            <a:off x="1069848" y="1100380"/>
+            <a:ext cx="10058400" cy="5071820"/>
+          </a:xfrm>
+        </p:spPr>
+        <p:txBody>
+          <a:bodyPr>
+            <a:normAutofit lnSpcReduction="10000"/>
+          </a:bodyPr>
+          <a:lstStyle/>
+          <a:p>
+            <a:r>
+              <a:rPr lang="en-US" dirty="0"/>
+              <a:t> You'll need to install matplotlib first with either:</a:t>
+            </a:r>
+          </a:p>
+          <a:p>
+            <a:r>
+              <a:rPr lang="en-US" dirty="0" err="1"/>
+              <a:t>conda</a:t>
+            </a:r>
+            <a:r>
+              <a:rPr lang="en-US" dirty="0"/>
+              <a:t> install matplotlib   or </a:t>
+            </a:r>
+          </a:p>
+          <a:p>
+            <a:r>
+              <a:rPr lang="en-US" dirty="0"/>
+              <a:t>pip install matplotlib</a:t>
+            </a:r>
+          </a:p>
+          <a:p>
+            <a:endParaRPr lang="en-US" dirty="0"/>
+          </a:p>
+          <a:p>
+            <a:r>
+              <a:rPr lang="en-US" b="1" dirty="0"/>
+              <a:t>Common Mistakes</a:t>
+            </a:r>
+          </a:p>
+          <a:p>
+            <a:pPr lvl="1"/>
+            <a:r>
+              <a:rPr lang="en-US" dirty="0"/>
+              <a:t>Import matplotlib as </a:t>
+            </a:r>
+            <a:r>
+              <a:rPr lang="en-US" dirty="0" err="1"/>
+              <a:t>plt</a:t>
+            </a:r>
+            <a:endParaRPr lang="en-US" dirty="0"/>
+          </a:p>
+          <a:p>
+            <a:pPr lvl="1"/>
+            <a:r>
+              <a:rPr lang="en-US" dirty="0"/>
+              <a:t>DON'T FORGET THE .PYPLOT part</a:t>
+            </a:r>
+          </a:p>
+          <a:p>
+            <a:pPr lvl="1"/>
+            <a:r>
+              <a:rPr lang="en-US" dirty="0"/>
+              <a:t>import </a:t>
+            </a:r>
+            <a:r>
+              <a:rPr lang="en-US" dirty="0" err="1"/>
+              <a:t>matplotlib.pyplot</a:t>
+            </a:r>
+            <a:r>
+              <a:rPr lang="en-US" dirty="0"/>
+              <a:t> as </a:t>
+            </a:r>
+            <a:r>
+              <a:rPr lang="en-US" dirty="0" err="1"/>
+              <a:t>plt</a:t>
+            </a:r>
+            <a:endParaRPr lang="en-US" dirty="0"/>
+          </a:p>
+          <a:p>
+            <a:pPr lvl="1"/>
+            <a:r>
+              <a:rPr lang="en-IN" i="0" u="none" strike="noStrike" dirty="0">
+                <a:solidFill>
+                  <a:srgbClr val="000000"/>
+                </a:solidFill>
+                <a:effectLst/>
+              </a:rPr>
+              <a:t> If you are using an older version of </a:t>
+            </a:r>
+            <a:r>
+              <a:rPr lang="en-IN" i="0" u="none" strike="noStrike" dirty="0" err="1">
+                <a:solidFill>
+                  <a:srgbClr val="000000"/>
+                </a:solidFill>
+                <a:effectLst/>
+              </a:rPr>
+              <a:t>jupyter</a:t>
+            </a:r>
+            <a:r>
+              <a:rPr lang="en-IN" i="0" u="none" strike="noStrike" dirty="0">
+                <a:solidFill>
+                  <a:srgbClr val="000000"/>
+                </a:solidFill>
+                <a:effectLst/>
+              </a:rPr>
+              <a:t>, you need to run a "magic" command to see the plots inline with the notebook. Users of </a:t>
+            </a:r>
+            <a:r>
+              <a:rPr lang="en-IN" i="0" u="none" strike="noStrike" dirty="0" err="1">
+                <a:solidFill>
+                  <a:srgbClr val="000000"/>
+                </a:solidFill>
+                <a:effectLst/>
+              </a:rPr>
+              <a:t>jupyter</a:t>
+            </a:r>
+            <a:r>
+              <a:rPr lang="en-IN" i="0" u="none" strike="noStrike" dirty="0">
+                <a:solidFill>
+                  <a:srgbClr val="000000"/>
+                </a:solidFill>
+                <a:effectLst/>
+              </a:rPr>
+              <a:t> notebook 1.0 and above, don't need to run the cell below:</a:t>
+            </a:r>
+          </a:p>
+          <a:p>
+            <a:pPr lvl="2"/>
+            <a:r>
+              <a:rPr lang="en-US" b="1" dirty="0"/>
+              <a:t>%matplotlib inline</a:t>
+            </a:r>
+          </a:p>
+          <a:p>
+            <a:r>
+              <a:rPr lang="en-US" dirty="0"/>
+              <a:t>Users running .</a:t>
+            </a:r>
+            <a:r>
+              <a:rPr lang="en-US" dirty="0" err="1"/>
+              <a:t>py</a:t>
+            </a:r>
+            <a:r>
+              <a:rPr lang="en-US" dirty="0"/>
+              <a:t> scripts in an IDE like PyCharm or Sublime Text Editor. You will not see the plots in a notebook, instead if you are using another editor, you'll use: </a:t>
+            </a:r>
+            <a:r>
+              <a:rPr lang="en-US" b="1" dirty="0"/>
+              <a:t>*</a:t>
+            </a:r>
+            <a:r>
+              <a:rPr lang="en-US" b="1" dirty="0" err="1"/>
+              <a:t>plt.show</a:t>
+            </a:r>
+            <a:r>
+              <a:rPr lang="en-US" b="1" dirty="0"/>
+              <a:t>()* </a:t>
+            </a:r>
+            <a:r>
+              <a:rPr lang="en-US" dirty="0"/>
+              <a:t>at the end of all your plotting commands to have the figure pop up in another window.</a:t>
+            </a:r>
+          </a:p>
+        </p:txBody>
+      </p:sp>
+    </p:spTree>
+    <p:extLst>
+      <p:ext uri="{BB962C8B-B14F-4D97-AF65-F5344CB8AC3E}">
+        <p14:creationId xmlns:p14="http://schemas.microsoft.com/office/powerpoint/2010/main" val="2876975717"/>
+      </p:ext>
+    </p:extLst>
+  </p:cSld>
+  <p:clrMapOvr>
+    <a:masterClrMapping/>
+  </p:clrMapOvr>
+</p:sld>
+</file>
+
+<file path=ppt/slides/slide78.xml><?xml version="1.0" encoding="utf-8"?>
+<p:sld xmlns:a="http://schemas.openxmlformats.org/drawingml/2006/main" xmlns:r="http://schemas.openxmlformats.org/officeDocument/2006/relationships" xmlns:p="http://schemas.openxmlformats.org/presentationml/2006/main">
+  <p:cSld>
+    <p:spTree>
+      <p:nvGrpSpPr>
+        <p:cNvPr id="1" name=""/>
+        <p:cNvGrpSpPr/>
+        <p:nvPr/>
+      </p:nvGrpSpPr>
+      <p:grpSpPr>
+        <a:xfrm>
+          <a:off x="0" y="0"/>
+          <a:ext cx="0" cy="0"/>
+          <a:chOff x="0" y="0"/>
+          <a:chExt cx="0" cy="0"/>
+        </a:xfrm>
+      </p:grpSpPr>
+      <p:sp>
+        <p:nvSpPr>
+          <p:cNvPr id="2" name="Title 1">
+            <a:extLst>
+              <a:ext uri="{FF2B5EF4-FFF2-40B4-BE49-F238E27FC236}">
+                <a16:creationId xmlns:a16="http://schemas.microsoft.com/office/drawing/2014/main" id="{C1818891-F7BD-A2A6-7F8C-53A4D25E73F7}"/>
+              </a:ext>
+            </a:extLst>
+          </p:cNvPr>
+          <p:cNvSpPr>
+            <a:spLocks noGrp="1"/>
+          </p:cNvSpPr>
+          <p:nvPr>
+            <p:ph type="title"/>
+          </p:nvPr>
+        </p:nvSpPr>
+        <p:spPr>
+          <a:xfrm>
+            <a:off x="1069848" y="484632"/>
+            <a:ext cx="10058400" cy="956710"/>
+          </a:xfrm>
+        </p:spPr>
+        <p:txBody>
+          <a:bodyPr/>
+          <a:lstStyle/>
+          <a:p>
+            <a:r>
+              <a:rPr lang="en-US" dirty="0" err="1"/>
+              <a:t>MatplotLib</a:t>
+            </a:r>
+            <a:r>
+              <a:rPr lang="en-US" dirty="0"/>
+              <a:t> Methods </a:t>
+            </a:r>
+          </a:p>
+        </p:txBody>
+      </p:sp>
+      <p:graphicFrame>
+        <p:nvGraphicFramePr>
+          <p:cNvPr id="4" name="Content Placeholder 3">
+            <a:extLst>
+              <a:ext uri="{FF2B5EF4-FFF2-40B4-BE49-F238E27FC236}">
+                <a16:creationId xmlns:a16="http://schemas.microsoft.com/office/drawing/2014/main" id="{62DC4FF5-212B-3EA6-113E-B2C6ED547F3C}"/>
+              </a:ext>
+            </a:extLst>
+          </p:cNvPr>
+          <p:cNvGraphicFramePr>
+            <a:graphicFrameLocks noGrp="1" noChangeAspect="1"/>
+          </p:cNvGraphicFramePr>
+          <p:nvPr>
+            <p:ph idx="1"/>
+            <p:extLst>
+              <p:ext uri="{D42A27DB-BD31-4B8C-83A1-F6EECF244321}">
+                <p14:modId xmlns:p14="http://schemas.microsoft.com/office/powerpoint/2010/main" val="2277304509"/>
+              </p:ext>
+            </p:extLst>
+          </p:nvPr>
+        </p:nvGraphicFramePr>
+        <p:xfrm>
+          <a:off x="1495770" y="2562571"/>
+          <a:ext cx="1029716" cy="866429"/>
+        </p:xfrm>
+        <a:graphic>
+          <a:graphicData uri="http://schemas.openxmlformats.org/presentationml/2006/ole">
+            <mc:AlternateContent xmlns:mc="http://schemas.openxmlformats.org/markup-compatibility/2006">
+              <mc:Choice xmlns:v="urn:schemas-microsoft-com:vml" Requires="v">
+                <p:oleObj name="Document" showAsIcon="1" r:id="rId2" imgW="965200" imgH="609600" progId="Word.Document.12">
+                  <p:embed/>
+                </p:oleObj>
+              </mc:Choice>
+              <mc:Fallback>
+                <p:oleObj name="Document" showAsIcon="1" r:id="rId2" imgW="965200" imgH="609600" progId="Word.Document.12">
+                  <p:embed/>
+                  <p:pic>
+                    <p:nvPicPr>
+                      <p:cNvPr id="0" name=""/>
+                      <p:cNvPicPr/>
+                      <p:nvPr/>
+                    </p:nvPicPr>
+                    <p:blipFill>
+                      <a:blip r:embed="rId3"/>
+                      <a:stretch>
+                        <a:fillRect/>
+                      </a:stretch>
+                    </p:blipFill>
+                    <p:spPr>
+                      <a:xfrm>
+                        <a:off x="1495770" y="2562571"/>
+                        <a:ext cx="1029716" cy="866429"/>
+                      </a:xfrm>
+                      <a:prstGeom prst="rect">
+                        <a:avLst/>
+                      </a:prstGeom>
+                    </p:spPr>
+                  </p:pic>
+                </p:oleObj>
+              </mc:Fallback>
+            </mc:AlternateContent>
+          </a:graphicData>
+        </a:graphic>
+      </p:graphicFrame>
+    </p:spTree>
+    <p:extLst>
+      <p:ext uri="{BB962C8B-B14F-4D97-AF65-F5344CB8AC3E}">
+        <p14:creationId xmlns:p14="http://schemas.microsoft.com/office/powerpoint/2010/main" val="1995456504"/>
+      </p:ext>
+    </p:extLst>
+  </p:cSld>
+  <p:clrMapOvr>
+    <a:masterClrMapping/>
+  </p:clrMapOvr>
+</p:sld>
+</file>
+
+<file path=ppt/slides/slide79.xml><?xml version="1.0" encoding="utf-8"?>
+<p:sld xmlns:a="http://schemas.openxmlformats.org/drawingml/2006/main" xmlns:r="http://schemas.openxmlformats.org/officeDocument/2006/relationships" xmlns:p="http://schemas.openxmlformats.org/presentationml/2006/main">
+  <p:cSld>
+    <p:spTree>
+      <p:nvGrpSpPr>
+        <p:cNvPr id="1" name=""/>
+        <p:cNvGrpSpPr/>
+        <p:nvPr/>
+      </p:nvGrpSpPr>
+      <p:grpSpPr>
+        <a:xfrm>
+          <a:off x="0" y="0"/>
+          <a:ext cx="0" cy="0"/>
+          <a:chOff x="0" y="0"/>
+          <a:chExt cx="0" cy="0"/>
+        </a:xfrm>
+      </p:grpSpPr>
+      <p:sp>
+        <p:nvSpPr>
+          <p:cNvPr id="2" name="Title 1">
+            <a:extLst>
+              <a:ext uri="{FF2B5EF4-FFF2-40B4-BE49-F238E27FC236}">
+                <a16:creationId xmlns:a16="http://schemas.microsoft.com/office/drawing/2014/main" id="{3A6C063D-0EE2-861C-F62C-C6DD645CDE9A}"/>
+              </a:ext>
+            </a:extLst>
+          </p:cNvPr>
+          <p:cNvSpPr>
+            <a:spLocks noGrp="1"/>
+          </p:cNvSpPr>
+          <p:nvPr>
+            <p:ph type="title"/>
+          </p:nvPr>
+        </p:nvSpPr>
+        <p:spPr>
+          <a:xfrm>
+            <a:off x="1069848" y="484632"/>
+            <a:ext cx="10058400" cy="832724"/>
+          </a:xfrm>
+        </p:spPr>
+        <p:txBody>
+          <a:bodyPr/>
+          <a:lstStyle/>
+          <a:p>
+            <a:r>
+              <a:rPr lang="en-US" dirty="0"/>
+              <a:t>Types of Plot Available</a:t>
+            </a:r>
+          </a:p>
+        </p:txBody>
+      </p:sp>
+      <p:sp>
+        <p:nvSpPr>
+          <p:cNvPr id="3" name="Content Placeholder 2">
+            <a:extLst>
+              <a:ext uri="{FF2B5EF4-FFF2-40B4-BE49-F238E27FC236}">
+                <a16:creationId xmlns:a16="http://schemas.microsoft.com/office/drawing/2014/main" id="{206B3602-857D-F0A2-7617-6DDBB4F482B9}"/>
+              </a:ext>
+            </a:extLst>
+          </p:cNvPr>
+          <p:cNvSpPr>
+            <a:spLocks noGrp="1"/>
+          </p:cNvSpPr>
+          <p:nvPr>
+            <p:ph idx="1"/>
+          </p:nvPr>
+        </p:nvSpPr>
+        <p:spPr>
+          <a:xfrm>
+            <a:off x="1069848" y="1503336"/>
+            <a:ext cx="10058400" cy="4668864"/>
+          </a:xfrm>
+        </p:spPr>
+        <p:txBody>
+          <a:bodyPr/>
+          <a:lstStyle/>
+          <a:p>
+            <a:r>
+              <a:rPr lang="en-US" dirty="0"/>
+              <a:t>Bar Graph</a:t>
+            </a:r>
+          </a:p>
+          <a:p>
+            <a:r>
+              <a:rPr lang="en-US" dirty="0"/>
+              <a:t>Multiple Bar Graphs</a:t>
+            </a:r>
+          </a:p>
+          <a:p>
+            <a:r>
+              <a:rPr lang="en-US" dirty="0" err="1"/>
+              <a:t>BoxPlot</a:t>
+            </a:r>
+            <a:endParaRPr lang="en-US" dirty="0"/>
+          </a:p>
+          <a:p>
+            <a:r>
+              <a:rPr lang="en-US" dirty="0"/>
+              <a:t>Histogram</a:t>
+            </a:r>
+          </a:p>
+          <a:p>
+            <a:r>
+              <a:rPr lang="en-US" dirty="0"/>
+              <a:t>Pie Chart</a:t>
+            </a:r>
+          </a:p>
+          <a:p>
+            <a:r>
+              <a:rPr lang="en-US" dirty="0"/>
+              <a:t>Scatter Plot</a:t>
+            </a:r>
+          </a:p>
+          <a:p>
+            <a:endParaRPr lang="en-US" dirty="0"/>
+          </a:p>
+        </p:txBody>
+      </p:sp>
+    </p:spTree>
+    <p:extLst>
+      <p:ext uri="{BB962C8B-B14F-4D97-AF65-F5344CB8AC3E}">
+        <p14:creationId xmlns:p14="http://schemas.microsoft.com/office/powerpoint/2010/main" val="687415004"/>
+      </p:ext>
+    </p:extLst>
+  </p:cSld>
+  <p:clrMapOvr>
+    <a:masterClrMapping/>
+  </p:clrMapOvr>
+</p:sld>
+</file>
+
 <file path=ppt/slides/slide8.xml><?xml version="1.0" encoding="utf-8"?>
 <p:sld xmlns:a="http://schemas.openxmlformats.org/drawingml/2006/main" xmlns:r="http://schemas.openxmlformats.org/officeDocument/2006/relationships" xmlns:p="http://schemas.openxmlformats.org/presentationml/2006/main">
   <p:cSld>
@@ -45713,6 +51044,2174 @@
     <p:extLst>
       <p:ext uri="{BB962C8B-B14F-4D97-AF65-F5344CB8AC3E}">
         <p14:creationId xmlns:p14="http://schemas.microsoft.com/office/powerpoint/2010/main" val="2134046447"/>
+      </p:ext>
+    </p:extLst>
+  </p:cSld>
+  <p:clrMapOvr>
+    <a:masterClrMapping/>
+  </p:clrMapOvr>
+</p:sld>
+</file>
+
+<file path=ppt/slides/slide80.xml><?xml version="1.0" encoding="utf-8"?>
+<p:sld xmlns:a="http://schemas.openxmlformats.org/drawingml/2006/main" xmlns:r="http://schemas.openxmlformats.org/officeDocument/2006/relationships" xmlns:p="http://schemas.openxmlformats.org/presentationml/2006/main">
+  <p:cSld>
+    <p:spTree>
+      <p:nvGrpSpPr>
+        <p:cNvPr id="1" name=""/>
+        <p:cNvGrpSpPr/>
+        <p:nvPr/>
+      </p:nvGrpSpPr>
+      <p:grpSpPr>
+        <a:xfrm>
+          <a:off x="0" y="0"/>
+          <a:ext cx="0" cy="0"/>
+          <a:chOff x="0" y="0"/>
+          <a:chExt cx="0" cy="0"/>
+        </a:xfrm>
+      </p:grpSpPr>
+      <p:sp>
+        <p:nvSpPr>
+          <p:cNvPr id="2" name="Title 1">
+            <a:extLst>
+              <a:ext uri="{FF2B5EF4-FFF2-40B4-BE49-F238E27FC236}">
+                <a16:creationId xmlns:a16="http://schemas.microsoft.com/office/drawing/2014/main" id="{D16C7C95-FFB2-5215-D88F-4A46CC22D26D}"/>
+              </a:ext>
+            </a:extLst>
+          </p:cNvPr>
+          <p:cNvSpPr>
+            <a:spLocks noGrp="1"/>
+          </p:cNvSpPr>
+          <p:nvPr>
+            <p:ph type="title"/>
+          </p:nvPr>
+        </p:nvSpPr>
+        <p:spPr>
+          <a:xfrm>
+            <a:off x="1066800" y="174666"/>
+            <a:ext cx="10058400" cy="693239"/>
+          </a:xfrm>
+        </p:spPr>
+        <p:txBody>
+          <a:bodyPr>
+            <a:normAutofit fontScale="90000"/>
+          </a:bodyPr>
+          <a:lstStyle/>
+          <a:p>
+            <a:r>
+              <a:rPr lang="en-US" dirty="0"/>
+              <a:t>Bar Graph &amp; Types of Bar Graph</a:t>
+            </a:r>
+          </a:p>
+        </p:txBody>
+      </p:sp>
+      <p:sp>
+        <p:nvSpPr>
+          <p:cNvPr id="3" name="Content Placeholder 2">
+            <a:extLst>
+              <a:ext uri="{FF2B5EF4-FFF2-40B4-BE49-F238E27FC236}">
+                <a16:creationId xmlns:a16="http://schemas.microsoft.com/office/drawing/2014/main" id="{904038C8-C5AF-F8D5-7436-FD212BC6AC12}"/>
+              </a:ext>
+            </a:extLst>
+          </p:cNvPr>
+          <p:cNvSpPr>
+            <a:spLocks noGrp="1"/>
+          </p:cNvSpPr>
+          <p:nvPr>
+            <p:ph idx="1"/>
+          </p:nvPr>
+        </p:nvSpPr>
+        <p:spPr>
+          <a:xfrm>
+            <a:off x="1069848" y="1177871"/>
+            <a:ext cx="10058400" cy="5505463"/>
+          </a:xfrm>
+        </p:spPr>
+        <p:txBody>
+          <a:bodyPr>
+            <a:normAutofit/>
+          </a:bodyPr>
+          <a:lstStyle/>
+          <a:p>
+            <a:pPr algn="just"/>
+            <a:r>
+              <a:rPr lang="en-US" dirty="0"/>
+              <a:t> </a:t>
+            </a:r>
+            <a:r>
+              <a:rPr lang="en-US" b="1" dirty="0"/>
+              <a:t>Simple Bar graph</a:t>
+            </a:r>
+            <a:r>
+              <a:rPr lang="en-US" dirty="0"/>
+              <a:t> </a:t>
+            </a:r>
+          </a:p>
+          <a:p>
+            <a:pPr marL="0" indent="0" algn="just">
+              <a:buNone/>
+            </a:pPr>
+            <a:r>
+              <a:rPr lang="en-US" dirty="0"/>
+              <a:t>Uses the two axes – x-axis and y-axis to plot rectangular bars. One of the axes represents the observation/category which is usually a fixed variable, while the other axis represents the numerical magnitude that the observation carries.</a:t>
+            </a:r>
+          </a:p>
+          <a:p>
+            <a:pPr algn="just"/>
+            <a:r>
+              <a:rPr lang="en-US" b="1" dirty="0"/>
+              <a:t>Horizontal Bar Graph </a:t>
+            </a:r>
+          </a:p>
+          <a:p>
+            <a:pPr marL="0" indent="0" algn="just">
+              <a:buNone/>
+            </a:pPr>
+            <a:r>
+              <a:rPr lang="en-US" dirty="0"/>
+              <a:t>Same like simple bar graph just the axes are inter-change</a:t>
+            </a:r>
+          </a:p>
+          <a:p>
+            <a:pPr algn="just"/>
+            <a:r>
+              <a:rPr lang="en-US" b="1" dirty="0"/>
+              <a:t>Stacked Bar Graph </a:t>
+            </a:r>
+          </a:p>
+          <a:p>
+            <a:pPr marL="0" indent="0" algn="just">
+              <a:buNone/>
+            </a:pPr>
+            <a:r>
+              <a:rPr lang="en-US" dirty="0"/>
+              <a:t>The difference between bar graph &amp; stacked bar graph is that all the parameters are represented in a single bar. So you can say that there are segments of a total in a single bar.</a:t>
+            </a:r>
+          </a:p>
+          <a:p>
+            <a:pPr algn="just"/>
+            <a:r>
+              <a:rPr lang="en-US" b="1" dirty="0"/>
+              <a:t>Multi Bar Graph/ Grouped Bar Graph</a:t>
+            </a:r>
+          </a:p>
+          <a:p>
+            <a:pPr marL="0" indent="0" algn="just">
+              <a:buNone/>
+            </a:pPr>
+            <a:r>
+              <a:rPr lang="en-US" dirty="0"/>
+              <a:t>When we want to compare two or more bodies or quantities with the same variables at that time multi bar graph is very useful</a:t>
+            </a:r>
+          </a:p>
+          <a:p>
+            <a:pPr algn="just"/>
+            <a:endParaRPr lang="en-US" dirty="0"/>
+          </a:p>
+          <a:p>
+            <a:pPr marL="274320" lvl="1" indent="0" algn="just">
+              <a:buNone/>
+            </a:pPr>
+            <a:endParaRPr lang="en-US" dirty="0"/>
+          </a:p>
+        </p:txBody>
+      </p:sp>
+    </p:spTree>
+    <p:extLst>
+      <p:ext uri="{BB962C8B-B14F-4D97-AF65-F5344CB8AC3E}">
+        <p14:creationId xmlns:p14="http://schemas.microsoft.com/office/powerpoint/2010/main" val="944738237"/>
+      </p:ext>
+    </p:extLst>
+  </p:cSld>
+  <p:clrMapOvr>
+    <a:masterClrMapping/>
+  </p:clrMapOvr>
+</p:sld>
+</file>
+
+<file path=ppt/slides/slide81.xml><?xml version="1.0" encoding="utf-8"?>
+<p:sld xmlns:a="http://schemas.openxmlformats.org/drawingml/2006/main" xmlns:r="http://schemas.openxmlformats.org/officeDocument/2006/relationships" xmlns:p="http://schemas.openxmlformats.org/presentationml/2006/main">
+  <p:cSld>
+    <p:spTree>
+      <p:nvGrpSpPr>
+        <p:cNvPr id="1" name=""/>
+        <p:cNvGrpSpPr/>
+        <p:nvPr/>
+      </p:nvGrpSpPr>
+      <p:grpSpPr>
+        <a:xfrm>
+          <a:off x="0" y="0"/>
+          <a:ext cx="0" cy="0"/>
+          <a:chOff x="0" y="0"/>
+          <a:chExt cx="0" cy="0"/>
+        </a:xfrm>
+      </p:grpSpPr>
+      <p:sp>
+        <p:nvSpPr>
+          <p:cNvPr id="2" name="Title 1">
+            <a:extLst>
+              <a:ext uri="{FF2B5EF4-FFF2-40B4-BE49-F238E27FC236}">
+                <a16:creationId xmlns:a16="http://schemas.microsoft.com/office/drawing/2014/main" id="{D16C7C95-FFB2-5215-D88F-4A46CC22D26D}"/>
+              </a:ext>
+            </a:extLst>
+          </p:cNvPr>
+          <p:cNvSpPr>
+            <a:spLocks noGrp="1"/>
+          </p:cNvSpPr>
+          <p:nvPr>
+            <p:ph type="title"/>
+          </p:nvPr>
+        </p:nvSpPr>
+        <p:spPr>
+          <a:xfrm>
+            <a:off x="1066800" y="174666"/>
+            <a:ext cx="10058400" cy="693239"/>
+          </a:xfrm>
+        </p:spPr>
+        <p:txBody>
+          <a:bodyPr>
+            <a:normAutofit fontScale="90000"/>
+          </a:bodyPr>
+          <a:lstStyle/>
+          <a:p>
+            <a:r>
+              <a:rPr lang="en-US" dirty="0"/>
+              <a:t>Bar Graph &amp; Types of Bar Graph</a:t>
+            </a:r>
+          </a:p>
+        </p:txBody>
+      </p:sp>
+      <p:sp>
+        <p:nvSpPr>
+          <p:cNvPr id="3" name="Content Placeholder 2">
+            <a:extLst>
+              <a:ext uri="{FF2B5EF4-FFF2-40B4-BE49-F238E27FC236}">
+                <a16:creationId xmlns:a16="http://schemas.microsoft.com/office/drawing/2014/main" id="{904038C8-C5AF-F8D5-7436-FD212BC6AC12}"/>
+              </a:ext>
+            </a:extLst>
+          </p:cNvPr>
+          <p:cNvSpPr>
+            <a:spLocks noGrp="1"/>
+          </p:cNvSpPr>
+          <p:nvPr>
+            <p:ph idx="1"/>
+          </p:nvPr>
+        </p:nvSpPr>
+        <p:spPr>
+          <a:xfrm>
+            <a:off x="1069848" y="1177871"/>
+            <a:ext cx="10058400" cy="5505463"/>
+          </a:xfrm>
+        </p:spPr>
+        <p:txBody>
+          <a:bodyPr>
+            <a:normAutofit lnSpcReduction="10000"/>
+          </a:bodyPr>
+          <a:lstStyle/>
+          <a:p>
+            <a:pPr algn="just"/>
+            <a:r>
+              <a:rPr lang="en-US" dirty="0"/>
+              <a:t> </a:t>
+            </a:r>
+            <a:r>
+              <a:rPr lang="en-US" b="1" dirty="0"/>
+              <a:t>Simple Bar graph</a:t>
+            </a:r>
+            <a:r>
+              <a:rPr lang="en-US" dirty="0"/>
+              <a:t> </a:t>
+            </a:r>
+          </a:p>
+          <a:p>
+            <a:pPr marL="548640" lvl="2" indent="0" algn="just">
+              <a:buNone/>
+            </a:pPr>
+            <a:r>
+              <a:rPr lang="en-US" dirty="0" err="1"/>
+              <a:t>langs</a:t>
+            </a:r>
+            <a:r>
+              <a:rPr lang="en-US" dirty="0"/>
+              <a:t> = ['C', 'C++', 'Java', 'Python', 'PHP']</a:t>
+            </a:r>
+          </a:p>
+          <a:p>
+            <a:pPr marL="548640" lvl="2" indent="0" algn="just">
+              <a:buNone/>
+            </a:pPr>
+            <a:r>
+              <a:rPr lang="en-US" dirty="0"/>
+              <a:t>student1 = [23,17,35,29,12]</a:t>
+            </a:r>
+          </a:p>
+          <a:p>
+            <a:pPr marL="548640" lvl="2" indent="0" algn="just">
+              <a:buNone/>
+            </a:pPr>
+            <a:r>
+              <a:rPr lang="en-US" dirty="0" err="1"/>
+              <a:t>plt.bar</a:t>
+            </a:r>
+            <a:r>
+              <a:rPr lang="en-US" dirty="0"/>
+              <a:t>(langs,student1)</a:t>
+            </a:r>
+          </a:p>
+          <a:p>
+            <a:pPr marL="548640" lvl="2" indent="0" algn="just">
+              <a:buNone/>
+            </a:pPr>
+            <a:r>
+              <a:rPr lang="en-US" dirty="0" err="1"/>
+              <a:t>plt.show</a:t>
+            </a:r>
+            <a:r>
+              <a:rPr lang="en-US" dirty="0"/>
+              <a:t>() </a:t>
+            </a:r>
+          </a:p>
+          <a:p>
+            <a:pPr algn="just"/>
+            <a:r>
+              <a:rPr lang="en-US" b="1" dirty="0"/>
+              <a:t>Stacked Bar Graph</a:t>
+            </a:r>
+          </a:p>
+          <a:p>
+            <a:pPr marL="548640" lvl="2" indent="0" algn="just">
+              <a:buNone/>
+            </a:pPr>
+            <a:r>
+              <a:rPr lang="en-US" dirty="0" err="1"/>
+              <a:t>langs</a:t>
+            </a:r>
+            <a:r>
+              <a:rPr lang="en-US" dirty="0"/>
+              <a:t> = ['C', 'C++', 'Java', 'Python', 'PHP']</a:t>
+            </a:r>
+          </a:p>
+          <a:p>
+            <a:pPr marL="548640" lvl="2" indent="0" algn="just">
+              <a:buNone/>
+            </a:pPr>
+            <a:r>
+              <a:rPr lang="en-US" dirty="0"/>
+              <a:t>student1 = [40,17,35,29,12]</a:t>
+            </a:r>
+          </a:p>
+          <a:p>
+            <a:pPr marL="548640" lvl="2" indent="0" algn="just">
+              <a:buNone/>
+            </a:pPr>
+            <a:r>
+              <a:rPr lang="en-US" dirty="0"/>
+              <a:t>student2=[40,80,10,55,43]</a:t>
+            </a:r>
+          </a:p>
+          <a:p>
+            <a:pPr marL="548640" lvl="2" indent="0" algn="just">
+              <a:buNone/>
+            </a:pPr>
+            <a:r>
+              <a:rPr lang="en-US" dirty="0" err="1"/>
+              <a:t>plt.bar</a:t>
+            </a:r>
+            <a:r>
+              <a:rPr lang="en-US" dirty="0"/>
+              <a:t>(</a:t>
+            </a:r>
+            <a:r>
+              <a:rPr lang="en-US" dirty="0" err="1"/>
+              <a:t>langs</a:t>
+            </a:r>
+            <a:r>
+              <a:rPr lang="en-US" dirty="0"/>
+              <a:t>, student1, color='r')</a:t>
+            </a:r>
+          </a:p>
+          <a:p>
+            <a:pPr marL="548640" lvl="2" indent="0" algn="just">
+              <a:buNone/>
+            </a:pPr>
+            <a:r>
+              <a:rPr lang="en-US" dirty="0" err="1"/>
+              <a:t>plt.bar</a:t>
+            </a:r>
+            <a:r>
+              <a:rPr lang="en-US" dirty="0"/>
+              <a:t>(langs,student2, bottom=student1, color=‘b’)</a:t>
+            </a:r>
+          </a:p>
+          <a:p>
+            <a:pPr algn="just"/>
+            <a:r>
+              <a:rPr lang="en-US" b="1" dirty="0"/>
+              <a:t>Multiple Bar Graph/ Grouped Bar Graph</a:t>
+            </a:r>
+          </a:p>
+          <a:p>
+            <a:pPr marL="548640" lvl="2" indent="0" algn="just">
+              <a:buNone/>
+            </a:pPr>
+            <a:r>
+              <a:rPr lang="en-US" dirty="0"/>
+              <a:t>x=</a:t>
+            </a:r>
+            <a:r>
+              <a:rPr lang="en-US" dirty="0" err="1"/>
+              <a:t>np.arange</a:t>
+            </a:r>
+            <a:r>
+              <a:rPr lang="en-US" dirty="0"/>
+              <a:t>(4)</a:t>
+            </a:r>
+          </a:p>
+          <a:p>
+            <a:pPr marL="548640" lvl="2" indent="0" algn="just">
+              <a:buNone/>
+            </a:pPr>
+            <a:r>
+              <a:rPr lang="en-US" dirty="0"/>
+              <a:t>labels = ['C', 'C++', 'Java', 'Python']</a:t>
+            </a:r>
+          </a:p>
+          <a:p>
+            <a:pPr marL="548640" lvl="2" indent="0" algn="just">
+              <a:buNone/>
+            </a:pPr>
+            <a:r>
+              <a:rPr lang="en-US" dirty="0" err="1"/>
+              <a:t>plt.bar</a:t>
+            </a:r>
+            <a:r>
+              <a:rPr lang="en-US" dirty="0"/>
+              <a:t>(x,[10,20,30,40],color="</a:t>
+            </a:r>
+            <a:r>
+              <a:rPr lang="en-US" dirty="0" err="1"/>
+              <a:t>b",width</a:t>
+            </a:r>
+            <a:r>
+              <a:rPr lang="en-US" dirty="0"/>
+              <a:t>=0.25,label="one")</a:t>
+            </a:r>
+          </a:p>
+          <a:p>
+            <a:pPr marL="548640" lvl="2" indent="0" algn="just">
+              <a:buNone/>
+            </a:pPr>
+            <a:r>
+              <a:rPr lang="en-US" dirty="0" err="1"/>
+              <a:t>plt.bar</a:t>
+            </a:r>
+            <a:r>
+              <a:rPr lang="en-US" dirty="0"/>
+              <a:t>(x+.25,[40,25,50,50],color="</a:t>
+            </a:r>
+            <a:r>
+              <a:rPr lang="en-US" dirty="0" err="1"/>
+              <a:t>r",width</a:t>
+            </a:r>
+            <a:r>
+              <a:rPr lang="en-US" dirty="0"/>
+              <a:t>=0.25)</a:t>
+            </a:r>
+          </a:p>
+          <a:p>
+            <a:pPr marL="548640" lvl="2" indent="0" algn="just">
+              <a:buNone/>
+            </a:pPr>
+            <a:r>
+              <a:rPr lang="en-US" dirty="0" err="1"/>
+              <a:t>plt.xticks</a:t>
+            </a:r>
+            <a:r>
+              <a:rPr lang="en-US" dirty="0"/>
+              <a:t>(</a:t>
+            </a:r>
+            <a:r>
+              <a:rPr lang="en-US" dirty="0" err="1"/>
+              <a:t>x,labels</a:t>
+            </a:r>
+            <a:r>
+              <a:rPr lang="en-US" dirty="0"/>
+              <a:t>, rotation='horizontal')</a:t>
+            </a:r>
+          </a:p>
+          <a:p>
+            <a:pPr marL="548640" lvl="2" indent="0" algn="just">
+              <a:buNone/>
+            </a:pPr>
+            <a:r>
+              <a:rPr lang="en-US" dirty="0" err="1"/>
+              <a:t>plt.show</a:t>
+            </a:r>
+            <a:r>
+              <a:rPr lang="en-US" dirty="0"/>
+              <a:t>()</a:t>
+            </a:r>
+          </a:p>
+          <a:p>
+            <a:pPr algn="just"/>
+            <a:endParaRPr lang="en-US" dirty="0"/>
+          </a:p>
+          <a:p>
+            <a:pPr marL="274320" lvl="1" indent="0" algn="just">
+              <a:buNone/>
+            </a:pPr>
+            <a:endParaRPr lang="en-US" dirty="0"/>
+          </a:p>
+        </p:txBody>
+      </p:sp>
+    </p:spTree>
+    <p:extLst>
+      <p:ext uri="{BB962C8B-B14F-4D97-AF65-F5344CB8AC3E}">
+        <p14:creationId xmlns:p14="http://schemas.microsoft.com/office/powerpoint/2010/main" val="3016989822"/>
+      </p:ext>
+    </p:extLst>
+  </p:cSld>
+  <p:clrMapOvr>
+    <a:masterClrMapping/>
+  </p:clrMapOvr>
+</p:sld>
+</file>
+
+<file path=ppt/slides/slide82.xml><?xml version="1.0" encoding="utf-8"?>
+<p:sld xmlns:a="http://schemas.openxmlformats.org/drawingml/2006/main" xmlns:r="http://schemas.openxmlformats.org/officeDocument/2006/relationships" xmlns:p="http://schemas.openxmlformats.org/presentationml/2006/main">
+  <p:cSld>
+    <p:spTree>
+      <p:nvGrpSpPr>
+        <p:cNvPr id="1" name=""/>
+        <p:cNvGrpSpPr/>
+        <p:nvPr/>
+      </p:nvGrpSpPr>
+      <p:grpSpPr>
+        <a:xfrm>
+          <a:off x="0" y="0"/>
+          <a:ext cx="0" cy="0"/>
+          <a:chOff x="0" y="0"/>
+          <a:chExt cx="0" cy="0"/>
+        </a:xfrm>
+      </p:grpSpPr>
+      <p:sp>
+        <p:nvSpPr>
+          <p:cNvPr id="2" name="Title 1">
+            <a:extLst>
+              <a:ext uri="{FF2B5EF4-FFF2-40B4-BE49-F238E27FC236}">
+                <a16:creationId xmlns:a16="http://schemas.microsoft.com/office/drawing/2014/main" id="{80CD404E-2AC3-239E-A255-483D5D632ADF}"/>
+              </a:ext>
+            </a:extLst>
+          </p:cNvPr>
+          <p:cNvSpPr>
+            <a:spLocks noGrp="1"/>
+          </p:cNvSpPr>
+          <p:nvPr>
+            <p:ph type="title"/>
+          </p:nvPr>
+        </p:nvSpPr>
+        <p:spPr>
+          <a:xfrm>
+            <a:off x="1069848" y="484633"/>
+            <a:ext cx="10058400" cy="817226"/>
+          </a:xfrm>
+        </p:spPr>
+        <p:txBody>
+          <a:bodyPr/>
+          <a:lstStyle/>
+          <a:p>
+            <a:r>
+              <a:rPr lang="en-US" dirty="0"/>
+              <a:t>Histogram</a:t>
+            </a:r>
+          </a:p>
+        </p:txBody>
+      </p:sp>
+      <p:sp>
+        <p:nvSpPr>
+          <p:cNvPr id="3" name="Content Placeholder 2">
+            <a:extLst>
+              <a:ext uri="{FF2B5EF4-FFF2-40B4-BE49-F238E27FC236}">
+                <a16:creationId xmlns:a16="http://schemas.microsoft.com/office/drawing/2014/main" id="{BFB04209-0E63-9CD5-DA72-D8AC68E288D9}"/>
+              </a:ext>
+            </a:extLst>
+          </p:cNvPr>
+          <p:cNvSpPr>
+            <a:spLocks noGrp="1"/>
+          </p:cNvSpPr>
+          <p:nvPr>
+            <p:ph idx="1"/>
+          </p:nvPr>
+        </p:nvSpPr>
+        <p:spPr>
+          <a:xfrm>
+            <a:off x="1069848" y="1301859"/>
+            <a:ext cx="10058400" cy="4870341"/>
+          </a:xfrm>
+        </p:spPr>
+        <p:txBody>
+          <a:bodyPr/>
+          <a:lstStyle/>
+          <a:p>
+            <a:r>
+              <a:rPr lang="en-US" dirty="0"/>
+              <a:t>A histogram is a graphical representation of data points organized into user-specified ranges. Similar in appearance to a bar graph, the histogram condenses a data series into an easily interpreted visual by taking many data points and grouping them into logical ranges or bins.</a:t>
+            </a:r>
+          </a:p>
+          <a:p>
+            <a:r>
+              <a:rPr lang="en-US" dirty="0" err="1"/>
+              <a:t>plt.hist</a:t>
+            </a:r>
+            <a:r>
+              <a:rPr lang="en-US" dirty="0"/>
+              <a:t>(</a:t>
+            </a:r>
+            <a:r>
+              <a:rPr lang="en-US" dirty="0" err="1"/>
+              <a:t>np.random.rand</a:t>
+            </a:r>
+            <a:r>
+              <a:rPr lang="en-US" dirty="0"/>
+              <a:t>(100), bins=10)</a:t>
+            </a:r>
+          </a:p>
+          <a:p>
+            <a:r>
+              <a:rPr lang="en-US" dirty="0" err="1"/>
+              <a:t>plt.show</a:t>
+            </a:r>
+            <a:r>
+              <a:rPr lang="en-US" dirty="0"/>
+              <a:t>()</a:t>
+            </a:r>
+          </a:p>
+          <a:p>
+            <a:r>
+              <a:rPr lang="en-US" dirty="0"/>
+              <a:t>What’s the difference between Histogram &amp; Bar graph?</a:t>
+            </a:r>
+          </a:p>
+          <a:p>
+            <a:endParaRPr lang="en-US" dirty="0"/>
+          </a:p>
+        </p:txBody>
+      </p:sp>
+    </p:spTree>
+    <p:extLst>
+      <p:ext uri="{BB962C8B-B14F-4D97-AF65-F5344CB8AC3E}">
+        <p14:creationId xmlns:p14="http://schemas.microsoft.com/office/powerpoint/2010/main" val="3210914047"/>
+      </p:ext>
+    </p:extLst>
+  </p:cSld>
+  <p:clrMapOvr>
+    <a:masterClrMapping/>
+  </p:clrMapOvr>
+</p:sld>
+</file>
+
+<file path=ppt/slides/slide83.xml><?xml version="1.0" encoding="utf-8"?>
+<p:sld xmlns:a="http://schemas.openxmlformats.org/drawingml/2006/main" xmlns:r="http://schemas.openxmlformats.org/officeDocument/2006/relationships" xmlns:p="http://schemas.openxmlformats.org/presentationml/2006/main">
+  <p:cSld>
+    <p:spTree>
+      <p:nvGrpSpPr>
+        <p:cNvPr id="1" name=""/>
+        <p:cNvGrpSpPr/>
+        <p:nvPr/>
+      </p:nvGrpSpPr>
+      <p:grpSpPr>
+        <a:xfrm>
+          <a:off x="0" y="0"/>
+          <a:ext cx="0" cy="0"/>
+          <a:chOff x="0" y="0"/>
+          <a:chExt cx="0" cy="0"/>
+        </a:xfrm>
+      </p:grpSpPr>
+      <p:sp>
+        <p:nvSpPr>
+          <p:cNvPr id="2" name="Title 1">
+            <a:extLst>
+              <a:ext uri="{FF2B5EF4-FFF2-40B4-BE49-F238E27FC236}">
+                <a16:creationId xmlns:a16="http://schemas.microsoft.com/office/drawing/2014/main" id="{0BC22B5A-3B89-AD91-C358-493D65E7FD55}"/>
+              </a:ext>
+            </a:extLst>
+          </p:cNvPr>
+          <p:cNvSpPr>
+            <a:spLocks noGrp="1"/>
+          </p:cNvSpPr>
+          <p:nvPr>
+            <p:ph type="title"/>
+          </p:nvPr>
+        </p:nvSpPr>
+        <p:spPr>
+          <a:xfrm>
+            <a:off x="1069848" y="484632"/>
+            <a:ext cx="10058400" cy="879219"/>
+          </a:xfrm>
+        </p:spPr>
+        <p:txBody>
+          <a:bodyPr/>
+          <a:lstStyle/>
+          <a:p>
+            <a:r>
+              <a:rPr lang="en-US" dirty="0"/>
+              <a:t>Scatter Graph</a:t>
+            </a:r>
+          </a:p>
+        </p:txBody>
+      </p:sp>
+      <p:sp>
+        <p:nvSpPr>
+          <p:cNvPr id="3" name="Content Placeholder 2">
+            <a:extLst>
+              <a:ext uri="{FF2B5EF4-FFF2-40B4-BE49-F238E27FC236}">
+                <a16:creationId xmlns:a16="http://schemas.microsoft.com/office/drawing/2014/main" id="{EBD219DF-F31C-BF6C-D370-2A3A896A6CBC}"/>
+              </a:ext>
+            </a:extLst>
+          </p:cNvPr>
+          <p:cNvSpPr>
+            <a:spLocks noGrp="1"/>
+          </p:cNvSpPr>
+          <p:nvPr>
+            <p:ph idx="1"/>
+          </p:nvPr>
+        </p:nvSpPr>
+        <p:spPr>
+          <a:xfrm>
+            <a:off x="1069848" y="1487837"/>
+            <a:ext cx="10058400" cy="4684363"/>
+          </a:xfrm>
+        </p:spPr>
+        <p:txBody>
+          <a:bodyPr/>
+          <a:lstStyle/>
+          <a:p>
+            <a:r>
+              <a:rPr lang="en-US" dirty="0"/>
+              <a:t>When trying to determine whether the two variables are related, such as: When trying to identify potential root causes of problems.</a:t>
+            </a:r>
+          </a:p>
+          <a:p>
+            <a:r>
+              <a:rPr lang="en-US" dirty="0"/>
+              <a:t>Used in correlation and regression, to check for the assumptions </a:t>
+            </a:r>
+          </a:p>
+          <a:p>
+            <a:r>
+              <a:rPr lang="en-US" dirty="0"/>
+              <a:t>x = </a:t>
+            </a:r>
+            <a:r>
+              <a:rPr lang="en-US" dirty="0" err="1"/>
+              <a:t>np.array</a:t>
+            </a:r>
+            <a:r>
+              <a:rPr lang="en-US" dirty="0"/>
+              <a:t>([5,7,8,7,2,17,2,9,4,11,12,9,6])</a:t>
+            </a:r>
+          </a:p>
+          <a:p>
+            <a:r>
+              <a:rPr lang="en-US" dirty="0"/>
+              <a:t>y = </a:t>
+            </a:r>
+            <a:r>
+              <a:rPr lang="en-US" dirty="0" err="1"/>
+              <a:t>np.array</a:t>
+            </a:r>
+            <a:r>
+              <a:rPr lang="en-US" dirty="0"/>
+              <a:t>([99,86,87,88,111,86,103,87,94,78,77,85,86])</a:t>
+            </a:r>
+          </a:p>
+          <a:p>
+            <a:endParaRPr lang="en-US" dirty="0"/>
+          </a:p>
+          <a:p>
+            <a:r>
+              <a:rPr lang="en-US" dirty="0" err="1"/>
+              <a:t>plt.scatter</a:t>
+            </a:r>
+            <a:r>
+              <a:rPr lang="en-US" dirty="0"/>
+              <a:t>(x, y)</a:t>
+            </a:r>
+          </a:p>
+          <a:p>
+            <a:r>
+              <a:rPr lang="en-US" dirty="0" err="1"/>
+              <a:t>plt.show</a:t>
+            </a:r>
+            <a:r>
+              <a:rPr lang="en-US" dirty="0"/>
+              <a:t>()</a:t>
+            </a:r>
+          </a:p>
+        </p:txBody>
+      </p:sp>
+    </p:spTree>
+    <p:extLst>
+      <p:ext uri="{BB962C8B-B14F-4D97-AF65-F5344CB8AC3E}">
+        <p14:creationId xmlns:p14="http://schemas.microsoft.com/office/powerpoint/2010/main" val="1374958977"/>
+      </p:ext>
+    </p:extLst>
+  </p:cSld>
+  <p:clrMapOvr>
+    <a:masterClrMapping/>
+  </p:clrMapOvr>
+</p:sld>
+</file>
+
+<file path=ppt/slides/slide84.xml><?xml version="1.0" encoding="utf-8"?>
+<p:sld xmlns:a="http://schemas.openxmlformats.org/drawingml/2006/main" xmlns:r="http://schemas.openxmlformats.org/officeDocument/2006/relationships" xmlns:p="http://schemas.openxmlformats.org/presentationml/2006/main">
+  <p:cSld>
+    <p:spTree>
+      <p:nvGrpSpPr>
+        <p:cNvPr id="1" name=""/>
+        <p:cNvGrpSpPr/>
+        <p:nvPr/>
+      </p:nvGrpSpPr>
+      <p:grpSpPr>
+        <a:xfrm>
+          <a:off x="0" y="0"/>
+          <a:ext cx="0" cy="0"/>
+          <a:chOff x="0" y="0"/>
+          <a:chExt cx="0" cy="0"/>
+        </a:xfrm>
+      </p:grpSpPr>
+      <p:sp>
+        <p:nvSpPr>
+          <p:cNvPr id="2" name="Title 1">
+            <a:extLst>
+              <a:ext uri="{FF2B5EF4-FFF2-40B4-BE49-F238E27FC236}">
+                <a16:creationId xmlns:a16="http://schemas.microsoft.com/office/drawing/2014/main" id="{72B1C490-17BE-E548-0DEF-916345150B4B}"/>
+              </a:ext>
+            </a:extLst>
+          </p:cNvPr>
+          <p:cNvSpPr>
+            <a:spLocks noGrp="1"/>
+          </p:cNvSpPr>
+          <p:nvPr>
+            <p:ph type="title"/>
+          </p:nvPr>
+        </p:nvSpPr>
+        <p:spPr>
+          <a:xfrm>
+            <a:off x="1069848" y="484632"/>
+            <a:ext cx="10058400" cy="1173687"/>
+          </a:xfrm>
+        </p:spPr>
+        <p:txBody>
+          <a:bodyPr/>
+          <a:lstStyle/>
+          <a:p>
+            <a:r>
+              <a:rPr lang="en-US" dirty="0"/>
+              <a:t>Pie Chart</a:t>
+            </a:r>
+          </a:p>
+        </p:txBody>
+      </p:sp>
+      <p:sp>
+        <p:nvSpPr>
+          <p:cNvPr id="3" name="Content Placeholder 2">
+            <a:extLst>
+              <a:ext uri="{FF2B5EF4-FFF2-40B4-BE49-F238E27FC236}">
+                <a16:creationId xmlns:a16="http://schemas.microsoft.com/office/drawing/2014/main" id="{B83E2C01-3709-C51D-0AB3-A9217588D25A}"/>
+              </a:ext>
+            </a:extLst>
+          </p:cNvPr>
+          <p:cNvSpPr>
+            <a:spLocks noGrp="1"/>
+          </p:cNvSpPr>
+          <p:nvPr>
+            <p:ph idx="1"/>
+          </p:nvPr>
+        </p:nvSpPr>
+        <p:spPr>
+          <a:xfrm>
+            <a:off x="1069848" y="1348353"/>
+            <a:ext cx="10058400" cy="4823847"/>
+          </a:xfrm>
+        </p:spPr>
+        <p:txBody>
+          <a:bodyPr/>
+          <a:lstStyle/>
+          <a:p>
+            <a:r>
+              <a:rPr lang="en-US" dirty="0"/>
+              <a:t>A pie chart helps organize and show data as a percentage of a whole.</a:t>
+            </a:r>
+          </a:p>
+          <a:p>
+            <a:r>
+              <a:rPr lang="en-US" dirty="0"/>
+              <a:t>It shows overall percentage or market share occupied</a:t>
+            </a:r>
+          </a:p>
+          <a:p>
+            <a:pPr marL="0" indent="0">
+              <a:buNone/>
+            </a:pPr>
+            <a:r>
+              <a:rPr lang="en-US" dirty="0"/>
+              <a:t>y = </a:t>
+            </a:r>
+            <a:r>
+              <a:rPr lang="en-US" dirty="0" err="1"/>
+              <a:t>np.array</a:t>
+            </a:r>
+            <a:r>
+              <a:rPr lang="en-US" dirty="0"/>
+              <a:t>([35, 25, 25, 15])</a:t>
+            </a:r>
+          </a:p>
+          <a:p>
+            <a:pPr marL="0" indent="0">
+              <a:buNone/>
+            </a:pPr>
+            <a:r>
+              <a:rPr lang="en-US" dirty="0" err="1"/>
+              <a:t>mylabels</a:t>
+            </a:r>
+            <a:r>
+              <a:rPr lang="en-US" dirty="0"/>
+              <a:t> = ["Apples", "Bananas", "Cherries", "Dates"]</a:t>
+            </a:r>
+          </a:p>
+          <a:p>
+            <a:pPr marL="0" indent="0">
+              <a:buNone/>
+            </a:pPr>
+            <a:r>
+              <a:rPr lang="en-US" dirty="0" err="1"/>
+              <a:t>plt.pie</a:t>
+            </a:r>
+            <a:r>
+              <a:rPr lang="en-US" dirty="0"/>
+              <a:t>(y, labels = </a:t>
+            </a:r>
+            <a:r>
+              <a:rPr lang="en-US" dirty="0" err="1"/>
+              <a:t>mylabels</a:t>
+            </a:r>
+            <a:r>
+              <a:rPr lang="en-US" dirty="0"/>
+              <a:t>)</a:t>
+            </a:r>
+          </a:p>
+          <a:p>
+            <a:pPr marL="0" indent="0">
+              <a:buNone/>
+            </a:pPr>
+            <a:r>
+              <a:rPr lang="en-US" dirty="0" err="1"/>
+              <a:t>plt.show</a:t>
+            </a:r>
+            <a:r>
+              <a:rPr lang="en-US" dirty="0"/>
+              <a:t>()</a:t>
+            </a:r>
+          </a:p>
+        </p:txBody>
+      </p:sp>
+    </p:spTree>
+    <p:extLst>
+      <p:ext uri="{BB962C8B-B14F-4D97-AF65-F5344CB8AC3E}">
+        <p14:creationId xmlns:p14="http://schemas.microsoft.com/office/powerpoint/2010/main" val="2995972489"/>
+      </p:ext>
+    </p:extLst>
+  </p:cSld>
+  <p:clrMapOvr>
+    <a:masterClrMapping/>
+  </p:clrMapOvr>
+</p:sld>
+</file>
+
+<file path=ppt/slides/slide85.xml><?xml version="1.0" encoding="utf-8"?>
+<p:sld xmlns:a="http://schemas.openxmlformats.org/drawingml/2006/main" xmlns:r="http://schemas.openxmlformats.org/officeDocument/2006/relationships" xmlns:p="http://schemas.openxmlformats.org/presentationml/2006/main">
+  <p:cSld>
+    <p:spTree>
+      <p:nvGrpSpPr>
+        <p:cNvPr id="1" name=""/>
+        <p:cNvGrpSpPr/>
+        <p:nvPr/>
+      </p:nvGrpSpPr>
+      <p:grpSpPr>
+        <a:xfrm>
+          <a:off x="0" y="0"/>
+          <a:ext cx="0" cy="0"/>
+          <a:chOff x="0" y="0"/>
+          <a:chExt cx="0" cy="0"/>
+        </a:xfrm>
+      </p:grpSpPr>
+      <p:sp>
+        <p:nvSpPr>
+          <p:cNvPr id="2" name="Title 1">
+            <a:extLst>
+              <a:ext uri="{FF2B5EF4-FFF2-40B4-BE49-F238E27FC236}">
+                <a16:creationId xmlns:a16="http://schemas.microsoft.com/office/drawing/2014/main" id="{99FEAE2D-A655-5474-030A-B9569A73637E}"/>
+              </a:ext>
+            </a:extLst>
+          </p:cNvPr>
+          <p:cNvSpPr>
+            <a:spLocks noGrp="1"/>
+          </p:cNvSpPr>
+          <p:nvPr>
+            <p:ph type="title"/>
+          </p:nvPr>
+        </p:nvSpPr>
+        <p:spPr>
+          <a:xfrm>
+            <a:off x="1069848" y="484632"/>
+            <a:ext cx="10058400" cy="848222"/>
+          </a:xfrm>
+        </p:spPr>
+        <p:txBody>
+          <a:bodyPr/>
+          <a:lstStyle/>
+          <a:p>
+            <a:r>
+              <a:rPr lang="en-US" dirty="0"/>
+              <a:t>Box Plot</a:t>
+            </a:r>
+          </a:p>
+        </p:txBody>
+      </p:sp>
+      <p:sp>
+        <p:nvSpPr>
+          <p:cNvPr id="3" name="Content Placeholder 2">
+            <a:extLst>
+              <a:ext uri="{FF2B5EF4-FFF2-40B4-BE49-F238E27FC236}">
+                <a16:creationId xmlns:a16="http://schemas.microsoft.com/office/drawing/2014/main" id="{F9FEACE3-6B1F-956F-A20D-540D665D8AB9}"/>
+              </a:ext>
+            </a:extLst>
+          </p:cNvPr>
+          <p:cNvSpPr>
+            <a:spLocks noGrp="1"/>
+          </p:cNvSpPr>
+          <p:nvPr>
+            <p:ph idx="1"/>
+          </p:nvPr>
+        </p:nvSpPr>
+        <p:spPr>
+          <a:xfrm>
+            <a:off x="1069848" y="1534332"/>
+            <a:ext cx="10058400" cy="4637868"/>
+          </a:xfrm>
+        </p:spPr>
+        <p:txBody>
+          <a:bodyPr/>
+          <a:lstStyle/>
+          <a:p>
+            <a:r>
+              <a:rPr lang="en-US" dirty="0"/>
+              <a:t>Used in statistical analysis</a:t>
+            </a:r>
+          </a:p>
+          <a:p>
+            <a:r>
+              <a:rPr lang="en-US" dirty="0"/>
+              <a:t>Used for the outliers </a:t>
+            </a:r>
+          </a:p>
+          <a:p>
+            <a:r>
+              <a:rPr lang="en-US" dirty="0"/>
+              <a:t>Used to know the spread the of the data</a:t>
+            </a:r>
+          </a:p>
+          <a:p>
+            <a:r>
+              <a:rPr lang="en-US" dirty="0"/>
+              <a:t>data = </a:t>
+            </a:r>
+            <a:r>
+              <a:rPr lang="en-US" dirty="0" err="1"/>
+              <a:t>np.random.normal</a:t>
+            </a:r>
+            <a:r>
+              <a:rPr lang="en-US" dirty="0"/>
+              <a:t>(100, 20, 200)</a:t>
+            </a:r>
+          </a:p>
+          <a:p>
+            <a:r>
+              <a:rPr lang="en-US" dirty="0"/>
+              <a:t> fig = </a:t>
+            </a:r>
+            <a:r>
+              <a:rPr lang="en-US" dirty="0" err="1"/>
+              <a:t>plt.figure</a:t>
+            </a:r>
+            <a:r>
+              <a:rPr lang="en-US" dirty="0"/>
+              <a:t>(</a:t>
+            </a:r>
+            <a:r>
+              <a:rPr lang="en-US" dirty="0" err="1"/>
+              <a:t>figsize</a:t>
+            </a:r>
+            <a:r>
+              <a:rPr lang="en-US" dirty="0"/>
+              <a:t> =(10, 7))</a:t>
+            </a:r>
+          </a:p>
+          <a:p>
+            <a:r>
+              <a:rPr lang="en-US" dirty="0" err="1"/>
+              <a:t>plt.boxplot</a:t>
+            </a:r>
+            <a:r>
+              <a:rPr lang="en-US" dirty="0"/>
+              <a:t>(data)</a:t>
+            </a:r>
+          </a:p>
+          <a:p>
+            <a:r>
+              <a:rPr lang="en-US" dirty="0" err="1"/>
+              <a:t>plt.show</a:t>
+            </a:r>
+            <a:r>
+              <a:rPr lang="en-US" dirty="0"/>
+              <a:t>()</a:t>
+            </a:r>
+          </a:p>
+        </p:txBody>
+      </p:sp>
+    </p:spTree>
+    <p:extLst>
+      <p:ext uri="{BB962C8B-B14F-4D97-AF65-F5344CB8AC3E}">
+        <p14:creationId xmlns:p14="http://schemas.microsoft.com/office/powerpoint/2010/main" val="2104230242"/>
+      </p:ext>
+    </p:extLst>
+  </p:cSld>
+  <p:clrMapOvr>
+    <a:masterClrMapping/>
+  </p:clrMapOvr>
+</p:sld>
+</file>
+
+<file path=ppt/slides/slide86.xml><?xml version="1.0" encoding="utf-8"?>
+<p:sld xmlns:a="http://schemas.openxmlformats.org/drawingml/2006/main" xmlns:r="http://schemas.openxmlformats.org/officeDocument/2006/relationships" xmlns:p="http://schemas.openxmlformats.org/presentationml/2006/main">
+  <p:cSld>
+    <p:spTree>
+      <p:nvGrpSpPr>
+        <p:cNvPr id="1" name=""/>
+        <p:cNvGrpSpPr/>
+        <p:nvPr/>
+      </p:nvGrpSpPr>
+      <p:grpSpPr>
+        <a:xfrm>
+          <a:off x="0" y="0"/>
+          <a:ext cx="0" cy="0"/>
+          <a:chOff x="0" y="0"/>
+          <a:chExt cx="0" cy="0"/>
+        </a:xfrm>
+      </p:grpSpPr>
+      <p:sp>
+        <p:nvSpPr>
+          <p:cNvPr id="2" name="Title 1">
+            <a:extLst>
+              <a:ext uri="{FF2B5EF4-FFF2-40B4-BE49-F238E27FC236}">
+                <a16:creationId xmlns:a16="http://schemas.microsoft.com/office/drawing/2014/main" id="{7368290C-ABE6-BFF5-EC23-A3E15A8CBCC8}"/>
+              </a:ext>
+            </a:extLst>
+          </p:cNvPr>
+          <p:cNvSpPr>
+            <a:spLocks noGrp="1"/>
+          </p:cNvSpPr>
+          <p:nvPr>
+            <p:ph type="title"/>
+          </p:nvPr>
+        </p:nvSpPr>
+        <p:spPr>
+          <a:xfrm>
+            <a:off x="1069848" y="484632"/>
+            <a:ext cx="10058400" cy="693239"/>
+          </a:xfrm>
+        </p:spPr>
+        <p:txBody>
+          <a:bodyPr>
+            <a:normAutofit fontScale="90000"/>
+          </a:bodyPr>
+          <a:lstStyle/>
+          <a:p>
+            <a:r>
+              <a:rPr lang="en-US" dirty="0"/>
+              <a:t>Figure &amp; Subplot</a:t>
+            </a:r>
+          </a:p>
+        </p:txBody>
+      </p:sp>
+      <p:sp>
+        <p:nvSpPr>
+          <p:cNvPr id="3" name="Content Placeholder 2">
+            <a:extLst>
+              <a:ext uri="{FF2B5EF4-FFF2-40B4-BE49-F238E27FC236}">
+                <a16:creationId xmlns:a16="http://schemas.microsoft.com/office/drawing/2014/main" id="{96485D69-F609-64D4-051F-A4327A2289DD}"/>
+              </a:ext>
+            </a:extLst>
+          </p:cNvPr>
+          <p:cNvSpPr>
+            <a:spLocks noGrp="1"/>
+          </p:cNvSpPr>
+          <p:nvPr>
+            <p:ph idx="1"/>
+          </p:nvPr>
+        </p:nvSpPr>
+        <p:spPr>
+          <a:xfrm>
+            <a:off x="1069848" y="1177871"/>
+            <a:ext cx="10058400" cy="4994329"/>
+          </a:xfrm>
+        </p:spPr>
+        <p:txBody>
+          <a:bodyPr/>
+          <a:lstStyle/>
+          <a:p>
+            <a:r>
+              <a:rPr lang="en-US" dirty="0"/>
+              <a:t>Create a figure object</a:t>
+            </a:r>
+          </a:p>
+          <a:p>
+            <a:pPr lvl="1"/>
+            <a:r>
+              <a:rPr lang="en-US" dirty="0"/>
+              <a:t>Fig=</a:t>
+            </a:r>
+            <a:r>
+              <a:rPr lang="en-US" dirty="0" err="1"/>
+              <a:t>plt.figure</a:t>
+            </a:r>
+            <a:r>
+              <a:rPr lang="en-US" dirty="0"/>
+              <a:t>()</a:t>
+            </a:r>
+          </a:p>
+          <a:p>
+            <a:r>
+              <a:rPr lang="en-US" dirty="0"/>
+              <a:t>Add plot to the figure object</a:t>
+            </a:r>
+          </a:p>
+          <a:p>
+            <a:pPr lvl="1"/>
+            <a:r>
+              <a:rPr lang="en-US" dirty="0" err="1"/>
+              <a:t>Fig.add_subplot</a:t>
+            </a:r>
+            <a:r>
+              <a:rPr lang="en-US" dirty="0"/>
+              <a:t>(2,2,1)</a:t>
+            </a:r>
+          </a:p>
+          <a:p>
+            <a:pPr lvl="1"/>
+            <a:r>
+              <a:rPr lang="en-US" dirty="0"/>
+              <a:t>2 rows, 2 columns and 1</a:t>
+            </a:r>
+            <a:r>
+              <a:rPr lang="en-US" baseline="30000" dirty="0"/>
+              <a:t>st</a:t>
+            </a:r>
+            <a:r>
+              <a:rPr lang="en-US" dirty="0"/>
+              <a:t> plot in it</a:t>
+            </a:r>
+          </a:p>
+          <a:p>
+            <a:pPr lvl="1"/>
+            <a:r>
+              <a:rPr lang="en-US" dirty="0" err="1"/>
+              <a:t>Fig.add_subplot</a:t>
+            </a:r>
+            <a:r>
+              <a:rPr lang="en-US" dirty="0"/>
+              <a:t>(2,2,2)</a:t>
+            </a:r>
+          </a:p>
+          <a:p>
+            <a:pPr lvl="1"/>
+            <a:r>
+              <a:rPr lang="en-US" dirty="0"/>
+              <a:t>2 rows, 2 columns &amp; 2</a:t>
+            </a:r>
+            <a:r>
+              <a:rPr lang="en-US" baseline="30000" dirty="0"/>
+              <a:t>nd</a:t>
+            </a:r>
+            <a:r>
+              <a:rPr lang="en-US" dirty="0"/>
+              <a:t> plot in it</a:t>
+            </a:r>
+          </a:p>
+          <a:p>
+            <a:r>
+              <a:rPr lang="en-US" dirty="0"/>
+              <a:t>fig=</a:t>
+            </a:r>
+            <a:r>
+              <a:rPr lang="en-US" dirty="0" err="1"/>
+              <a:t>plt.figure</a:t>
+            </a:r>
+            <a:r>
+              <a:rPr lang="en-US" dirty="0"/>
+              <a:t>()</a:t>
+            </a:r>
+          </a:p>
+          <a:p>
+            <a:r>
+              <a:rPr lang="en-US" dirty="0"/>
+              <a:t>ax1=</a:t>
+            </a:r>
+            <a:r>
+              <a:rPr lang="en-US" dirty="0" err="1"/>
+              <a:t>fig.add_subplot</a:t>
+            </a:r>
+            <a:r>
+              <a:rPr lang="en-US" dirty="0"/>
+              <a:t>(2,2,1)</a:t>
+            </a:r>
+          </a:p>
+          <a:p>
+            <a:r>
+              <a:rPr lang="en-US" dirty="0"/>
+              <a:t>ax2=</a:t>
+            </a:r>
+            <a:r>
+              <a:rPr lang="en-US" dirty="0" err="1"/>
+              <a:t>fig.add_subplot</a:t>
+            </a:r>
+            <a:r>
+              <a:rPr lang="en-US" dirty="0"/>
+              <a:t>(2,2,2)</a:t>
+            </a:r>
+          </a:p>
+          <a:p>
+            <a:r>
+              <a:rPr lang="en-US" dirty="0"/>
+              <a:t>ax3=</a:t>
+            </a:r>
+            <a:r>
+              <a:rPr lang="en-US" dirty="0" err="1"/>
+              <a:t>fig.add_subplot</a:t>
+            </a:r>
+            <a:r>
+              <a:rPr lang="en-US" dirty="0"/>
+              <a:t>(2,2,3)</a:t>
+            </a:r>
+          </a:p>
+          <a:p>
+            <a:r>
+              <a:rPr lang="en-US" dirty="0"/>
+              <a:t>ax4=</a:t>
+            </a:r>
+            <a:r>
+              <a:rPr lang="en-US" dirty="0" err="1"/>
+              <a:t>fig.add_subplot</a:t>
+            </a:r>
+            <a:r>
+              <a:rPr lang="en-US" dirty="0"/>
+              <a:t>(2,2,4)</a:t>
+            </a:r>
+          </a:p>
+          <a:p>
+            <a:pPr lvl="1"/>
+            <a:endParaRPr lang="en-US" dirty="0"/>
+          </a:p>
+          <a:p>
+            <a:pPr marL="274320" lvl="1" indent="0">
+              <a:buNone/>
+            </a:pPr>
+            <a:endParaRPr lang="en-US" dirty="0"/>
+          </a:p>
+        </p:txBody>
+      </p:sp>
+    </p:spTree>
+    <p:extLst>
+      <p:ext uri="{BB962C8B-B14F-4D97-AF65-F5344CB8AC3E}">
+        <p14:creationId xmlns:p14="http://schemas.microsoft.com/office/powerpoint/2010/main" val="251067313"/>
+      </p:ext>
+    </p:extLst>
+  </p:cSld>
+  <p:clrMapOvr>
+    <a:masterClrMapping/>
+  </p:clrMapOvr>
+</p:sld>
+</file>
+
+<file path=ppt/slides/slide87.xml><?xml version="1.0" encoding="utf-8"?>
+<p:sld xmlns:a="http://schemas.openxmlformats.org/drawingml/2006/main" xmlns:r="http://schemas.openxmlformats.org/officeDocument/2006/relationships" xmlns:p="http://schemas.openxmlformats.org/presentationml/2006/main">
+  <p:cSld>
+    <p:spTree>
+      <p:nvGrpSpPr>
+        <p:cNvPr id="1" name=""/>
+        <p:cNvGrpSpPr/>
+        <p:nvPr/>
+      </p:nvGrpSpPr>
+      <p:grpSpPr>
+        <a:xfrm>
+          <a:off x="0" y="0"/>
+          <a:ext cx="0" cy="0"/>
+          <a:chOff x="0" y="0"/>
+          <a:chExt cx="0" cy="0"/>
+        </a:xfrm>
+      </p:grpSpPr>
+      <p:sp>
+        <p:nvSpPr>
+          <p:cNvPr id="2" name="Title 1">
+            <a:extLst>
+              <a:ext uri="{FF2B5EF4-FFF2-40B4-BE49-F238E27FC236}">
+                <a16:creationId xmlns:a16="http://schemas.microsoft.com/office/drawing/2014/main" id="{7368290C-ABE6-BFF5-EC23-A3E15A8CBCC8}"/>
+              </a:ext>
+            </a:extLst>
+          </p:cNvPr>
+          <p:cNvSpPr>
+            <a:spLocks noGrp="1"/>
+          </p:cNvSpPr>
+          <p:nvPr>
+            <p:ph type="title"/>
+          </p:nvPr>
+        </p:nvSpPr>
+        <p:spPr>
+          <a:xfrm>
+            <a:off x="1069848" y="484632"/>
+            <a:ext cx="10058400" cy="693239"/>
+          </a:xfrm>
+        </p:spPr>
+        <p:txBody>
+          <a:bodyPr>
+            <a:normAutofit fontScale="90000"/>
+          </a:bodyPr>
+          <a:lstStyle/>
+          <a:p>
+            <a:r>
+              <a:rPr lang="en-US" dirty="0"/>
+              <a:t>Figure &amp; Subplot</a:t>
+            </a:r>
+          </a:p>
+        </p:txBody>
+      </p:sp>
+      <p:sp>
+        <p:nvSpPr>
+          <p:cNvPr id="3" name="Content Placeholder 2">
+            <a:extLst>
+              <a:ext uri="{FF2B5EF4-FFF2-40B4-BE49-F238E27FC236}">
+                <a16:creationId xmlns:a16="http://schemas.microsoft.com/office/drawing/2014/main" id="{96485D69-F609-64D4-051F-A4327A2289DD}"/>
+              </a:ext>
+            </a:extLst>
+          </p:cNvPr>
+          <p:cNvSpPr>
+            <a:spLocks noGrp="1"/>
+          </p:cNvSpPr>
+          <p:nvPr>
+            <p:ph idx="1"/>
+          </p:nvPr>
+        </p:nvSpPr>
+        <p:spPr>
+          <a:xfrm>
+            <a:off x="1069848" y="1177871"/>
+            <a:ext cx="10058400" cy="4994329"/>
+          </a:xfrm>
+        </p:spPr>
+        <p:txBody>
+          <a:bodyPr>
+            <a:normAutofit fontScale="92500" lnSpcReduction="10000"/>
+          </a:bodyPr>
+          <a:lstStyle/>
+          <a:p>
+            <a:pPr marL="274320" lvl="1" indent="0">
+              <a:buNone/>
+            </a:pPr>
+            <a:r>
+              <a:rPr lang="en-US" dirty="0"/>
+              <a:t>x = </a:t>
+            </a:r>
+            <a:r>
+              <a:rPr lang="en-US" dirty="0" err="1"/>
+              <a:t>np.array</a:t>
+            </a:r>
+            <a:r>
+              <a:rPr lang="en-US" dirty="0"/>
+              <a:t>([5,7,8,7,2,17,2,9,4,11,12,9,6])</a:t>
+            </a:r>
+          </a:p>
+          <a:p>
+            <a:pPr marL="274320" lvl="1" indent="0">
+              <a:buNone/>
+            </a:pPr>
+            <a:r>
+              <a:rPr lang="en-US" dirty="0"/>
+              <a:t>y = </a:t>
+            </a:r>
+            <a:r>
+              <a:rPr lang="en-US" dirty="0" err="1"/>
+              <a:t>np.array</a:t>
+            </a:r>
+            <a:r>
+              <a:rPr lang="en-US" dirty="0"/>
+              <a:t>([99,86,87,88,111,86,103,87,94,78,77,85,86])</a:t>
+            </a:r>
+          </a:p>
+          <a:p>
+            <a:pPr marL="274320" lvl="1" indent="0">
+              <a:buNone/>
+            </a:pPr>
+            <a:r>
+              <a:rPr lang="en-US" dirty="0"/>
+              <a:t>z = </a:t>
+            </a:r>
+            <a:r>
+              <a:rPr lang="en-US" dirty="0" err="1"/>
+              <a:t>np.array</a:t>
+            </a:r>
+            <a:r>
+              <a:rPr lang="en-US" dirty="0"/>
+              <a:t>([35, 25, 25, 15])</a:t>
+            </a:r>
+          </a:p>
+          <a:p>
+            <a:pPr marL="274320" lvl="1" indent="0">
+              <a:buNone/>
+            </a:pPr>
+            <a:r>
+              <a:rPr lang="en-US" dirty="0" err="1"/>
+              <a:t>mylabels</a:t>
+            </a:r>
+            <a:r>
+              <a:rPr lang="en-US" dirty="0"/>
+              <a:t> = ["Apples", "Bananas", "Cherries", "Dates"]</a:t>
+            </a:r>
+          </a:p>
+          <a:p>
+            <a:pPr marL="274320" lvl="1" indent="0">
+              <a:buNone/>
+            </a:pPr>
+            <a:endParaRPr lang="en-US" dirty="0"/>
+          </a:p>
+          <a:p>
+            <a:pPr marL="274320" lvl="1" indent="0">
+              <a:buNone/>
+            </a:pPr>
+            <a:endParaRPr lang="en-US" dirty="0"/>
+          </a:p>
+          <a:p>
+            <a:pPr marL="274320" lvl="1" indent="0">
+              <a:buNone/>
+            </a:pPr>
+            <a:endParaRPr lang="en-US" dirty="0"/>
+          </a:p>
+          <a:p>
+            <a:pPr marL="274320" lvl="1" indent="0">
+              <a:buNone/>
+            </a:pPr>
+            <a:r>
+              <a:rPr lang="en-US" dirty="0"/>
+              <a:t>fig=</a:t>
+            </a:r>
+            <a:r>
+              <a:rPr lang="en-US" dirty="0" err="1"/>
+              <a:t>plt.figure</a:t>
+            </a:r>
+            <a:r>
+              <a:rPr lang="en-US" dirty="0"/>
+              <a:t>()</a:t>
+            </a:r>
+          </a:p>
+          <a:p>
+            <a:pPr marL="274320" lvl="1" indent="0">
+              <a:buNone/>
+            </a:pPr>
+            <a:r>
+              <a:rPr lang="en-US" dirty="0"/>
+              <a:t>ax1=</a:t>
+            </a:r>
+            <a:r>
+              <a:rPr lang="en-US" dirty="0" err="1"/>
+              <a:t>fig.add_subplot</a:t>
+            </a:r>
+            <a:r>
+              <a:rPr lang="en-US" dirty="0"/>
+              <a:t>(2,2,1)</a:t>
+            </a:r>
+          </a:p>
+          <a:p>
+            <a:pPr marL="274320" lvl="1" indent="0">
+              <a:buNone/>
+            </a:pPr>
+            <a:r>
+              <a:rPr lang="en-US" dirty="0"/>
+              <a:t>ax2=</a:t>
+            </a:r>
+            <a:r>
+              <a:rPr lang="en-US" dirty="0" err="1"/>
+              <a:t>fig.add_subplot</a:t>
+            </a:r>
+            <a:r>
+              <a:rPr lang="en-US" dirty="0"/>
+              <a:t>(2,2,2)</a:t>
+            </a:r>
+          </a:p>
+          <a:p>
+            <a:pPr marL="274320" lvl="1" indent="0">
+              <a:buNone/>
+            </a:pPr>
+            <a:r>
+              <a:rPr lang="en-US" dirty="0"/>
+              <a:t>ax3=</a:t>
+            </a:r>
+            <a:r>
+              <a:rPr lang="en-US" dirty="0" err="1"/>
+              <a:t>fig.add_subplot</a:t>
+            </a:r>
+            <a:r>
+              <a:rPr lang="en-US" dirty="0"/>
+              <a:t>(2,2,3)</a:t>
+            </a:r>
+          </a:p>
+          <a:p>
+            <a:pPr marL="274320" lvl="1" indent="0">
+              <a:buNone/>
+            </a:pPr>
+            <a:r>
+              <a:rPr lang="en-US" dirty="0"/>
+              <a:t>ax4=</a:t>
+            </a:r>
+            <a:r>
+              <a:rPr lang="en-US" dirty="0" err="1"/>
+              <a:t>fig.add_subplot</a:t>
+            </a:r>
+            <a:r>
+              <a:rPr lang="en-US" dirty="0"/>
+              <a:t>(2,2,4)</a:t>
+            </a:r>
+          </a:p>
+          <a:p>
+            <a:pPr marL="274320" lvl="1" indent="0">
+              <a:buNone/>
+            </a:pPr>
+            <a:r>
+              <a:rPr lang="en-US" dirty="0"/>
+              <a:t>ax1.hist(</a:t>
+            </a:r>
+            <a:r>
+              <a:rPr lang="en-US" dirty="0" err="1"/>
+              <a:t>np.random.rand</a:t>
+            </a:r>
+            <a:r>
+              <a:rPr lang="en-US" dirty="0"/>
+              <a:t>(100), bins=20)</a:t>
+            </a:r>
+          </a:p>
+          <a:p>
+            <a:pPr marL="274320" lvl="1" indent="0">
+              <a:buNone/>
+            </a:pPr>
+            <a:r>
+              <a:rPr lang="en-US" dirty="0"/>
+              <a:t>ax2.plot(</a:t>
+            </a:r>
+            <a:r>
+              <a:rPr lang="en-US" dirty="0" err="1"/>
+              <a:t>np.random.rand</a:t>
+            </a:r>
+            <a:r>
+              <a:rPr lang="en-US" dirty="0"/>
+              <a:t>(100))</a:t>
+            </a:r>
+          </a:p>
+          <a:p>
+            <a:pPr marL="274320" lvl="1" indent="0">
+              <a:buNone/>
+            </a:pPr>
+            <a:r>
+              <a:rPr lang="en-US" dirty="0"/>
+              <a:t>ax3.scatter(x, y)</a:t>
+            </a:r>
+          </a:p>
+          <a:p>
+            <a:pPr marL="274320" lvl="1" indent="0">
+              <a:buNone/>
+            </a:pPr>
+            <a:r>
+              <a:rPr lang="en-US" dirty="0"/>
+              <a:t>ax4.pie(z, labels = </a:t>
+            </a:r>
+            <a:r>
+              <a:rPr lang="en-US" dirty="0" err="1"/>
+              <a:t>mylabels</a:t>
+            </a:r>
+            <a:r>
+              <a:rPr lang="en-US" dirty="0"/>
+              <a:t>)</a:t>
+            </a:r>
+          </a:p>
+          <a:p>
+            <a:pPr marL="274320" lvl="1" indent="0">
+              <a:buNone/>
+            </a:pPr>
+            <a:r>
+              <a:rPr lang="en-US" dirty="0" err="1"/>
+              <a:t>plt.show</a:t>
+            </a:r>
+            <a:r>
+              <a:rPr lang="en-US" dirty="0"/>
+              <a:t>()</a:t>
+            </a:r>
+          </a:p>
+        </p:txBody>
+      </p:sp>
+    </p:spTree>
+    <p:extLst>
+      <p:ext uri="{BB962C8B-B14F-4D97-AF65-F5344CB8AC3E}">
+        <p14:creationId xmlns:p14="http://schemas.microsoft.com/office/powerpoint/2010/main" val="1288710208"/>
+      </p:ext>
+    </p:extLst>
+  </p:cSld>
+  <p:clrMapOvr>
+    <a:masterClrMapping/>
+  </p:clrMapOvr>
+</p:sld>
+</file>
+
+<file path=ppt/slides/slide88.xml><?xml version="1.0" encoding="utf-8"?>
+<p:sld xmlns:a="http://schemas.openxmlformats.org/drawingml/2006/main" xmlns:r="http://schemas.openxmlformats.org/officeDocument/2006/relationships" xmlns:p="http://schemas.openxmlformats.org/presentationml/2006/main">
+  <p:cSld>
+    <p:spTree>
+      <p:nvGrpSpPr>
+        <p:cNvPr id="1" name=""/>
+        <p:cNvGrpSpPr/>
+        <p:nvPr/>
+      </p:nvGrpSpPr>
+      <p:grpSpPr>
+        <a:xfrm>
+          <a:off x="0" y="0"/>
+          <a:ext cx="0" cy="0"/>
+          <a:chOff x="0" y="0"/>
+          <a:chExt cx="0" cy="0"/>
+        </a:xfrm>
+      </p:grpSpPr>
+      <p:sp>
+        <p:nvSpPr>
+          <p:cNvPr id="2" name="Title 1">
+            <a:extLst>
+              <a:ext uri="{FF2B5EF4-FFF2-40B4-BE49-F238E27FC236}">
+                <a16:creationId xmlns:a16="http://schemas.microsoft.com/office/drawing/2014/main" id="{7368290C-ABE6-BFF5-EC23-A3E15A8CBCC8}"/>
+              </a:ext>
+            </a:extLst>
+          </p:cNvPr>
+          <p:cNvSpPr>
+            <a:spLocks noGrp="1"/>
+          </p:cNvSpPr>
+          <p:nvPr>
+            <p:ph type="title"/>
+          </p:nvPr>
+        </p:nvSpPr>
+        <p:spPr>
+          <a:xfrm>
+            <a:off x="1069848" y="123986"/>
+            <a:ext cx="10058400" cy="1053885"/>
+          </a:xfrm>
+        </p:spPr>
+        <p:txBody>
+          <a:bodyPr>
+            <a:normAutofit fontScale="90000"/>
+          </a:bodyPr>
+          <a:lstStyle/>
+          <a:p>
+            <a:r>
+              <a:rPr lang="en-US" dirty="0"/>
+              <a:t>Figure &amp; Subplot (Alternate with less code)</a:t>
+            </a:r>
+          </a:p>
+        </p:txBody>
+      </p:sp>
+      <p:sp>
+        <p:nvSpPr>
+          <p:cNvPr id="3" name="Content Placeholder 2">
+            <a:extLst>
+              <a:ext uri="{FF2B5EF4-FFF2-40B4-BE49-F238E27FC236}">
+                <a16:creationId xmlns:a16="http://schemas.microsoft.com/office/drawing/2014/main" id="{96485D69-F609-64D4-051F-A4327A2289DD}"/>
+              </a:ext>
+            </a:extLst>
+          </p:cNvPr>
+          <p:cNvSpPr>
+            <a:spLocks noGrp="1"/>
+          </p:cNvSpPr>
+          <p:nvPr>
+            <p:ph idx="1"/>
+          </p:nvPr>
+        </p:nvSpPr>
+        <p:spPr>
+          <a:xfrm>
+            <a:off x="1069848" y="1472339"/>
+            <a:ext cx="10058400" cy="4699861"/>
+          </a:xfrm>
+        </p:spPr>
+        <p:txBody>
+          <a:bodyPr>
+            <a:normAutofit/>
+          </a:bodyPr>
+          <a:lstStyle/>
+          <a:p>
+            <a:pPr marL="274320" lvl="1" indent="0">
+              <a:buNone/>
+            </a:pPr>
+            <a:r>
+              <a:rPr lang="en-US" dirty="0"/>
+              <a:t>x = </a:t>
+            </a:r>
+            <a:r>
+              <a:rPr lang="en-US" dirty="0" err="1"/>
+              <a:t>np.array</a:t>
+            </a:r>
+            <a:r>
+              <a:rPr lang="en-US" dirty="0"/>
+              <a:t>([5,7,8,7,2,17,2,9,4,11,12,9,6])</a:t>
+            </a:r>
+          </a:p>
+          <a:p>
+            <a:pPr marL="274320" lvl="1" indent="0">
+              <a:buNone/>
+            </a:pPr>
+            <a:r>
+              <a:rPr lang="en-US" dirty="0"/>
+              <a:t>y = </a:t>
+            </a:r>
+            <a:r>
+              <a:rPr lang="en-US" dirty="0" err="1"/>
+              <a:t>np.array</a:t>
+            </a:r>
+            <a:r>
+              <a:rPr lang="en-US" dirty="0"/>
+              <a:t>([99,86,87,88,111,86,103,87,94,78,77,85,86])</a:t>
+            </a:r>
+          </a:p>
+          <a:p>
+            <a:pPr marL="274320" lvl="1" indent="0">
+              <a:buNone/>
+            </a:pPr>
+            <a:r>
+              <a:rPr lang="en-US" dirty="0"/>
+              <a:t>z = </a:t>
+            </a:r>
+            <a:r>
+              <a:rPr lang="en-US" dirty="0" err="1"/>
+              <a:t>np.array</a:t>
+            </a:r>
+            <a:r>
+              <a:rPr lang="en-US" dirty="0"/>
+              <a:t>([35, 25, 25, 15])</a:t>
+            </a:r>
+          </a:p>
+          <a:p>
+            <a:pPr marL="274320" lvl="1" indent="0">
+              <a:buNone/>
+            </a:pPr>
+            <a:r>
+              <a:rPr lang="en-US" dirty="0" err="1"/>
+              <a:t>mylabels</a:t>
+            </a:r>
+            <a:r>
+              <a:rPr lang="en-US" dirty="0"/>
+              <a:t> = ["Apples", "Bananas", "Cherries", "Dates"]</a:t>
+            </a:r>
+          </a:p>
+          <a:p>
+            <a:pPr marL="274320" lvl="1" indent="0">
+              <a:buNone/>
+            </a:pPr>
+            <a:endParaRPr lang="en-US" dirty="0"/>
+          </a:p>
+          <a:p>
+            <a:pPr marL="274320" lvl="1" indent="0">
+              <a:buNone/>
+            </a:pPr>
+            <a:endParaRPr lang="en-US" dirty="0"/>
+          </a:p>
+          <a:p>
+            <a:pPr marL="274320" lvl="1" indent="0">
+              <a:buNone/>
+            </a:pPr>
+            <a:r>
+              <a:rPr lang="en-US" dirty="0" err="1"/>
+              <a:t>fig,axis</a:t>
+            </a:r>
+            <a:r>
+              <a:rPr lang="en-US" dirty="0"/>
+              <a:t>=</a:t>
+            </a:r>
+            <a:r>
+              <a:rPr lang="en-US" dirty="0" err="1"/>
+              <a:t>plt.subplots</a:t>
+            </a:r>
+            <a:r>
+              <a:rPr lang="en-US" dirty="0"/>
+              <a:t>(2,2)</a:t>
+            </a:r>
+          </a:p>
+          <a:p>
+            <a:pPr marL="274320" lvl="1" indent="0">
+              <a:buNone/>
+            </a:pPr>
+            <a:r>
+              <a:rPr lang="en-US" dirty="0"/>
+              <a:t>axis[0,0].hist(</a:t>
+            </a:r>
+            <a:r>
+              <a:rPr lang="en-US" dirty="0" err="1"/>
+              <a:t>np.random.rand</a:t>
+            </a:r>
+            <a:r>
+              <a:rPr lang="en-US" dirty="0"/>
+              <a:t>(100),bins=10)</a:t>
+            </a:r>
+          </a:p>
+          <a:p>
+            <a:pPr marL="274320" lvl="1" indent="0">
+              <a:buNone/>
+            </a:pPr>
+            <a:r>
+              <a:rPr lang="en-US" dirty="0"/>
+              <a:t>axis[0,1].plot(</a:t>
+            </a:r>
+            <a:r>
+              <a:rPr lang="en-US" dirty="0" err="1"/>
+              <a:t>np.random.rand</a:t>
+            </a:r>
+            <a:r>
+              <a:rPr lang="en-US" dirty="0"/>
+              <a:t>(100))</a:t>
+            </a:r>
+          </a:p>
+          <a:p>
+            <a:pPr marL="274320" lvl="1" indent="0">
+              <a:buNone/>
+            </a:pPr>
+            <a:r>
+              <a:rPr lang="en-US" dirty="0"/>
+              <a:t>axis[1,0].scatter(x, y)</a:t>
+            </a:r>
+          </a:p>
+          <a:p>
+            <a:pPr marL="274320" lvl="1" indent="0">
+              <a:buNone/>
+            </a:pPr>
+            <a:r>
+              <a:rPr lang="en-US" dirty="0"/>
+              <a:t>axis[1,1].pie(</a:t>
+            </a:r>
+            <a:r>
+              <a:rPr lang="en-US" dirty="0" err="1"/>
+              <a:t>z,labels</a:t>
+            </a:r>
+            <a:r>
+              <a:rPr lang="en-US" dirty="0"/>
+              <a:t>=</a:t>
+            </a:r>
+            <a:r>
+              <a:rPr lang="en-US" dirty="0" err="1"/>
+              <a:t>mylabels</a:t>
+            </a:r>
+            <a:r>
+              <a:rPr lang="en-US" dirty="0"/>
+              <a:t>)</a:t>
+            </a:r>
+          </a:p>
+          <a:p>
+            <a:pPr marL="274320" lvl="1" indent="0">
+              <a:buNone/>
+            </a:pPr>
+            <a:r>
+              <a:rPr lang="en-US" dirty="0" err="1"/>
+              <a:t>plt.show</a:t>
+            </a:r>
+            <a:r>
+              <a:rPr lang="en-US" dirty="0"/>
+              <a:t>()</a:t>
+            </a:r>
+          </a:p>
+        </p:txBody>
+      </p:sp>
+    </p:spTree>
+    <p:extLst>
+      <p:ext uri="{BB962C8B-B14F-4D97-AF65-F5344CB8AC3E}">
+        <p14:creationId xmlns:p14="http://schemas.microsoft.com/office/powerpoint/2010/main" val="3258616576"/>
+      </p:ext>
+    </p:extLst>
+  </p:cSld>
+  <p:clrMapOvr>
+    <a:masterClrMapping/>
+  </p:clrMapOvr>
+</p:sld>
+</file>
+
+<file path=ppt/slides/slide89.xml><?xml version="1.0" encoding="utf-8"?>
+<p:sld xmlns:a="http://schemas.openxmlformats.org/drawingml/2006/main" xmlns:r="http://schemas.openxmlformats.org/officeDocument/2006/relationships" xmlns:p="http://schemas.openxmlformats.org/presentationml/2006/main">
+  <p:cSld>
+    <p:spTree>
+      <p:nvGrpSpPr>
+        <p:cNvPr id="1" name=""/>
+        <p:cNvGrpSpPr/>
+        <p:nvPr/>
+      </p:nvGrpSpPr>
+      <p:grpSpPr>
+        <a:xfrm>
+          <a:off x="0" y="0"/>
+          <a:ext cx="0" cy="0"/>
+          <a:chOff x="0" y="0"/>
+          <a:chExt cx="0" cy="0"/>
+        </a:xfrm>
+      </p:grpSpPr>
+      <p:sp>
+        <p:nvSpPr>
+          <p:cNvPr id="2" name="Title 1">
+            <a:extLst>
+              <a:ext uri="{FF2B5EF4-FFF2-40B4-BE49-F238E27FC236}">
+                <a16:creationId xmlns:a16="http://schemas.microsoft.com/office/drawing/2014/main" id="{CE1D99B7-64C1-92D4-14CD-AB5B2350611E}"/>
+              </a:ext>
+            </a:extLst>
+          </p:cNvPr>
+          <p:cNvSpPr>
+            <a:spLocks noGrp="1"/>
+          </p:cNvSpPr>
+          <p:nvPr>
+            <p:ph type="title"/>
+          </p:nvPr>
+        </p:nvSpPr>
+        <p:spPr>
+          <a:xfrm>
+            <a:off x="1069848" y="232476"/>
+            <a:ext cx="10058400" cy="929898"/>
+          </a:xfrm>
+        </p:spPr>
+        <p:txBody>
+          <a:bodyPr>
+            <a:normAutofit/>
+          </a:bodyPr>
+          <a:lstStyle/>
+          <a:p>
+            <a:r>
+              <a:rPr lang="en-US" dirty="0"/>
+              <a:t>Fig &amp; Subplots Properties</a:t>
+            </a:r>
+          </a:p>
+        </p:txBody>
+      </p:sp>
+      <p:sp>
+        <p:nvSpPr>
+          <p:cNvPr id="3" name="Content Placeholder 2">
+            <a:extLst>
+              <a:ext uri="{FF2B5EF4-FFF2-40B4-BE49-F238E27FC236}">
+                <a16:creationId xmlns:a16="http://schemas.microsoft.com/office/drawing/2014/main" id="{BEF6B589-BA33-E065-865E-1E05EB8A9CE2}"/>
+              </a:ext>
+            </a:extLst>
+          </p:cNvPr>
+          <p:cNvSpPr>
+            <a:spLocks noGrp="1"/>
+          </p:cNvSpPr>
+          <p:nvPr>
+            <p:ph idx="1"/>
+          </p:nvPr>
+        </p:nvSpPr>
+        <p:spPr>
+          <a:xfrm>
+            <a:off x="1069848" y="1162374"/>
+            <a:ext cx="10058400" cy="5009826"/>
+          </a:xfrm>
+        </p:spPr>
+        <p:txBody>
+          <a:bodyPr/>
+          <a:lstStyle/>
+          <a:p>
+            <a:r>
+              <a:rPr lang="en-US" dirty="0" err="1"/>
+              <a:t>Sharex</a:t>
+            </a:r>
+            <a:r>
+              <a:rPr lang="en-US" dirty="0"/>
+              <a:t>  </a:t>
+            </a:r>
+          </a:p>
+          <a:p>
+            <a:r>
+              <a:rPr lang="en-US" dirty="0" err="1"/>
+              <a:t>Sharey</a:t>
+            </a:r>
+            <a:endParaRPr lang="en-US" dirty="0"/>
+          </a:p>
+          <a:p>
+            <a:r>
+              <a:rPr lang="en-US" dirty="0"/>
+              <a:t>Fig size</a:t>
+            </a:r>
+          </a:p>
+          <a:p>
+            <a:r>
+              <a:rPr lang="en-US" dirty="0" err="1"/>
+              <a:t>Wspace</a:t>
+            </a:r>
+            <a:r>
+              <a:rPr lang="en-US" dirty="0"/>
+              <a:t>  </a:t>
+            </a:r>
+          </a:p>
+          <a:p>
+            <a:r>
+              <a:rPr lang="en-US" dirty="0" err="1"/>
+              <a:t>hspace</a:t>
+            </a:r>
+            <a:endParaRPr lang="en-US" dirty="0"/>
+          </a:p>
+          <a:p>
+            <a:r>
+              <a:rPr lang="en-US" dirty="0"/>
+              <a:t>Color</a:t>
+            </a:r>
+          </a:p>
+          <a:p>
+            <a:r>
+              <a:rPr lang="en-US" dirty="0"/>
+              <a:t>marker </a:t>
+            </a:r>
+          </a:p>
+          <a:p>
+            <a:r>
+              <a:rPr lang="en-US" dirty="0"/>
+              <a:t>style</a:t>
+            </a:r>
+          </a:p>
+          <a:p>
+            <a:r>
+              <a:rPr lang="en-US" dirty="0"/>
+              <a:t>Legend for every plot</a:t>
+            </a:r>
+          </a:p>
+          <a:p>
+            <a:r>
+              <a:rPr lang="en-US" dirty="0"/>
+              <a:t>X-Axis &amp; Y-Axis labels &amp; Title label</a:t>
+            </a:r>
+          </a:p>
+          <a:p>
+            <a:r>
+              <a:rPr lang="en-US" dirty="0"/>
+              <a:t>X-Axis &amp; Y-Axis labels &amp; Title label in a dictionary</a:t>
+            </a:r>
+          </a:p>
+          <a:p>
+            <a:endParaRPr lang="en-US" dirty="0"/>
+          </a:p>
+        </p:txBody>
+      </p:sp>
+    </p:spTree>
+    <p:extLst>
+      <p:ext uri="{BB962C8B-B14F-4D97-AF65-F5344CB8AC3E}">
+        <p14:creationId xmlns:p14="http://schemas.microsoft.com/office/powerpoint/2010/main" val="1963691586"/>
       </p:ext>
     </p:extLst>
   </p:cSld>
@@ -45992,6 +53491,579 @@
     <p:extLst>
       <p:ext uri="{BB962C8B-B14F-4D97-AF65-F5344CB8AC3E}">
         <p14:creationId xmlns:p14="http://schemas.microsoft.com/office/powerpoint/2010/main" val="1251532015"/>
+      </p:ext>
+    </p:extLst>
+  </p:cSld>
+  <p:clrMapOvr>
+    <a:masterClrMapping/>
+  </p:clrMapOvr>
+</p:sld>
+</file>
+
+<file path=ppt/slides/slide90.xml><?xml version="1.0" encoding="utf-8"?>
+<p:sld xmlns:a="http://schemas.openxmlformats.org/drawingml/2006/main" xmlns:r="http://schemas.openxmlformats.org/officeDocument/2006/relationships" xmlns:p="http://schemas.openxmlformats.org/presentationml/2006/main">
+  <p:cSld>
+    <p:spTree>
+      <p:nvGrpSpPr>
+        <p:cNvPr id="1" name=""/>
+        <p:cNvGrpSpPr/>
+        <p:nvPr/>
+      </p:nvGrpSpPr>
+      <p:grpSpPr>
+        <a:xfrm>
+          <a:off x="0" y="0"/>
+          <a:ext cx="0" cy="0"/>
+          <a:chOff x="0" y="0"/>
+          <a:chExt cx="0" cy="0"/>
+        </a:xfrm>
+      </p:grpSpPr>
+      <p:sp>
+        <p:nvSpPr>
+          <p:cNvPr id="2" name="Title 1">
+            <a:extLst>
+              <a:ext uri="{FF2B5EF4-FFF2-40B4-BE49-F238E27FC236}">
+                <a16:creationId xmlns:a16="http://schemas.microsoft.com/office/drawing/2014/main" id="{CE1D99B7-64C1-92D4-14CD-AB5B2350611E}"/>
+              </a:ext>
+            </a:extLst>
+          </p:cNvPr>
+          <p:cNvSpPr>
+            <a:spLocks noGrp="1"/>
+          </p:cNvSpPr>
+          <p:nvPr>
+            <p:ph type="title"/>
+          </p:nvPr>
+        </p:nvSpPr>
+        <p:spPr>
+          <a:xfrm>
+            <a:off x="1069848" y="232476"/>
+            <a:ext cx="10058400" cy="573436"/>
+          </a:xfrm>
+        </p:spPr>
+        <p:txBody>
+          <a:bodyPr>
+            <a:normAutofit fontScale="90000"/>
+          </a:bodyPr>
+          <a:lstStyle/>
+          <a:p>
+            <a:r>
+              <a:rPr lang="en-US" dirty="0"/>
+              <a:t>Fig &amp; Subplots Properties</a:t>
+            </a:r>
+          </a:p>
+        </p:txBody>
+      </p:sp>
+      <p:sp>
+        <p:nvSpPr>
+          <p:cNvPr id="3" name="Content Placeholder 2">
+            <a:extLst>
+              <a:ext uri="{FF2B5EF4-FFF2-40B4-BE49-F238E27FC236}">
+                <a16:creationId xmlns:a16="http://schemas.microsoft.com/office/drawing/2014/main" id="{BEF6B589-BA33-E065-865E-1E05EB8A9CE2}"/>
+              </a:ext>
+            </a:extLst>
+          </p:cNvPr>
+          <p:cNvSpPr>
+            <a:spLocks noGrp="1"/>
+          </p:cNvSpPr>
+          <p:nvPr>
+            <p:ph idx="1"/>
+          </p:nvPr>
+        </p:nvSpPr>
+        <p:spPr>
+          <a:xfrm>
+            <a:off x="1069848" y="805912"/>
+            <a:ext cx="10058400" cy="5819612"/>
+          </a:xfrm>
+        </p:spPr>
+        <p:txBody>
+          <a:bodyPr>
+            <a:normAutofit fontScale="92500" lnSpcReduction="10000"/>
+          </a:bodyPr>
+          <a:lstStyle/>
+          <a:p>
+            <a:r>
+              <a:rPr lang="en-US" dirty="0" err="1"/>
+              <a:t>fig,axis</a:t>
+            </a:r>
+            <a:r>
+              <a:rPr lang="en-US" dirty="0"/>
+              <a:t>=</a:t>
+            </a:r>
+            <a:r>
+              <a:rPr lang="en-US" dirty="0" err="1"/>
+              <a:t>plt.subplots</a:t>
+            </a:r>
+            <a:r>
+              <a:rPr lang="en-US" dirty="0"/>
+              <a:t>(2,2,sharex=</a:t>
+            </a:r>
+            <a:r>
+              <a:rPr lang="en-US" dirty="0" err="1"/>
+              <a:t>True,sharey</a:t>
+            </a:r>
+            <a:r>
+              <a:rPr lang="en-US" dirty="0"/>
+              <a:t>=True, </a:t>
+            </a:r>
+            <a:r>
+              <a:rPr lang="en-US" dirty="0" err="1"/>
+              <a:t>figsize</a:t>
+            </a:r>
+            <a:r>
+              <a:rPr lang="en-US" dirty="0"/>
+              <a:t>=(6,8))###</a:t>
+            </a:r>
+            <a:r>
+              <a:rPr lang="en-US" dirty="0" err="1"/>
+              <a:t>gridspec_kw</a:t>
+            </a:r>
+            <a:r>
+              <a:rPr lang="en-US" dirty="0"/>
+              <a:t>={'</a:t>
+            </a:r>
+            <a:r>
+              <a:rPr lang="en-US" dirty="0" err="1"/>
+              <a:t>width_ratios</a:t>
+            </a:r>
+            <a:r>
+              <a:rPr lang="en-US" dirty="0"/>
+              <a:t>': [1, 2]}</a:t>
+            </a:r>
+          </a:p>
+          <a:p>
+            <a:r>
+              <a:rPr lang="en-US" dirty="0" err="1"/>
+              <a:t>plt.subplots_adjust</a:t>
+            </a:r>
+            <a:r>
+              <a:rPr lang="en-US" dirty="0"/>
+              <a:t>(</a:t>
+            </a:r>
+            <a:r>
+              <a:rPr lang="en-US" dirty="0" err="1"/>
+              <a:t>wspace</a:t>
+            </a:r>
+            <a:r>
+              <a:rPr lang="en-US" dirty="0"/>
+              <a:t>=0,hspace=0)</a:t>
+            </a:r>
+          </a:p>
+          <a:p>
+            <a:r>
+              <a:rPr lang="en-US" dirty="0"/>
+              <a:t>axis[0,0].hist(</a:t>
+            </a:r>
+            <a:r>
+              <a:rPr lang="en-US" dirty="0" err="1"/>
+              <a:t>np.random.rand</a:t>
+            </a:r>
+            <a:r>
+              <a:rPr lang="en-US" dirty="0"/>
+              <a:t>(100),bins=10,color="r", label="</a:t>
+            </a:r>
+            <a:r>
+              <a:rPr lang="en-US" dirty="0" err="1"/>
+              <a:t>histo</a:t>
+            </a:r>
+            <a:r>
+              <a:rPr lang="en-US" dirty="0"/>
+              <a:t>")</a:t>
+            </a:r>
+          </a:p>
+          <a:p>
+            <a:r>
+              <a:rPr lang="en-US" dirty="0"/>
+              <a:t>axis[0,0].legend(loc="best")</a:t>
+            </a:r>
+          </a:p>
+          <a:p>
+            <a:r>
+              <a:rPr lang="en-US" dirty="0"/>
+              <a:t>axis[0,0].</a:t>
+            </a:r>
+            <a:r>
+              <a:rPr lang="en-US" dirty="0" err="1"/>
+              <a:t>set_xlabel</a:t>
+            </a:r>
+            <a:r>
+              <a:rPr lang="en-US" dirty="0"/>
+              <a:t>("</a:t>
+            </a:r>
+            <a:r>
+              <a:rPr lang="en-US" dirty="0" err="1"/>
+              <a:t>xlabel</a:t>
+            </a:r>
+            <a:r>
+              <a:rPr lang="en-US" dirty="0"/>
+              <a:t>")</a:t>
+            </a:r>
+          </a:p>
+          <a:p>
+            <a:r>
+              <a:rPr lang="en-US" dirty="0"/>
+              <a:t>axis[0,0].</a:t>
+            </a:r>
+            <a:r>
+              <a:rPr lang="en-US" dirty="0" err="1"/>
+              <a:t>set_ylabel</a:t>
+            </a:r>
+            <a:r>
+              <a:rPr lang="en-US" dirty="0"/>
+              <a:t>("</a:t>
+            </a:r>
+            <a:r>
+              <a:rPr lang="en-US" dirty="0" err="1"/>
+              <a:t>ylabel</a:t>
+            </a:r>
+            <a:r>
+              <a:rPr lang="en-US" dirty="0"/>
+              <a:t>")</a:t>
+            </a:r>
+          </a:p>
+          <a:p>
+            <a:r>
+              <a:rPr lang="en-US" dirty="0"/>
+              <a:t>axis[0,0].</a:t>
+            </a:r>
+            <a:r>
+              <a:rPr lang="en-US" dirty="0" err="1"/>
+              <a:t>set_title</a:t>
+            </a:r>
+            <a:r>
+              <a:rPr lang="en-US" dirty="0"/>
+              <a:t>("first plot")</a:t>
+            </a:r>
+          </a:p>
+          <a:p>
+            <a:r>
+              <a:rPr lang="en-US" dirty="0"/>
+              <a:t>axis[0,1].plot(</a:t>
+            </a:r>
+            <a:r>
+              <a:rPr lang="en-US" dirty="0" err="1"/>
+              <a:t>np.random.rand</a:t>
+            </a:r>
+            <a:r>
+              <a:rPr lang="en-US" dirty="0"/>
+              <a:t>(100),color="g",</a:t>
+            </a:r>
+            <a:r>
+              <a:rPr lang="en-US" dirty="0" err="1"/>
+              <a:t>linestyle</a:t>
+            </a:r>
+            <a:r>
+              <a:rPr lang="en-US" dirty="0"/>
+              <a:t>="--", marker="o")</a:t>
+            </a:r>
+          </a:p>
+          <a:p>
+            <a:r>
+              <a:rPr lang="en-US" dirty="0" err="1"/>
+              <a:t>plot_label</a:t>
+            </a:r>
+            <a:r>
+              <a:rPr lang="en-US" dirty="0"/>
+              <a:t>={'</a:t>
+            </a:r>
+            <a:r>
+              <a:rPr lang="en-US" dirty="0" err="1"/>
+              <a:t>title':'Second</a:t>
+            </a:r>
+            <a:r>
+              <a:rPr lang="en-US" dirty="0"/>
+              <a:t> Plot',</a:t>
+            </a:r>
+          </a:p>
+          <a:p>
+            <a:r>
+              <a:rPr lang="en-US" dirty="0"/>
+              <a:t>           '</a:t>
+            </a:r>
+            <a:r>
+              <a:rPr lang="en-US" dirty="0" err="1"/>
+              <a:t>xlabel</a:t>
+            </a:r>
+            <a:r>
+              <a:rPr lang="en-US" dirty="0"/>
+              <a:t>':'X-Axis'}</a:t>
+            </a:r>
+          </a:p>
+          <a:p>
+            <a:r>
+              <a:rPr lang="en-US" dirty="0"/>
+              <a:t>axis[0,1].set(**</a:t>
+            </a:r>
+            <a:r>
+              <a:rPr lang="en-US" dirty="0" err="1"/>
+              <a:t>plot_label</a:t>
+            </a:r>
+            <a:r>
+              <a:rPr lang="en-US" dirty="0"/>
+              <a:t>)</a:t>
+            </a:r>
+          </a:p>
+          <a:p>
+            <a:r>
+              <a:rPr lang="en-US" dirty="0"/>
+              <a:t>axis[1,0].scatter(x, </a:t>
+            </a:r>
+            <a:r>
+              <a:rPr lang="en-US" dirty="0" err="1"/>
+              <a:t>y,color</a:t>
+            </a:r>
+            <a:r>
+              <a:rPr lang="en-US" dirty="0"/>
+              <a:t>="y")</a:t>
+            </a:r>
+          </a:p>
+          <a:p>
+            <a:r>
+              <a:rPr lang="en-US" dirty="0"/>
+              <a:t>axis[1,1].pie(</a:t>
+            </a:r>
+            <a:r>
+              <a:rPr lang="en-US" dirty="0" err="1"/>
+              <a:t>z,labels</a:t>
+            </a:r>
+            <a:r>
+              <a:rPr lang="en-US" dirty="0"/>
+              <a:t>=</a:t>
+            </a:r>
+            <a:r>
+              <a:rPr lang="en-US" dirty="0" err="1"/>
+              <a:t>mylabels</a:t>
+            </a:r>
+            <a:r>
+              <a:rPr lang="en-US" dirty="0"/>
+              <a:t>)</a:t>
+            </a:r>
+          </a:p>
+          <a:p>
+            <a:r>
+              <a:rPr lang="en-US" dirty="0" err="1"/>
+              <a:t>plt.show</a:t>
+            </a:r>
+            <a:r>
+              <a:rPr lang="en-US" dirty="0"/>
+              <a:t>()</a:t>
+            </a:r>
+          </a:p>
+        </p:txBody>
+      </p:sp>
+    </p:spTree>
+    <p:extLst>
+      <p:ext uri="{BB962C8B-B14F-4D97-AF65-F5344CB8AC3E}">
+        <p14:creationId xmlns:p14="http://schemas.microsoft.com/office/powerpoint/2010/main" val="3698499414"/>
+      </p:ext>
+    </p:extLst>
+  </p:cSld>
+  <p:clrMapOvr>
+    <a:masterClrMapping/>
+  </p:clrMapOvr>
+</p:sld>
+</file>
+
+<file path=ppt/slides/slide91.xml><?xml version="1.0" encoding="utf-8"?>
+<p:sld xmlns:a="http://schemas.openxmlformats.org/drawingml/2006/main" xmlns:r="http://schemas.openxmlformats.org/officeDocument/2006/relationships" xmlns:p="http://schemas.openxmlformats.org/presentationml/2006/main">
+  <p:cSld>
+    <p:spTree>
+      <p:nvGrpSpPr>
+        <p:cNvPr id="1" name=""/>
+        <p:cNvGrpSpPr/>
+        <p:nvPr/>
+      </p:nvGrpSpPr>
+      <p:grpSpPr>
+        <a:xfrm>
+          <a:off x="0" y="0"/>
+          <a:ext cx="0" cy="0"/>
+          <a:chOff x="0" y="0"/>
+          <a:chExt cx="0" cy="0"/>
+        </a:xfrm>
+      </p:grpSpPr>
+      <p:sp>
+        <p:nvSpPr>
+          <p:cNvPr id="2" name="Title 1">
+            <a:extLst>
+              <a:ext uri="{FF2B5EF4-FFF2-40B4-BE49-F238E27FC236}">
+                <a16:creationId xmlns:a16="http://schemas.microsoft.com/office/drawing/2014/main" id="{864147A8-5FBB-3601-0757-F0D517104BD3}"/>
+              </a:ext>
+            </a:extLst>
+          </p:cNvPr>
+          <p:cNvSpPr>
+            <a:spLocks noGrp="1"/>
+          </p:cNvSpPr>
+          <p:nvPr>
+            <p:ph type="title"/>
+          </p:nvPr>
+        </p:nvSpPr>
+        <p:spPr>
+          <a:xfrm>
+            <a:off x="1069848" y="484632"/>
+            <a:ext cx="10058400" cy="865197"/>
+          </a:xfrm>
+        </p:spPr>
+        <p:txBody>
+          <a:bodyPr/>
+          <a:lstStyle/>
+          <a:p>
+            <a:r>
+              <a:rPr lang="en-US" dirty="0"/>
+              <a:t>Seaborn Correlation &amp; </a:t>
+            </a:r>
+            <a:r>
+              <a:rPr lang="en-US" dirty="0" err="1"/>
+              <a:t>Isnull</a:t>
+            </a:r>
+            <a:endParaRPr lang="en-US" dirty="0"/>
+          </a:p>
+        </p:txBody>
+      </p:sp>
+      <p:sp>
+        <p:nvSpPr>
+          <p:cNvPr id="3" name="Content Placeholder 2">
+            <a:extLst>
+              <a:ext uri="{FF2B5EF4-FFF2-40B4-BE49-F238E27FC236}">
+                <a16:creationId xmlns:a16="http://schemas.microsoft.com/office/drawing/2014/main" id="{B907B66E-3554-1DF9-48B4-9AA3A6527053}"/>
+              </a:ext>
+            </a:extLst>
+          </p:cNvPr>
+          <p:cNvSpPr>
+            <a:spLocks noGrp="1"/>
+          </p:cNvSpPr>
+          <p:nvPr>
+            <p:ph idx="1"/>
+          </p:nvPr>
+        </p:nvSpPr>
+        <p:spPr>
+          <a:xfrm>
+            <a:off x="1069848" y="1219200"/>
+            <a:ext cx="10058400" cy="4953000"/>
+          </a:xfrm>
+        </p:spPr>
+        <p:txBody>
+          <a:bodyPr/>
+          <a:lstStyle/>
+          <a:p>
+            <a:r>
+              <a:rPr lang="en-US" dirty="0" err="1"/>
+              <a:t>sns.heatmap</a:t>
+            </a:r>
+            <a:r>
+              <a:rPr lang="en-US" dirty="0"/>
+              <a:t>(</a:t>
+            </a:r>
+            <a:r>
+              <a:rPr lang="en-US" dirty="0" err="1"/>
+              <a:t>df.isnull</a:t>
+            </a:r>
+            <a:r>
+              <a:rPr lang="en-US" dirty="0"/>
+              <a:t>(),cbar=True)</a:t>
+            </a:r>
+          </a:p>
+          <a:p>
+            <a:r>
+              <a:rPr lang="en-US" dirty="0" err="1"/>
+              <a:t>corr</a:t>
+            </a:r>
+            <a:r>
+              <a:rPr lang="en-US" dirty="0"/>
+              <a:t>=</a:t>
+            </a:r>
+            <a:r>
+              <a:rPr lang="en-US" dirty="0" err="1"/>
+              <a:t>df.corr</a:t>
+            </a:r>
+            <a:r>
+              <a:rPr lang="en-US" dirty="0"/>
+              <a:t>()</a:t>
+            </a:r>
+          </a:p>
+          <a:p>
+            <a:r>
+              <a:rPr lang="en-US" dirty="0" err="1"/>
+              <a:t>plt.figure</a:t>
+            </a:r>
+            <a:r>
+              <a:rPr lang="en-US" dirty="0"/>
+              <a:t>(</a:t>
+            </a:r>
+            <a:r>
+              <a:rPr lang="en-US" dirty="0" err="1"/>
+              <a:t>figsize</a:t>
+            </a:r>
+            <a:r>
+              <a:rPr lang="en-US" dirty="0"/>
+              <a:t>=(30,20))</a:t>
+            </a:r>
+          </a:p>
+          <a:p>
+            <a:r>
+              <a:rPr lang="en-US" dirty="0" err="1"/>
+              <a:t>plt.title</a:t>
+            </a:r>
+            <a:r>
+              <a:rPr lang="en-US" dirty="0"/>
+              <a:t>('Pearson Correlation of Features', y=1, size=40)</a:t>
+            </a:r>
+          </a:p>
+          <a:p>
+            <a:r>
+              <a:rPr lang="en-US" dirty="0" err="1"/>
+              <a:t>sns.heatmap</a:t>
+            </a:r>
+            <a:r>
+              <a:rPr lang="en-US" dirty="0"/>
+              <a:t>(</a:t>
+            </a:r>
+            <a:r>
+              <a:rPr lang="en-US" dirty="0" err="1"/>
+              <a:t>corr,linewidths</a:t>
+            </a:r>
+            <a:r>
+              <a:rPr lang="en-US" dirty="0"/>
+              <a:t>=-1,vmax=1.0,square=True, </a:t>
+            </a:r>
+            <a:r>
+              <a:rPr lang="en-US" dirty="0" err="1"/>
+              <a:t>cmap</a:t>
+            </a:r>
+            <a:r>
+              <a:rPr lang="en-US" dirty="0"/>
+              <a:t>='hot', </a:t>
+            </a:r>
+            <a:r>
+              <a:rPr lang="en-US" dirty="0" err="1"/>
+              <a:t>linecolor</a:t>
+            </a:r>
+            <a:r>
+              <a:rPr lang="en-US" dirty="0"/>
+              <a:t>='Black',</a:t>
+            </a:r>
+            <a:r>
+              <a:rPr lang="en-US" dirty="0" err="1"/>
+              <a:t>annot</a:t>
+            </a:r>
+            <a:r>
+              <a:rPr lang="en-US" dirty="0"/>
+              <a:t>=True)</a:t>
+            </a:r>
+          </a:p>
+          <a:p>
+            <a:r>
+              <a:rPr lang="en-US" dirty="0" err="1"/>
+              <a:t>plt.show</a:t>
+            </a:r>
+            <a:r>
+              <a:rPr lang="en-US" dirty="0"/>
+              <a:t>()</a:t>
+            </a:r>
+          </a:p>
+        </p:txBody>
+      </p:sp>
+    </p:spTree>
+    <p:extLst>
+      <p:ext uri="{BB962C8B-B14F-4D97-AF65-F5344CB8AC3E}">
+        <p14:creationId xmlns:p14="http://schemas.microsoft.com/office/powerpoint/2010/main" val="3010243839"/>
       </p:ext>
     </p:extLst>
   </p:cSld>
